--- a/CORONA_Model2.pptx
+++ b/CORONA_Model2.pptx
@@ -7,8 +7,9 @@
   <p:sldIdLst>
     <p:sldId id="256" r:id="rId2"/>
     <p:sldId id="258" r:id="rId3"/>
-    <p:sldId id="259" r:id="rId4"/>
-    <p:sldId id="257" r:id="rId5"/>
+    <p:sldId id="260" r:id="rId4"/>
+    <p:sldId id="259" r:id="rId5"/>
+    <p:sldId id="257" r:id="rId6"/>
   </p:sldIdLst>
   <p:sldSz cx="12192000" cy="6858000"/>
   <p:notesSz cx="7104063" cy="10234613"/>
@@ -246,7 +247,7 @@
           <a:p>
             <a:fld id="{892A93C0-FA96-4AF9-A2A1-287FA3C3E6F8}" type="datetimeFigureOut">
               <a:rPr lang="en-US" smtClean="0"/>
-              <a:t>4/21/2020</a:t>
+              <a:t>5/13/2020</a:t>
             </a:fld>
             <a:endParaRPr lang="en-US"/>
           </a:p>
@@ -416,7 +417,7 @@
           <a:p>
             <a:fld id="{892A93C0-FA96-4AF9-A2A1-287FA3C3E6F8}" type="datetimeFigureOut">
               <a:rPr lang="en-US" smtClean="0"/>
-              <a:t>4/21/2020</a:t>
+              <a:t>5/13/2020</a:t>
             </a:fld>
             <a:endParaRPr lang="en-US"/>
           </a:p>
@@ -596,7 +597,7 @@
           <a:p>
             <a:fld id="{892A93C0-FA96-4AF9-A2A1-287FA3C3E6F8}" type="datetimeFigureOut">
               <a:rPr lang="en-US" smtClean="0"/>
-              <a:t>4/21/2020</a:t>
+              <a:t>5/13/2020</a:t>
             </a:fld>
             <a:endParaRPr lang="en-US"/>
           </a:p>
@@ -766,7 +767,7 @@
           <a:p>
             <a:fld id="{892A93C0-FA96-4AF9-A2A1-287FA3C3E6F8}" type="datetimeFigureOut">
               <a:rPr lang="en-US" smtClean="0"/>
-              <a:t>4/21/2020</a:t>
+              <a:t>5/13/2020</a:t>
             </a:fld>
             <a:endParaRPr lang="en-US"/>
           </a:p>
@@ -1012,7 +1013,7 @@
           <a:p>
             <a:fld id="{892A93C0-FA96-4AF9-A2A1-287FA3C3E6F8}" type="datetimeFigureOut">
               <a:rPr lang="en-US" smtClean="0"/>
-              <a:t>4/21/2020</a:t>
+              <a:t>5/13/2020</a:t>
             </a:fld>
             <a:endParaRPr lang="en-US"/>
           </a:p>
@@ -1244,7 +1245,7 @@
           <a:p>
             <a:fld id="{892A93C0-FA96-4AF9-A2A1-287FA3C3E6F8}" type="datetimeFigureOut">
               <a:rPr lang="en-US" smtClean="0"/>
-              <a:t>4/21/2020</a:t>
+              <a:t>5/13/2020</a:t>
             </a:fld>
             <a:endParaRPr lang="en-US"/>
           </a:p>
@@ -1611,7 +1612,7 @@
           <a:p>
             <a:fld id="{892A93C0-FA96-4AF9-A2A1-287FA3C3E6F8}" type="datetimeFigureOut">
               <a:rPr lang="en-US" smtClean="0"/>
-              <a:t>4/21/2020</a:t>
+              <a:t>5/13/2020</a:t>
             </a:fld>
             <a:endParaRPr lang="en-US"/>
           </a:p>
@@ -1729,7 +1730,7 @@
           <a:p>
             <a:fld id="{892A93C0-FA96-4AF9-A2A1-287FA3C3E6F8}" type="datetimeFigureOut">
               <a:rPr lang="en-US" smtClean="0"/>
-              <a:t>4/21/2020</a:t>
+              <a:t>5/13/2020</a:t>
             </a:fld>
             <a:endParaRPr lang="en-US"/>
           </a:p>
@@ -1824,7 +1825,7 @@
           <a:p>
             <a:fld id="{892A93C0-FA96-4AF9-A2A1-287FA3C3E6F8}" type="datetimeFigureOut">
               <a:rPr lang="en-US" smtClean="0"/>
-              <a:t>4/21/2020</a:t>
+              <a:t>5/13/2020</a:t>
             </a:fld>
             <a:endParaRPr lang="en-US"/>
           </a:p>
@@ -2101,7 +2102,7 @@
           <a:p>
             <a:fld id="{892A93C0-FA96-4AF9-A2A1-287FA3C3E6F8}" type="datetimeFigureOut">
               <a:rPr lang="en-US" smtClean="0"/>
-              <a:t>4/21/2020</a:t>
+              <a:t>5/13/2020</a:t>
             </a:fld>
             <a:endParaRPr lang="en-US"/>
           </a:p>
@@ -2354,7 +2355,7 @@
           <a:p>
             <a:fld id="{892A93C0-FA96-4AF9-A2A1-287FA3C3E6F8}" type="datetimeFigureOut">
               <a:rPr lang="en-US" smtClean="0"/>
-              <a:t>4/21/2020</a:t>
+              <a:t>5/13/2020</a:t>
             </a:fld>
             <a:endParaRPr lang="en-US"/>
           </a:p>
@@ -2567,7 +2568,7 @@
           <a:p>
             <a:fld id="{892A93C0-FA96-4AF9-A2A1-287FA3C3E6F8}" type="datetimeFigureOut">
               <a:rPr lang="en-US" smtClean="0"/>
-              <a:t>4/21/2020</a:t>
+              <a:t>5/13/2020</a:t>
             </a:fld>
             <a:endParaRPr lang="en-US"/>
           </a:p>
@@ -9304,7 +9305,6 @@
               <a:rPr lang="de-DE" sz="1400" dirty="0" smtClean="0"/>
               <a:t>(t)</a:t>
             </a:r>
-            <a:endParaRPr lang="de-DE" sz="1400" dirty="0" smtClean="0"/>
           </a:p>
         </p:txBody>
       </p:sp>
@@ -12814,6 +12814,7630 @@
       </p:grpSpPr>
       <p:sp>
         <p:nvSpPr>
+          <p:cNvPr id="6" name="Abgerundetes Rechteck 5"/>
+          <p:cNvSpPr/>
+          <p:nvPr/>
+        </p:nvSpPr>
+        <p:spPr>
+          <a:xfrm>
+            <a:off x="334328" y="2810827"/>
+            <a:ext cx="1370271" cy="725714"/>
+          </a:xfrm>
+          <a:prstGeom prst="roundRect">
+            <a:avLst/>
+          </a:prstGeom>
+        </p:spPr>
+        <p:style>
+          <a:lnRef idx="2">
+            <a:schemeClr val="accent1">
+              <a:shade val="50000"/>
+            </a:schemeClr>
+          </a:lnRef>
+          <a:fillRef idx="1">
+            <a:schemeClr val="accent1"/>
+          </a:fillRef>
+          <a:effectRef idx="0">
+            <a:schemeClr val="accent1"/>
+          </a:effectRef>
+          <a:fontRef idx="minor">
+            <a:schemeClr val="lt1"/>
+          </a:fontRef>
+        </p:style>
+        <p:txBody>
+          <a:bodyPr rtlCol="0" anchor="ctr"/>
+          <a:lstStyle/>
+          <a:p>
+            <a:pPr algn="ctr"/>
+            <a:r>
+              <a:rPr lang="de-DE" dirty="0" smtClean="0"/>
+              <a:t>S</a:t>
+            </a:r>
+          </a:p>
+          <a:p>
+            <a:pPr algn="ctr"/>
+            <a:r>
+              <a:rPr lang="de-DE" dirty="0" err="1" smtClean="0"/>
+              <a:t>susceptible</a:t>
+            </a:r>
+            <a:endParaRPr lang="en-US" dirty="0"/>
+          </a:p>
+        </p:txBody>
+      </p:sp>
+      <p:sp>
+        <p:nvSpPr>
+          <p:cNvPr id="40" name="Abgerundetes Rechteck 39"/>
+          <p:cNvSpPr/>
+          <p:nvPr/>
+        </p:nvSpPr>
+        <p:spPr>
+          <a:xfrm>
+            <a:off x="3856122" y="1430714"/>
+            <a:ext cx="1277257" cy="725714"/>
+          </a:xfrm>
+          <a:prstGeom prst="roundRect">
+            <a:avLst/>
+          </a:prstGeom>
+        </p:spPr>
+        <p:style>
+          <a:lnRef idx="2">
+            <a:schemeClr val="accent1">
+              <a:shade val="50000"/>
+            </a:schemeClr>
+          </a:lnRef>
+          <a:fillRef idx="1">
+            <a:schemeClr val="accent1"/>
+          </a:fillRef>
+          <a:effectRef idx="0">
+            <a:schemeClr val="accent1"/>
+          </a:effectRef>
+          <a:fontRef idx="minor">
+            <a:schemeClr val="lt1"/>
+          </a:fontRef>
+        </p:style>
+        <p:txBody>
+          <a:bodyPr rtlCol="0" anchor="ctr"/>
+          <a:lstStyle/>
+          <a:p>
+            <a:pPr algn="ctr"/>
+            <a:r>
+              <a:rPr lang="de-DE" dirty="0" smtClean="0"/>
+              <a:t>I</a:t>
+            </a:r>
+          </a:p>
+          <a:p>
+            <a:pPr algn="ctr"/>
+            <a:r>
+              <a:rPr lang="de-DE" dirty="0" err="1" smtClean="0"/>
+              <a:t>infected</a:t>
+            </a:r>
+            <a:endParaRPr lang="en-US" dirty="0"/>
+          </a:p>
+        </p:txBody>
+      </p:sp>
+      <p:grpSp>
+        <p:nvGrpSpPr>
+          <p:cNvPr id="3" name="Gruppieren 2"/>
+          <p:cNvGrpSpPr/>
+          <p:nvPr/>
+        </p:nvGrpSpPr>
+        <p:grpSpPr>
+          <a:xfrm>
+            <a:off x="393026" y="1813282"/>
+            <a:ext cx="1200529" cy="987524"/>
+            <a:chOff x="831471" y="1610336"/>
+            <a:chExt cx="1200529" cy="1268482"/>
+          </a:xfrm>
+        </p:grpSpPr>
+        <p:grpSp>
+          <p:nvGrpSpPr>
+            <p:cNvPr id="24" name="Gruppieren 23"/>
+            <p:cNvGrpSpPr/>
+            <p:nvPr/>
+          </p:nvGrpSpPr>
+          <p:grpSpPr>
+            <a:xfrm>
+              <a:off x="831471" y="1923142"/>
+              <a:ext cx="1200529" cy="955676"/>
+              <a:chOff x="1166862" y="2888344"/>
+              <a:chExt cx="3240760" cy="2860511"/>
+            </a:xfrm>
+          </p:grpSpPr>
+          <p:sp>
+            <p:nvSpPr>
+              <p:cNvPr id="7" name="Rechteck 6"/>
+              <p:cNvSpPr/>
+              <p:nvPr/>
+            </p:nvSpPr>
+            <p:spPr>
+              <a:xfrm>
+                <a:off x="1320800" y="4484913"/>
+                <a:ext cx="355600" cy="703943"/>
+              </a:xfrm>
+              <a:prstGeom prst="rect">
+                <a:avLst/>
+              </a:prstGeom>
+            </p:spPr>
+            <p:style>
+              <a:lnRef idx="2">
+                <a:schemeClr val="accent1">
+                  <a:shade val="50000"/>
+                </a:schemeClr>
+              </a:lnRef>
+              <a:fillRef idx="1">
+                <a:schemeClr val="accent1"/>
+              </a:fillRef>
+              <a:effectRef idx="0">
+                <a:schemeClr val="accent1"/>
+              </a:effectRef>
+              <a:fontRef idx="minor">
+                <a:schemeClr val="lt1"/>
+              </a:fontRef>
+            </p:style>
+            <p:txBody>
+              <a:bodyPr rtlCol="0" anchor="ctr"/>
+              <a:lstStyle/>
+              <a:p>
+                <a:pPr algn="ctr"/>
+                <a:endParaRPr lang="en-US" sz="600"/>
+              </a:p>
+            </p:txBody>
+          </p:sp>
+          <p:sp>
+            <p:nvSpPr>
+              <p:cNvPr id="9" name="Rechteck 8"/>
+              <p:cNvSpPr/>
+              <p:nvPr/>
+            </p:nvSpPr>
+            <p:spPr>
+              <a:xfrm>
+                <a:off x="1792515" y="4093030"/>
+                <a:ext cx="355600" cy="1095826"/>
+              </a:xfrm>
+              <a:prstGeom prst="rect">
+                <a:avLst/>
+              </a:prstGeom>
+            </p:spPr>
+            <p:style>
+              <a:lnRef idx="2">
+                <a:schemeClr val="accent1">
+                  <a:shade val="50000"/>
+                </a:schemeClr>
+              </a:lnRef>
+              <a:fillRef idx="1">
+                <a:schemeClr val="accent1"/>
+              </a:fillRef>
+              <a:effectRef idx="0">
+                <a:schemeClr val="accent1"/>
+              </a:effectRef>
+              <a:fontRef idx="minor">
+                <a:schemeClr val="lt1"/>
+              </a:fontRef>
+            </p:style>
+            <p:txBody>
+              <a:bodyPr rtlCol="0" anchor="ctr"/>
+              <a:lstStyle/>
+              <a:p>
+                <a:pPr algn="ctr"/>
+                <a:endParaRPr lang="en-US" sz="600"/>
+              </a:p>
+            </p:txBody>
+          </p:sp>
+          <p:sp>
+            <p:nvSpPr>
+              <p:cNvPr id="10" name="Rechteck 9"/>
+              <p:cNvSpPr/>
+              <p:nvPr/>
+            </p:nvSpPr>
+            <p:spPr>
+              <a:xfrm>
+                <a:off x="2264230" y="3302000"/>
+                <a:ext cx="355600" cy="1886856"/>
+              </a:xfrm>
+              <a:prstGeom prst="rect">
+                <a:avLst/>
+              </a:prstGeom>
+            </p:spPr>
+            <p:style>
+              <a:lnRef idx="2">
+                <a:schemeClr val="accent1">
+                  <a:shade val="50000"/>
+                </a:schemeClr>
+              </a:lnRef>
+              <a:fillRef idx="1">
+                <a:schemeClr val="accent1"/>
+              </a:fillRef>
+              <a:effectRef idx="0">
+                <a:schemeClr val="accent1"/>
+              </a:effectRef>
+              <a:fontRef idx="minor">
+                <a:schemeClr val="lt1"/>
+              </a:fontRef>
+            </p:style>
+            <p:txBody>
+              <a:bodyPr rtlCol="0" anchor="ctr"/>
+              <a:lstStyle/>
+              <a:p>
+                <a:pPr algn="ctr"/>
+                <a:endParaRPr lang="en-US" sz="600"/>
+              </a:p>
+            </p:txBody>
+          </p:sp>
+          <p:sp>
+            <p:nvSpPr>
+              <p:cNvPr id="11" name="Rechteck 10"/>
+              <p:cNvSpPr/>
+              <p:nvPr/>
+            </p:nvSpPr>
+            <p:spPr>
+              <a:xfrm>
+                <a:off x="2735945" y="3918856"/>
+                <a:ext cx="355600" cy="1269999"/>
+              </a:xfrm>
+              <a:prstGeom prst="rect">
+                <a:avLst/>
+              </a:prstGeom>
+            </p:spPr>
+            <p:style>
+              <a:lnRef idx="2">
+                <a:schemeClr val="accent1">
+                  <a:shade val="50000"/>
+                </a:schemeClr>
+              </a:lnRef>
+              <a:fillRef idx="1">
+                <a:schemeClr val="accent1"/>
+              </a:fillRef>
+              <a:effectRef idx="0">
+                <a:schemeClr val="accent1"/>
+              </a:effectRef>
+              <a:fontRef idx="minor">
+                <a:schemeClr val="lt1"/>
+              </a:fontRef>
+            </p:style>
+            <p:txBody>
+              <a:bodyPr rtlCol="0" anchor="ctr"/>
+              <a:lstStyle/>
+              <a:p>
+                <a:pPr algn="ctr"/>
+                <a:endParaRPr lang="en-US" sz="600"/>
+              </a:p>
+            </p:txBody>
+          </p:sp>
+          <p:sp>
+            <p:nvSpPr>
+              <p:cNvPr id="12" name="Rechteck 11"/>
+              <p:cNvSpPr/>
+              <p:nvPr/>
+            </p:nvSpPr>
+            <p:spPr>
+              <a:xfrm>
+                <a:off x="3207660" y="4376057"/>
+                <a:ext cx="355600" cy="812798"/>
+              </a:xfrm>
+              <a:prstGeom prst="rect">
+                <a:avLst/>
+              </a:prstGeom>
+            </p:spPr>
+            <p:style>
+              <a:lnRef idx="2">
+                <a:schemeClr val="accent1">
+                  <a:shade val="50000"/>
+                </a:schemeClr>
+              </a:lnRef>
+              <a:fillRef idx="1">
+                <a:schemeClr val="accent1"/>
+              </a:fillRef>
+              <a:effectRef idx="0">
+                <a:schemeClr val="accent1"/>
+              </a:effectRef>
+              <a:fontRef idx="minor">
+                <a:schemeClr val="lt1"/>
+              </a:fontRef>
+            </p:style>
+            <p:txBody>
+              <a:bodyPr rtlCol="0" anchor="ctr"/>
+              <a:lstStyle/>
+              <a:p>
+                <a:pPr algn="ctr"/>
+                <a:endParaRPr lang="en-US" sz="600"/>
+              </a:p>
+            </p:txBody>
+          </p:sp>
+          <p:sp>
+            <p:nvSpPr>
+              <p:cNvPr id="13" name="Rechteck 12"/>
+              <p:cNvSpPr/>
+              <p:nvPr/>
+            </p:nvSpPr>
+            <p:spPr>
+              <a:xfrm>
+                <a:off x="3679375" y="4717143"/>
+                <a:ext cx="355600" cy="471712"/>
+              </a:xfrm>
+              <a:prstGeom prst="rect">
+                <a:avLst/>
+              </a:prstGeom>
+            </p:spPr>
+            <p:style>
+              <a:lnRef idx="2">
+                <a:schemeClr val="accent1">
+                  <a:shade val="50000"/>
+                </a:schemeClr>
+              </a:lnRef>
+              <a:fillRef idx="1">
+                <a:schemeClr val="accent1"/>
+              </a:fillRef>
+              <a:effectRef idx="0">
+                <a:schemeClr val="accent1"/>
+              </a:effectRef>
+              <a:fontRef idx="minor">
+                <a:schemeClr val="lt1"/>
+              </a:fontRef>
+            </p:style>
+            <p:txBody>
+              <a:bodyPr rtlCol="0" anchor="ctr"/>
+              <a:lstStyle/>
+              <a:p>
+                <a:pPr algn="ctr"/>
+                <a:endParaRPr lang="en-US" sz="600"/>
+              </a:p>
+            </p:txBody>
+          </p:sp>
+          <p:grpSp>
+            <p:nvGrpSpPr>
+              <p:cNvPr id="23" name="Gruppieren 22"/>
+              <p:cNvGrpSpPr/>
+              <p:nvPr/>
+            </p:nvGrpSpPr>
+            <p:grpSpPr>
+              <a:xfrm>
+                <a:off x="1245222" y="5123553"/>
+                <a:ext cx="3162400" cy="625302"/>
+                <a:chOff x="1245222" y="5123553"/>
+                <a:chExt cx="3162400" cy="625302"/>
+              </a:xfrm>
+            </p:grpSpPr>
+            <p:sp>
+              <p:nvSpPr>
+                <p:cNvPr id="15" name="Textfeld 14"/>
+                <p:cNvSpPr txBox="1"/>
+                <p:nvPr/>
+              </p:nvSpPr>
+              <p:spPr>
+                <a:xfrm>
+                  <a:off x="1245222" y="5130802"/>
+                  <a:ext cx="771112" cy="552738"/>
+                </a:xfrm>
+                <a:prstGeom prst="rect">
+                  <a:avLst/>
+                </a:prstGeom>
+                <a:noFill/>
+              </p:spPr>
+              <p:txBody>
+                <a:bodyPr wrap="none" rtlCol="0">
+                  <a:spAutoFit/>
+                </a:bodyPr>
+                <a:lstStyle/>
+                <a:p>
+                  <a:r>
+                    <a:rPr lang="de-DE" sz="600" dirty="0" smtClean="0"/>
+                    <a:t>0-4</a:t>
+                  </a:r>
+                  <a:endParaRPr lang="en-US" sz="600" dirty="0"/>
+                </a:p>
+              </p:txBody>
+            </p:sp>
+            <p:sp>
+              <p:nvSpPr>
+                <p:cNvPr id="16" name="Textfeld 15"/>
+                <p:cNvSpPr txBox="1"/>
+                <p:nvPr/>
+              </p:nvSpPr>
+              <p:spPr>
+                <a:xfrm>
+                  <a:off x="1706425" y="5188858"/>
+                  <a:ext cx="874965" cy="552738"/>
+                </a:xfrm>
+                <a:prstGeom prst="rect">
+                  <a:avLst/>
+                </a:prstGeom>
+                <a:noFill/>
+              </p:spPr>
+              <p:txBody>
+                <a:bodyPr wrap="none" rtlCol="0">
+                  <a:spAutoFit/>
+                </a:bodyPr>
+                <a:lstStyle/>
+                <a:p>
+                  <a:r>
+                    <a:rPr lang="de-DE" sz="600" dirty="0" smtClean="0"/>
+                    <a:t>5-14</a:t>
+                  </a:r>
+                  <a:endParaRPr lang="en-US" sz="600" dirty="0"/>
+                </a:p>
+              </p:txBody>
+            </p:sp>
+            <p:sp>
+              <p:nvSpPr>
+                <p:cNvPr id="17" name="Textfeld 16"/>
+                <p:cNvSpPr txBox="1"/>
+                <p:nvPr/>
+              </p:nvSpPr>
+              <p:spPr>
+                <a:xfrm>
+                  <a:off x="2134597" y="5138061"/>
+                  <a:ext cx="978818" cy="552738"/>
+                </a:xfrm>
+                <a:prstGeom prst="rect">
+                  <a:avLst/>
+                </a:prstGeom>
+                <a:noFill/>
+              </p:spPr>
+              <p:txBody>
+                <a:bodyPr wrap="none" rtlCol="0">
+                  <a:spAutoFit/>
+                </a:bodyPr>
+                <a:lstStyle/>
+                <a:p>
+                  <a:r>
+                    <a:rPr lang="de-DE" sz="600" dirty="0" smtClean="0"/>
+                    <a:t>15-34</a:t>
+                  </a:r>
+                  <a:endParaRPr lang="en-US" sz="600" dirty="0"/>
+                </a:p>
+              </p:txBody>
+            </p:sp>
+            <p:sp>
+              <p:nvSpPr>
+                <p:cNvPr id="18" name="Textfeld 17"/>
+                <p:cNvSpPr txBox="1"/>
+                <p:nvPr/>
+              </p:nvSpPr>
+              <p:spPr>
+                <a:xfrm>
+                  <a:off x="2606311" y="5188864"/>
+                  <a:ext cx="978818" cy="552738"/>
+                </a:xfrm>
+                <a:prstGeom prst="rect">
+                  <a:avLst/>
+                </a:prstGeom>
+                <a:noFill/>
+              </p:spPr>
+              <p:txBody>
+                <a:bodyPr wrap="none" rtlCol="0">
+                  <a:spAutoFit/>
+                </a:bodyPr>
+                <a:lstStyle/>
+                <a:p>
+                  <a:r>
+                    <a:rPr lang="de-DE" sz="600" dirty="0" smtClean="0"/>
+                    <a:t>35-59</a:t>
+                  </a:r>
+                  <a:endParaRPr lang="en-US" sz="600" dirty="0"/>
+                </a:p>
+              </p:txBody>
+            </p:sp>
+            <p:sp>
+              <p:nvSpPr>
+                <p:cNvPr id="19" name="Textfeld 18"/>
+                <p:cNvSpPr txBox="1"/>
+                <p:nvPr/>
+              </p:nvSpPr>
+              <p:spPr>
+                <a:xfrm>
+                  <a:off x="3056254" y="5123553"/>
+                  <a:ext cx="978818" cy="552738"/>
+                </a:xfrm>
+                <a:prstGeom prst="rect">
+                  <a:avLst/>
+                </a:prstGeom>
+                <a:noFill/>
+              </p:spPr>
+              <p:txBody>
+                <a:bodyPr wrap="none" rtlCol="0">
+                  <a:spAutoFit/>
+                </a:bodyPr>
+                <a:lstStyle/>
+                <a:p>
+                  <a:r>
+                    <a:rPr lang="de-DE" sz="600" dirty="0" smtClean="0"/>
+                    <a:t>60-79</a:t>
+                  </a:r>
+                  <a:endParaRPr lang="en-US" sz="600" dirty="0"/>
+                </a:p>
+              </p:txBody>
+            </p:sp>
+            <p:sp>
+              <p:nvSpPr>
+                <p:cNvPr id="20" name="Textfeld 19"/>
+                <p:cNvSpPr txBox="1"/>
+                <p:nvPr/>
+              </p:nvSpPr>
+              <p:spPr>
+                <a:xfrm>
+                  <a:off x="3597568" y="5196117"/>
+                  <a:ext cx="810054" cy="552738"/>
+                </a:xfrm>
+                <a:prstGeom prst="rect">
+                  <a:avLst/>
+                </a:prstGeom>
+                <a:noFill/>
+              </p:spPr>
+              <p:txBody>
+                <a:bodyPr wrap="none" rtlCol="0">
+                  <a:spAutoFit/>
+                </a:bodyPr>
+                <a:lstStyle/>
+                <a:p>
+                  <a:r>
+                    <a:rPr lang="de-DE" sz="600" dirty="0" smtClean="0"/>
+                    <a:t>80+</a:t>
+                  </a:r>
+                  <a:endParaRPr lang="en-US" sz="600" dirty="0"/>
+                </a:p>
+              </p:txBody>
+            </p:sp>
+          </p:grpSp>
+          <p:cxnSp>
+            <p:nvCxnSpPr>
+              <p:cNvPr id="22" name="Gerade Verbindung mit Pfeil 21"/>
+              <p:cNvCxnSpPr/>
+              <p:nvPr/>
+            </p:nvCxnSpPr>
+            <p:spPr>
+              <a:xfrm flipV="1">
+                <a:off x="1166862" y="2888344"/>
+                <a:ext cx="0" cy="2316518"/>
+              </a:xfrm>
+              <a:prstGeom prst="straightConnector1">
+                <a:avLst/>
+              </a:prstGeom>
+              <a:ln w="12700">
+                <a:solidFill>
+                  <a:schemeClr val="tx1"/>
+                </a:solidFill>
+                <a:tailEnd type="triangle"/>
+              </a:ln>
+            </p:spPr>
+            <p:style>
+              <a:lnRef idx="1">
+                <a:schemeClr val="accent1"/>
+              </a:lnRef>
+              <a:fillRef idx="0">
+                <a:schemeClr val="accent1"/>
+              </a:fillRef>
+              <a:effectRef idx="0">
+                <a:schemeClr val="accent1"/>
+              </a:effectRef>
+              <a:fontRef idx="minor">
+                <a:schemeClr val="tx1"/>
+              </a:fontRef>
+            </p:style>
+          </p:cxnSp>
+        </p:grpSp>
+        <p:sp>
+          <p:nvSpPr>
+            <p:cNvPr id="61" name="Textfeld 60"/>
+            <p:cNvSpPr txBox="1"/>
+            <p:nvPr/>
+          </p:nvSpPr>
+          <p:spPr>
+            <a:xfrm>
+              <a:off x="1020228" y="1610336"/>
+              <a:ext cx="852156" cy="474410"/>
+            </a:xfrm>
+            <a:prstGeom prst="rect">
+              <a:avLst/>
+            </a:prstGeom>
+            <a:noFill/>
+          </p:spPr>
+          <p:txBody>
+            <a:bodyPr wrap="none" rtlCol="0">
+              <a:spAutoFit/>
+            </a:bodyPr>
+            <a:lstStyle/>
+            <a:p>
+              <a:r>
+                <a:rPr lang="de-DE" dirty="0" err="1" smtClean="0"/>
+                <a:t>District</a:t>
+              </a:r>
+              <a:endParaRPr lang="en-US" dirty="0"/>
+            </a:p>
+          </p:txBody>
+        </p:sp>
+      </p:grpSp>
+      <p:grpSp>
+        <p:nvGrpSpPr>
+          <p:cNvPr id="21" name="Gruppieren 20"/>
+          <p:cNvGrpSpPr/>
+          <p:nvPr/>
+        </p:nvGrpSpPr>
+        <p:grpSpPr>
+          <a:xfrm>
+            <a:off x="3977327" y="2219178"/>
+            <a:ext cx="1034845" cy="673789"/>
+            <a:chOff x="4850698" y="3663378"/>
+            <a:chExt cx="6800228" cy="2576640"/>
+          </a:xfrm>
+        </p:grpSpPr>
+        <p:sp>
+          <p:nvSpPr>
+            <p:cNvPr id="26" name="Rechteck 25"/>
+            <p:cNvSpPr/>
+            <p:nvPr/>
+          </p:nvSpPr>
+          <p:spPr>
+            <a:xfrm>
+              <a:off x="4926276" y="5259947"/>
+              <a:ext cx="355600" cy="703943"/>
+            </a:xfrm>
+            <a:prstGeom prst="rect">
+              <a:avLst/>
+            </a:prstGeom>
+            <a:solidFill>
+              <a:srgbClr val="FF0000"/>
+            </a:solidFill>
+            <a:ln>
+              <a:noFill/>
+            </a:ln>
+          </p:spPr>
+          <p:style>
+            <a:lnRef idx="2">
+              <a:schemeClr val="accent1">
+                <a:shade val="50000"/>
+              </a:schemeClr>
+            </a:lnRef>
+            <a:fillRef idx="1">
+              <a:schemeClr val="accent1"/>
+            </a:fillRef>
+            <a:effectRef idx="0">
+              <a:schemeClr val="accent1"/>
+            </a:effectRef>
+            <a:fontRef idx="minor">
+              <a:schemeClr val="lt1"/>
+            </a:fontRef>
+          </p:style>
+          <p:txBody>
+            <a:bodyPr rtlCol="0" anchor="ctr"/>
+            <a:lstStyle/>
+            <a:p>
+              <a:pPr algn="ctr"/>
+              <a:endParaRPr lang="en-US" sz="600"/>
+            </a:p>
+          </p:txBody>
+        </p:sp>
+        <p:sp>
+          <p:nvSpPr>
+            <p:cNvPr id="27" name="Rechteck 26"/>
+            <p:cNvSpPr/>
+            <p:nvPr/>
+          </p:nvSpPr>
+          <p:spPr>
+            <a:xfrm>
+              <a:off x="5397991" y="4868064"/>
+              <a:ext cx="355600" cy="1095826"/>
+            </a:xfrm>
+            <a:prstGeom prst="rect">
+              <a:avLst/>
+            </a:prstGeom>
+            <a:solidFill>
+              <a:srgbClr val="FF0000"/>
+            </a:solidFill>
+            <a:ln>
+              <a:noFill/>
+            </a:ln>
+          </p:spPr>
+          <p:style>
+            <a:lnRef idx="2">
+              <a:schemeClr val="accent1">
+                <a:shade val="50000"/>
+              </a:schemeClr>
+            </a:lnRef>
+            <a:fillRef idx="1">
+              <a:schemeClr val="accent1"/>
+            </a:fillRef>
+            <a:effectRef idx="0">
+              <a:schemeClr val="accent1"/>
+            </a:effectRef>
+            <a:fontRef idx="minor">
+              <a:schemeClr val="lt1"/>
+            </a:fontRef>
+          </p:style>
+          <p:txBody>
+            <a:bodyPr rtlCol="0" anchor="ctr"/>
+            <a:lstStyle/>
+            <a:p>
+              <a:pPr algn="ctr"/>
+              <a:endParaRPr lang="en-US" sz="600"/>
+            </a:p>
+          </p:txBody>
+        </p:sp>
+        <p:sp>
+          <p:nvSpPr>
+            <p:cNvPr id="28" name="Rechteck 27"/>
+            <p:cNvSpPr/>
+            <p:nvPr/>
+          </p:nvSpPr>
+          <p:spPr>
+            <a:xfrm>
+              <a:off x="5869706" y="4077034"/>
+              <a:ext cx="355600" cy="1886856"/>
+            </a:xfrm>
+            <a:prstGeom prst="rect">
+              <a:avLst/>
+            </a:prstGeom>
+            <a:solidFill>
+              <a:srgbClr val="FF0000"/>
+            </a:solidFill>
+            <a:ln>
+              <a:noFill/>
+            </a:ln>
+          </p:spPr>
+          <p:style>
+            <a:lnRef idx="2">
+              <a:schemeClr val="accent1">
+                <a:shade val="50000"/>
+              </a:schemeClr>
+            </a:lnRef>
+            <a:fillRef idx="1">
+              <a:schemeClr val="accent1"/>
+            </a:fillRef>
+            <a:effectRef idx="0">
+              <a:schemeClr val="accent1"/>
+            </a:effectRef>
+            <a:fontRef idx="minor">
+              <a:schemeClr val="lt1"/>
+            </a:fontRef>
+          </p:style>
+          <p:txBody>
+            <a:bodyPr rtlCol="0" anchor="ctr"/>
+            <a:lstStyle/>
+            <a:p>
+              <a:pPr algn="ctr"/>
+              <a:endParaRPr lang="en-US" sz="600"/>
+            </a:p>
+          </p:txBody>
+        </p:sp>
+        <p:sp>
+          <p:nvSpPr>
+            <p:cNvPr id="29" name="Rechteck 28"/>
+            <p:cNvSpPr/>
+            <p:nvPr/>
+          </p:nvSpPr>
+          <p:spPr>
+            <a:xfrm>
+              <a:off x="6341421" y="4693890"/>
+              <a:ext cx="355600" cy="1269999"/>
+            </a:xfrm>
+            <a:prstGeom prst="rect">
+              <a:avLst/>
+            </a:prstGeom>
+            <a:solidFill>
+              <a:srgbClr val="FF0000"/>
+            </a:solidFill>
+            <a:ln>
+              <a:noFill/>
+            </a:ln>
+          </p:spPr>
+          <p:style>
+            <a:lnRef idx="2">
+              <a:schemeClr val="accent1">
+                <a:shade val="50000"/>
+              </a:schemeClr>
+            </a:lnRef>
+            <a:fillRef idx="1">
+              <a:schemeClr val="accent1"/>
+            </a:fillRef>
+            <a:effectRef idx="0">
+              <a:schemeClr val="accent1"/>
+            </a:effectRef>
+            <a:fontRef idx="minor">
+              <a:schemeClr val="lt1"/>
+            </a:fontRef>
+          </p:style>
+          <p:txBody>
+            <a:bodyPr rtlCol="0" anchor="ctr"/>
+            <a:lstStyle/>
+            <a:p>
+              <a:pPr algn="ctr"/>
+              <a:endParaRPr lang="en-US" sz="600"/>
+            </a:p>
+          </p:txBody>
+        </p:sp>
+        <p:sp>
+          <p:nvSpPr>
+            <p:cNvPr id="30" name="Rechteck 29"/>
+            <p:cNvSpPr/>
+            <p:nvPr/>
+          </p:nvSpPr>
+          <p:spPr>
+            <a:xfrm>
+              <a:off x="6813136" y="5151091"/>
+              <a:ext cx="355600" cy="812798"/>
+            </a:xfrm>
+            <a:prstGeom prst="rect">
+              <a:avLst/>
+            </a:prstGeom>
+            <a:solidFill>
+              <a:srgbClr val="FF0000"/>
+            </a:solidFill>
+            <a:ln>
+              <a:noFill/>
+            </a:ln>
+          </p:spPr>
+          <p:style>
+            <a:lnRef idx="2">
+              <a:schemeClr val="accent1">
+                <a:shade val="50000"/>
+              </a:schemeClr>
+            </a:lnRef>
+            <a:fillRef idx="1">
+              <a:schemeClr val="accent1"/>
+            </a:fillRef>
+            <a:effectRef idx="0">
+              <a:schemeClr val="accent1"/>
+            </a:effectRef>
+            <a:fontRef idx="minor">
+              <a:schemeClr val="lt1"/>
+            </a:fontRef>
+          </p:style>
+          <p:txBody>
+            <a:bodyPr rtlCol="0" anchor="ctr"/>
+            <a:lstStyle/>
+            <a:p>
+              <a:pPr algn="ctr"/>
+              <a:endParaRPr lang="en-US" sz="600"/>
+            </a:p>
+          </p:txBody>
+        </p:sp>
+        <p:sp>
+          <p:nvSpPr>
+            <p:cNvPr id="31" name="Rechteck 30"/>
+            <p:cNvSpPr/>
+            <p:nvPr/>
+          </p:nvSpPr>
+          <p:spPr>
+            <a:xfrm>
+              <a:off x="7284851" y="5492177"/>
+              <a:ext cx="355600" cy="471712"/>
+            </a:xfrm>
+            <a:prstGeom prst="rect">
+              <a:avLst/>
+            </a:prstGeom>
+            <a:solidFill>
+              <a:srgbClr val="FF0000"/>
+            </a:solidFill>
+            <a:ln>
+              <a:noFill/>
+            </a:ln>
+          </p:spPr>
+          <p:style>
+            <a:lnRef idx="2">
+              <a:schemeClr val="accent1">
+                <a:shade val="50000"/>
+              </a:schemeClr>
+            </a:lnRef>
+            <a:fillRef idx="1">
+              <a:schemeClr val="accent1"/>
+            </a:fillRef>
+            <a:effectRef idx="0">
+              <a:schemeClr val="accent1"/>
+            </a:effectRef>
+            <a:fontRef idx="minor">
+              <a:schemeClr val="lt1"/>
+            </a:fontRef>
+          </p:style>
+          <p:txBody>
+            <a:bodyPr rtlCol="0" anchor="ctr"/>
+            <a:lstStyle/>
+            <a:p>
+              <a:pPr algn="ctr"/>
+              <a:endParaRPr lang="en-US" sz="600"/>
+            </a:p>
+          </p:txBody>
+        </p:sp>
+        <p:cxnSp>
+          <p:nvCxnSpPr>
+            <p:cNvPr id="33" name="Gerade Verbindung mit Pfeil 32"/>
+            <p:cNvCxnSpPr/>
+            <p:nvPr/>
+          </p:nvCxnSpPr>
+          <p:spPr>
+            <a:xfrm flipV="1">
+              <a:off x="4850698" y="3663378"/>
+              <a:ext cx="0" cy="2316519"/>
+            </a:xfrm>
+            <a:prstGeom prst="straightConnector1">
+              <a:avLst/>
+            </a:prstGeom>
+            <a:ln w="12700">
+              <a:solidFill>
+                <a:schemeClr val="tx1"/>
+              </a:solidFill>
+              <a:tailEnd type="triangle"/>
+            </a:ln>
+          </p:spPr>
+          <p:style>
+            <a:lnRef idx="1">
+              <a:schemeClr val="accent1"/>
+            </a:lnRef>
+            <a:fillRef idx="0">
+              <a:schemeClr val="accent1"/>
+            </a:fillRef>
+            <a:effectRef idx="0">
+              <a:schemeClr val="accent1"/>
+            </a:effectRef>
+            <a:fontRef idx="minor">
+              <a:schemeClr val="tx1"/>
+            </a:fontRef>
+          </p:style>
+        </p:cxnSp>
+        <p:sp>
+          <p:nvSpPr>
+            <p:cNvPr id="56" name="Rechteck 55"/>
+            <p:cNvSpPr/>
+            <p:nvPr/>
+          </p:nvSpPr>
+          <p:spPr>
+            <a:xfrm>
+              <a:off x="7756566" y="5791199"/>
+              <a:ext cx="355600" cy="172689"/>
+            </a:xfrm>
+            <a:prstGeom prst="rect">
+              <a:avLst/>
+            </a:prstGeom>
+            <a:solidFill>
+              <a:srgbClr val="FF0000"/>
+            </a:solidFill>
+            <a:ln>
+              <a:noFill/>
+            </a:ln>
+          </p:spPr>
+          <p:style>
+            <a:lnRef idx="2">
+              <a:schemeClr val="accent1">
+                <a:shade val="50000"/>
+              </a:schemeClr>
+            </a:lnRef>
+            <a:fillRef idx="1">
+              <a:schemeClr val="accent1"/>
+            </a:fillRef>
+            <a:effectRef idx="0">
+              <a:schemeClr val="accent1"/>
+            </a:effectRef>
+            <a:fontRef idx="minor">
+              <a:schemeClr val="lt1"/>
+            </a:fontRef>
+          </p:style>
+          <p:txBody>
+            <a:bodyPr rtlCol="0" anchor="ctr"/>
+            <a:lstStyle/>
+            <a:p>
+              <a:pPr algn="ctr"/>
+              <a:endParaRPr lang="en-US" sz="600"/>
+            </a:p>
+          </p:txBody>
+        </p:sp>
+        <p:sp>
+          <p:nvSpPr>
+            <p:cNvPr id="57" name="Rechteck 56"/>
+            <p:cNvSpPr/>
+            <p:nvPr/>
+          </p:nvSpPr>
+          <p:spPr>
+            <a:xfrm>
+              <a:off x="8228281" y="5791199"/>
+              <a:ext cx="355600" cy="172690"/>
+            </a:xfrm>
+            <a:prstGeom prst="rect">
+              <a:avLst/>
+            </a:prstGeom>
+            <a:solidFill>
+              <a:srgbClr val="FF0000"/>
+            </a:solidFill>
+            <a:ln>
+              <a:noFill/>
+            </a:ln>
+          </p:spPr>
+          <p:style>
+            <a:lnRef idx="2">
+              <a:schemeClr val="accent1">
+                <a:shade val="50000"/>
+              </a:schemeClr>
+            </a:lnRef>
+            <a:fillRef idx="1">
+              <a:schemeClr val="accent1"/>
+            </a:fillRef>
+            <a:effectRef idx="0">
+              <a:schemeClr val="accent1"/>
+            </a:effectRef>
+            <a:fontRef idx="minor">
+              <a:schemeClr val="lt1"/>
+            </a:fontRef>
+          </p:style>
+          <p:txBody>
+            <a:bodyPr rtlCol="0" anchor="ctr"/>
+            <a:lstStyle/>
+            <a:p>
+              <a:pPr algn="ctr"/>
+              <a:endParaRPr lang="en-US" sz="600"/>
+            </a:p>
+          </p:txBody>
+        </p:sp>
+        <p:sp>
+          <p:nvSpPr>
+            <p:cNvPr id="58" name="Rechteck 57"/>
+            <p:cNvSpPr/>
+            <p:nvPr/>
+          </p:nvSpPr>
+          <p:spPr>
+            <a:xfrm>
+              <a:off x="8699996" y="5791199"/>
+              <a:ext cx="355600" cy="172690"/>
+            </a:xfrm>
+            <a:prstGeom prst="rect">
+              <a:avLst/>
+            </a:prstGeom>
+            <a:solidFill>
+              <a:srgbClr val="FF0000"/>
+            </a:solidFill>
+            <a:ln>
+              <a:noFill/>
+            </a:ln>
+          </p:spPr>
+          <p:style>
+            <a:lnRef idx="2">
+              <a:schemeClr val="accent1">
+                <a:shade val="50000"/>
+              </a:schemeClr>
+            </a:lnRef>
+            <a:fillRef idx="1">
+              <a:schemeClr val="accent1"/>
+            </a:fillRef>
+            <a:effectRef idx="0">
+              <a:schemeClr val="accent1"/>
+            </a:effectRef>
+            <a:fontRef idx="minor">
+              <a:schemeClr val="lt1"/>
+            </a:fontRef>
+          </p:style>
+          <p:txBody>
+            <a:bodyPr rtlCol="0" anchor="ctr"/>
+            <a:lstStyle/>
+            <a:p>
+              <a:pPr algn="ctr"/>
+              <a:endParaRPr lang="en-US" sz="600"/>
+            </a:p>
+          </p:txBody>
+        </p:sp>
+        <p:sp>
+          <p:nvSpPr>
+            <p:cNvPr id="59" name="Rechteck 58"/>
+            <p:cNvSpPr/>
+            <p:nvPr/>
+          </p:nvSpPr>
+          <p:spPr>
+            <a:xfrm>
+              <a:off x="9171711" y="5791199"/>
+              <a:ext cx="355600" cy="172690"/>
+            </a:xfrm>
+            <a:prstGeom prst="rect">
+              <a:avLst/>
+            </a:prstGeom>
+            <a:solidFill>
+              <a:srgbClr val="FF0000"/>
+            </a:solidFill>
+            <a:ln>
+              <a:noFill/>
+            </a:ln>
+          </p:spPr>
+          <p:style>
+            <a:lnRef idx="2">
+              <a:schemeClr val="accent1">
+                <a:shade val="50000"/>
+              </a:schemeClr>
+            </a:lnRef>
+            <a:fillRef idx="1">
+              <a:schemeClr val="accent1"/>
+            </a:fillRef>
+            <a:effectRef idx="0">
+              <a:schemeClr val="accent1"/>
+            </a:effectRef>
+            <a:fontRef idx="minor">
+              <a:schemeClr val="lt1"/>
+            </a:fontRef>
+          </p:style>
+          <p:txBody>
+            <a:bodyPr rtlCol="0" anchor="ctr"/>
+            <a:lstStyle/>
+            <a:p>
+              <a:pPr algn="ctr"/>
+              <a:endParaRPr lang="en-US" sz="600"/>
+            </a:p>
+          </p:txBody>
+        </p:sp>
+        <p:sp>
+          <p:nvSpPr>
+            <p:cNvPr id="60" name="Rechteck 59"/>
+            <p:cNvSpPr/>
+            <p:nvPr/>
+          </p:nvSpPr>
+          <p:spPr>
+            <a:xfrm>
+              <a:off x="9643426" y="5900057"/>
+              <a:ext cx="355600" cy="63832"/>
+            </a:xfrm>
+            <a:prstGeom prst="rect">
+              <a:avLst/>
+            </a:prstGeom>
+            <a:solidFill>
+              <a:srgbClr val="FF0000"/>
+            </a:solidFill>
+            <a:ln>
+              <a:noFill/>
+            </a:ln>
+          </p:spPr>
+          <p:style>
+            <a:lnRef idx="2">
+              <a:schemeClr val="accent1">
+                <a:shade val="50000"/>
+              </a:schemeClr>
+            </a:lnRef>
+            <a:fillRef idx="1">
+              <a:schemeClr val="accent1"/>
+            </a:fillRef>
+            <a:effectRef idx="0">
+              <a:schemeClr val="accent1"/>
+            </a:effectRef>
+            <a:fontRef idx="minor">
+              <a:schemeClr val="lt1"/>
+            </a:fontRef>
+          </p:style>
+          <p:txBody>
+            <a:bodyPr rtlCol="0" anchor="ctr"/>
+            <a:lstStyle/>
+            <a:p>
+              <a:pPr algn="ctr"/>
+              <a:endParaRPr lang="en-US" sz="600"/>
+            </a:p>
+          </p:txBody>
+        </p:sp>
+        <p:sp>
+          <p:nvSpPr>
+            <p:cNvPr id="2" name="Textfeld 1"/>
+            <p:cNvSpPr txBox="1"/>
+            <p:nvPr/>
+          </p:nvSpPr>
+          <p:spPr>
+            <a:xfrm>
+              <a:off x="11354050" y="6055352"/>
+              <a:ext cx="296876" cy="184666"/>
+            </a:xfrm>
+            <a:prstGeom prst="rect">
+              <a:avLst/>
+            </a:prstGeom>
+            <a:noFill/>
+          </p:spPr>
+          <p:txBody>
+            <a:bodyPr wrap="none" rtlCol="0">
+              <a:spAutoFit/>
+            </a:bodyPr>
+            <a:lstStyle/>
+            <a:p>
+              <a:r>
+                <a:rPr lang="de-DE" sz="600" dirty="0" err="1" smtClean="0"/>
+                <a:t>day</a:t>
+              </a:r>
+              <a:endParaRPr lang="en-US" sz="600" dirty="0"/>
+            </a:p>
+          </p:txBody>
+        </p:sp>
+        <p:cxnSp>
+          <p:nvCxnSpPr>
+            <p:cNvPr id="5" name="Gerade Verbindung mit Pfeil 4"/>
+            <p:cNvCxnSpPr/>
+            <p:nvPr/>
+          </p:nvCxnSpPr>
+          <p:spPr>
+            <a:xfrm flipV="1">
+              <a:off x="4850698" y="6025615"/>
+              <a:ext cx="6673645" cy="5081"/>
+            </a:xfrm>
+            <a:prstGeom prst="straightConnector1">
+              <a:avLst/>
+            </a:prstGeom>
+            <a:ln w="12700">
+              <a:solidFill>
+                <a:schemeClr val="tx1"/>
+              </a:solidFill>
+              <a:tailEnd type="triangle"/>
+            </a:ln>
+          </p:spPr>
+          <p:style>
+            <a:lnRef idx="1">
+              <a:schemeClr val="accent1"/>
+            </a:lnRef>
+            <a:fillRef idx="0">
+              <a:schemeClr val="accent1"/>
+            </a:fillRef>
+            <a:effectRef idx="0">
+              <a:schemeClr val="accent1"/>
+            </a:effectRef>
+            <a:fontRef idx="minor">
+              <a:schemeClr val="tx1"/>
+            </a:fontRef>
+          </p:style>
+        </p:cxnSp>
+        <p:sp>
+          <p:nvSpPr>
+            <p:cNvPr id="8" name="Textfeld 7"/>
+            <p:cNvSpPr txBox="1"/>
+            <p:nvPr/>
+          </p:nvSpPr>
+          <p:spPr>
+            <a:xfrm>
+              <a:off x="4926276" y="6049578"/>
+              <a:ext cx="223138" cy="184666"/>
+            </a:xfrm>
+            <a:prstGeom prst="rect">
+              <a:avLst/>
+            </a:prstGeom>
+            <a:noFill/>
+          </p:spPr>
+          <p:txBody>
+            <a:bodyPr wrap="none" rtlCol="0">
+              <a:spAutoFit/>
+            </a:bodyPr>
+            <a:lstStyle/>
+            <a:p>
+              <a:r>
+                <a:rPr lang="de-DE" sz="600" dirty="0" smtClean="0"/>
+                <a:t>1</a:t>
+              </a:r>
+              <a:endParaRPr lang="en-US" sz="600" dirty="0"/>
+            </a:p>
+          </p:txBody>
+        </p:sp>
+        <p:sp>
+          <p:nvSpPr>
+            <p:cNvPr id="79" name="Textfeld 78"/>
+            <p:cNvSpPr txBox="1"/>
+            <p:nvPr/>
+          </p:nvSpPr>
+          <p:spPr>
+            <a:xfrm>
+              <a:off x="5424948" y="6049578"/>
+              <a:ext cx="223138" cy="184666"/>
+            </a:xfrm>
+            <a:prstGeom prst="rect">
+              <a:avLst/>
+            </a:prstGeom>
+            <a:noFill/>
+          </p:spPr>
+          <p:txBody>
+            <a:bodyPr wrap="none" rtlCol="0">
+              <a:spAutoFit/>
+            </a:bodyPr>
+            <a:lstStyle/>
+            <a:p>
+              <a:r>
+                <a:rPr lang="de-DE" sz="600" dirty="0" smtClean="0"/>
+                <a:t>2</a:t>
+              </a:r>
+              <a:endParaRPr lang="en-US" sz="600" dirty="0"/>
+            </a:p>
+          </p:txBody>
+        </p:sp>
+        <p:sp>
+          <p:nvSpPr>
+            <p:cNvPr id="80" name="Textfeld 79"/>
+            <p:cNvSpPr txBox="1"/>
+            <p:nvPr/>
+          </p:nvSpPr>
+          <p:spPr>
+            <a:xfrm>
+              <a:off x="5923620" y="6049578"/>
+              <a:ext cx="223138" cy="184666"/>
+            </a:xfrm>
+            <a:prstGeom prst="rect">
+              <a:avLst/>
+            </a:prstGeom>
+            <a:noFill/>
+          </p:spPr>
+          <p:txBody>
+            <a:bodyPr wrap="none" rtlCol="0">
+              <a:spAutoFit/>
+            </a:bodyPr>
+            <a:lstStyle/>
+            <a:p>
+              <a:r>
+                <a:rPr lang="de-DE" sz="600" dirty="0" smtClean="0"/>
+                <a:t>3</a:t>
+              </a:r>
+              <a:endParaRPr lang="en-US" sz="600" dirty="0"/>
+            </a:p>
+          </p:txBody>
+        </p:sp>
+        <p:sp>
+          <p:nvSpPr>
+            <p:cNvPr id="81" name="Textfeld 80"/>
+            <p:cNvSpPr txBox="1"/>
+            <p:nvPr/>
+          </p:nvSpPr>
+          <p:spPr>
+            <a:xfrm>
+              <a:off x="6378750" y="6049578"/>
+              <a:ext cx="223138" cy="184666"/>
+            </a:xfrm>
+            <a:prstGeom prst="rect">
+              <a:avLst/>
+            </a:prstGeom>
+            <a:noFill/>
+          </p:spPr>
+          <p:txBody>
+            <a:bodyPr wrap="none" rtlCol="0">
+              <a:spAutoFit/>
+            </a:bodyPr>
+            <a:lstStyle/>
+            <a:p>
+              <a:r>
+                <a:rPr lang="de-DE" sz="600" dirty="0" smtClean="0"/>
+                <a:t>4</a:t>
+              </a:r>
+              <a:endParaRPr lang="en-US" sz="600" dirty="0"/>
+            </a:p>
+          </p:txBody>
+        </p:sp>
+        <p:sp>
+          <p:nvSpPr>
+            <p:cNvPr id="82" name="Textfeld 81"/>
+            <p:cNvSpPr txBox="1"/>
+            <p:nvPr/>
+          </p:nvSpPr>
+          <p:spPr>
+            <a:xfrm>
+              <a:off x="6841137" y="6049578"/>
+              <a:ext cx="223138" cy="184666"/>
+            </a:xfrm>
+            <a:prstGeom prst="rect">
+              <a:avLst/>
+            </a:prstGeom>
+            <a:noFill/>
+          </p:spPr>
+          <p:txBody>
+            <a:bodyPr wrap="none" rtlCol="0">
+              <a:spAutoFit/>
+            </a:bodyPr>
+            <a:lstStyle/>
+            <a:p>
+              <a:r>
+                <a:rPr lang="de-DE" sz="600" dirty="0" smtClean="0"/>
+                <a:t>5</a:t>
+              </a:r>
+              <a:endParaRPr lang="en-US" sz="600" dirty="0"/>
+            </a:p>
+          </p:txBody>
+        </p:sp>
+        <p:sp>
+          <p:nvSpPr>
+            <p:cNvPr id="83" name="Textfeld 82"/>
+            <p:cNvSpPr txBox="1"/>
+            <p:nvPr/>
+          </p:nvSpPr>
+          <p:spPr>
+            <a:xfrm>
+              <a:off x="7310781" y="6049578"/>
+              <a:ext cx="223138" cy="184666"/>
+            </a:xfrm>
+            <a:prstGeom prst="rect">
+              <a:avLst/>
+            </a:prstGeom>
+            <a:noFill/>
+          </p:spPr>
+          <p:txBody>
+            <a:bodyPr wrap="none" rtlCol="0">
+              <a:spAutoFit/>
+            </a:bodyPr>
+            <a:lstStyle/>
+            <a:p>
+              <a:r>
+                <a:rPr lang="de-DE" sz="600" dirty="0" smtClean="0"/>
+                <a:t>6</a:t>
+              </a:r>
+              <a:endParaRPr lang="en-US" sz="600" dirty="0"/>
+            </a:p>
+          </p:txBody>
+        </p:sp>
+        <p:sp>
+          <p:nvSpPr>
+            <p:cNvPr id="84" name="Textfeld 83"/>
+            <p:cNvSpPr txBox="1"/>
+            <p:nvPr/>
+          </p:nvSpPr>
+          <p:spPr>
+            <a:xfrm>
+              <a:off x="7787682" y="6049578"/>
+              <a:ext cx="223138" cy="184666"/>
+            </a:xfrm>
+            <a:prstGeom prst="rect">
+              <a:avLst/>
+            </a:prstGeom>
+            <a:noFill/>
+          </p:spPr>
+          <p:txBody>
+            <a:bodyPr wrap="none" rtlCol="0">
+              <a:spAutoFit/>
+            </a:bodyPr>
+            <a:lstStyle/>
+            <a:p>
+              <a:r>
+                <a:rPr lang="de-DE" sz="600" dirty="0" smtClean="0"/>
+                <a:t>7</a:t>
+              </a:r>
+              <a:endParaRPr lang="en-US" sz="600" dirty="0"/>
+            </a:p>
+          </p:txBody>
+        </p:sp>
+        <p:sp>
+          <p:nvSpPr>
+            <p:cNvPr id="85" name="Textfeld 84"/>
+            <p:cNvSpPr txBox="1"/>
+            <p:nvPr/>
+          </p:nvSpPr>
+          <p:spPr>
+            <a:xfrm>
+              <a:off x="8271840" y="6049578"/>
+              <a:ext cx="223138" cy="184666"/>
+            </a:xfrm>
+            <a:prstGeom prst="rect">
+              <a:avLst/>
+            </a:prstGeom>
+            <a:noFill/>
+          </p:spPr>
+          <p:txBody>
+            <a:bodyPr wrap="none" rtlCol="0">
+              <a:spAutoFit/>
+            </a:bodyPr>
+            <a:lstStyle/>
+            <a:p>
+              <a:r>
+                <a:rPr lang="de-DE" sz="600" dirty="0" smtClean="0"/>
+                <a:t>8</a:t>
+              </a:r>
+              <a:endParaRPr lang="en-US" sz="600" dirty="0"/>
+            </a:p>
+          </p:txBody>
+        </p:sp>
+        <p:sp>
+          <p:nvSpPr>
+            <p:cNvPr id="86" name="Textfeld 85"/>
+            <p:cNvSpPr txBox="1"/>
+            <p:nvPr/>
+          </p:nvSpPr>
+          <p:spPr>
+            <a:xfrm>
+              <a:off x="8726970" y="6049578"/>
+              <a:ext cx="223138" cy="184666"/>
+            </a:xfrm>
+            <a:prstGeom prst="rect">
+              <a:avLst/>
+            </a:prstGeom>
+            <a:noFill/>
+          </p:spPr>
+          <p:txBody>
+            <a:bodyPr wrap="none" rtlCol="0">
+              <a:spAutoFit/>
+            </a:bodyPr>
+            <a:lstStyle/>
+            <a:p>
+              <a:r>
+                <a:rPr lang="de-DE" sz="600" dirty="0" smtClean="0"/>
+                <a:t>9</a:t>
+              </a:r>
+              <a:endParaRPr lang="en-US" sz="600" dirty="0"/>
+            </a:p>
+          </p:txBody>
+        </p:sp>
+        <p:sp>
+          <p:nvSpPr>
+            <p:cNvPr id="87" name="Textfeld 86"/>
+            <p:cNvSpPr txBox="1"/>
+            <p:nvPr/>
+          </p:nvSpPr>
+          <p:spPr>
+            <a:xfrm>
+              <a:off x="9159204" y="6049578"/>
+              <a:ext cx="261610" cy="184666"/>
+            </a:xfrm>
+            <a:prstGeom prst="rect">
+              <a:avLst/>
+            </a:prstGeom>
+            <a:noFill/>
+          </p:spPr>
+          <p:txBody>
+            <a:bodyPr wrap="none" rtlCol="0">
+              <a:spAutoFit/>
+            </a:bodyPr>
+            <a:lstStyle/>
+            <a:p>
+              <a:r>
+                <a:rPr lang="de-DE" sz="600" dirty="0" smtClean="0"/>
+                <a:t>10</a:t>
+              </a:r>
+              <a:endParaRPr lang="en-US" sz="600" dirty="0"/>
+            </a:p>
+          </p:txBody>
+        </p:sp>
+        <p:sp>
+          <p:nvSpPr>
+            <p:cNvPr id="88" name="Textfeld 87"/>
+            <p:cNvSpPr txBox="1"/>
+            <p:nvPr/>
+          </p:nvSpPr>
+          <p:spPr>
+            <a:xfrm>
+              <a:off x="9614398" y="6049578"/>
+              <a:ext cx="261610" cy="184666"/>
+            </a:xfrm>
+            <a:prstGeom prst="rect">
+              <a:avLst/>
+            </a:prstGeom>
+            <a:noFill/>
+          </p:spPr>
+          <p:txBody>
+            <a:bodyPr wrap="none" rtlCol="0">
+              <a:spAutoFit/>
+            </a:bodyPr>
+            <a:lstStyle/>
+            <a:p>
+              <a:r>
+                <a:rPr lang="de-DE" sz="600" dirty="0" smtClean="0"/>
+                <a:t>11</a:t>
+              </a:r>
+              <a:endParaRPr lang="en-US" sz="600" dirty="0"/>
+            </a:p>
+          </p:txBody>
+        </p:sp>
+        <p:sp>
+          <p:nvSpPr>
+            <p:cNvPr id="89" name="Rechteck 88"/>
+            <p:cNvSpPr/>
+            <p:nvPr/>
+          </p:nvSpPr>
+          <p:spPr>
+            <a:xfrm>
+              <a:off x="10064343" y="5900060"/>
+              <a:ext cx="355600" cy="63832"/>
+            </a:xfrm>
+            <a:prstGeom prst="rect">
+              <a:avLst/>
+            </a:prstGeom>
+            <a:solidFill>
+              <a:srgbClr val="FF0000"/>
+            </a:solidFill>
+            <a:ln>
+              <a:noFill/>
+            </a:ln>
+          </p:spPr>
+          <p:style>
+            <a:lnRef idx="2">
+              <a:schemeClr val="accent1">
+                <a:shade val="50000"/>
+              </a:schemeClr>
+            </a:lnRef>
+            <a:fillRef idx="1">
+              <a:schemeClr val="accent1"/>
+            </a:fillRef>
+            <a:effectRef idx="0">
+              <a:schemeClr val="accent1"/>
+            </a:effectRef>
+            <a:fontRef idx="minor">
+              <a:schemeClr val="lt1"/>
+            </a:fontRef>
+          </p:style>
+          <p:txBody>
+            <a:bodyPr rtlCol="0" anchor="ctr"/>
+            <a:lstStyle/>
+            <a:p>
+              <a:pPr algn="ctr"/>
+              <a:endParaRPr lang="en-US" sz="600"/>
+            </a:p>
+          </p:txBody>
+        </p:sp>
+        <p:sp>
+          <p:nvSpPr>
+            <p:cNvPr id="90" name="Textfeld 89"/>
+            <p:cNvSpPr txBox="1"/>
+            <p:nvPr/>
+          </p:nvSpPr>
+          <p:spPr>
+            <a:xfrm>
+              <a:off x="10035315" y="6049581"/>
+              <a:ext cx="261610" cy="184666"/>
+            </a:xfrm>
+            <a:prstGeom prst="rect">
+              <a:avLst/>
+            </a:prstGeom>
+            <a:noFill/>
+          </p:spPr>
+          <p:txBody>
+            <a:bodyPr wrap="none" rtlCol="0">
+              <a:spAutoFit/>
+            </a:bodyPr>
+            <a:lstStyle/>
+            <a:p>
+              <a:r>
+                <a:rPr lang="de-DE" sz="600" dirty="0" smtClean="0"/>
+                <a:t>12</a:t>
+              </a:r>
+              <a:endParaRPr lang="en-US" sz="600" dirty="0"/>
+            </a:p>
+          </p:txBody>
+        </p:sp>
+        <p:sp>
+          <p:nvSpPr>
+            <p:cNvPr id="91" name="Rechteck 90"/>
+            <p:cNvSpPr/>
+            <p:nvPr/>
+          </p:nvSpPr>
+          <p:spPr>
+            <a:xfrm>
+              <a:off x="10485260" y="5900063"/>
+              <a:ext cx="355600" cy="63832"/>
+            </a:xfrm>
+            <a:prstGeom prst="rect">
+              <a:avLst/>
+            </a:prstGeom>
+            <a:solidFill>
+              <a:srgbClr val="FF0000"/>
+            </a:solidFill>
+            <a:ln>
+              <a:noFill/>
+            </a:ln>
+          </p:spPr>
+          <p:style>
+            <a:lnRef idx="2">
+              <a:schemeClr val="accent1">
+                <a:shade val="50000"/>
+              </a:schemeClr>
+            </a:lnRef>
+            <a:fillRef idx="1">
+              <a:schemeClr val="accent1"/>
+            </a:fillRef>
+            <a:effectRef idx="0">
+              <a:schemeClr val="accent1"/>
+            </a:effectRef>
+            <a:fontRef idx="minor">
+              <a:schemeClr val="lt1"/>
+            </a:fontRef>
+          </p:style>
+          <p:txBody>
+            <a:bodyPr rtlCol="0" anchor="ctr"/>
+            <a:lstStyle/>
+            <a:p>
+              <a:pPr algn="ctr"/>
+              <a:endParaRPr lang="en-US" sz="600"/>
+            </a:p>
+          </p:txBody>
+        </p:sp>
+        <p:sp>
+          <p:nvSpPr>
+            <p:cNvPr id="92" name="Textfeld 91"/>
+            <p:cNvSpPr txBox="1"/>
+            <p:nvPr/>
+          </p:nvSpPr>
+          <p:spPr>
+            <a:xfrm>
+              <a:off x="10456232" y="6049584"/>
+              <a:ext cx="261610" cy="184666"/>
+            </a:xfrm>
+            <a:prstGeom prst="rect">
+              <a:avLst/>
+            </a:prstGeom>
+            <a:noFill/>
+          </p:spPr>
+          <p:txBody>
+            <a:bodyPr wrap="none" rtlCol="0">
+              <a:spAutoFit/>
+            </a:bodyPr>
+            <a:lstStyle/>
+            <a:p>
+              <a:r>
+                <a:rPr lang="de-DE" sz="600" dirty="0" smtClean="0"/>
+                <a:t>13</a:t>
+              </a:r>
+              <a:endParaRPr lang="en-US" sz="600" dirty="0"/>
+            </a:p>
+          </p:txBody>
+        </p:sp>
+        <p:sp>
+          <p:nvSpPr>
+            <p:cNvPr id="93" name="Rechteck 92"/>
+            <p:cNvSpPr/>
+            <p:nvPr/>
+          </p:nvSpPr>
+          <p:spPr>
+            <a:xfrm>
+              <a:off x="10906177" y="5900066"/>
+              <a:ext cx="355600" cy="63832"/>
+            </a:xfrm>
+            <a:prstGeom prst="rect">
+              <a:avLst/>
+            </a:prstGeom>
+            <a:solidFill>
+              <a:srgbClr val="FF0000"/>
+            </a:solidFill>
+            <a:ln>
+              <a:noFill/>
+            </a:ln>
+          </p:spPr>
+          <p:style>
+            <a:lnRef idx="2">
+              <a:schemeClr val="accent1">
+                <a:shade val="50000"/>
+              </a:schemeClr>
+            </a:lnRef>
+            <a:fillRef idx="1">
+              <a:schemeClr val="accent1"/>
+            </a:fillRef>
+            <a:effectRef idx="0">
+              <a:schemeClr val="accent1"/>
+            </a:effectRef>
+            <a:fontRef idx="minor">
+              <a:schemeClr val="lt1"/>
+            </a:fontRef>
+          </p:style>
+          <p:txBody>
+            <a:bodyPr rtlCol="0" anchor="ctr"/>
+            <a:lstStyle/>
+            <a:p>
+              <a:pPr algn="ctr"/>
+              <a:endParaRPr lang="en-US" sz="600"/>
+            </a:p>
+          </p:txBody>
+        </p:sp>
+        <p:sp>
+          <p:nvSpPr>
+            <p:cNvPr id="94" name="Textfeld 93"/>
+            <p:cNvSpPr txBox="1"/>
+            <p:nvPr/>
+          </p:nvSpPr>
+          <p:spPr>
+            <a:xfrm>
+              <a:off x="10877149" y="6049587"/>
+              <a:ext cx="261610" cy="184666"/>
+            </a:xfrm>
+            <a:prstGeom prst="rect">
+              <a:avLst/>
+            </a:prstGeom>
+            <a:noFill/>
+          </p:spPr>
+          <p:txBody>
+            <a:bodyPr wrap="none" rtlCol="0">
+              <a:spAutoFit/>
+            </a:bodyPr>
+            <a:lstStyle/>
+            <a:p>
+              <a:r>
+                <a:rPr lang="de-DE" sz="600" dirty="0" smtClean="0"/>
+                <a:t>14</a:t>
+              </a:r>
+              <a:endParaRPr lang="en-US" sz="600" dirty="0"/>
+            </a:p>
+          </p:txBody>
+        </p:sp>
+      </p:grpSp>
+      <p:cxnSp>
+        <p:nvCxnSpPr>
+          <p:cNvPr id="96" name="Gerade Verbindung mit Pfeil 95"/>
+          <p:cNvCxnSpPr>
+            <a:stCxn id="6" idx="3"/>
+          </p:cNvCxnSpPr>
+          <p:nvPr/>
+        </p:nvCxnSpPr>
+        <p:spPr>
+          <a:xfrm flipV="1">
+            <a:off x="1704599" y="2754336"/>
+            <a:ext cx="2290399" cy="419348"/>
+          </a:xfrm>
+          <a:prstGeom prst="straightConnector1">
+            <a:avLst/>
+          </a:prstGeom>
+          <a:ln w="38100">
+            <a:solidFill>
+              <a:srgbClr val="00B050"/>
+            </a:solidFill>
+            <a:tailEnd type="triangle"/>
+          </a:ln>
+        </p:spPr>
+        <p:style>
+          <a:lnRef idx="1">
+            <a:schemeClr val="accent1"/>
+          </a:lnRef>
+          <a:fillRef idx="0">
+            <a:schemeClr val="accent1"/>
+          </a:fillRef>
+          <a:effectRef idx="0">
+            <a:schemeClr val="accent1"/>
+          </a:effectRef>
+          <a:fontRef idx="minor">
+            <a:schemeClr val="tx1"/>
+          </a:fontRef>
+        </p:style>
+      </p:cxnSp>
+      <mc:AlternateContent xmlns:mc="http://schemas.openxmlformats.org/markup-compatibility/2006">
+        <mc:Choice xmlns:a14="http://schemas.microsoft.com/office/drawing/2010/main" Requires="a14">
+          <p:sp>
+            <p:nvSpPr>
+              <p:cNvPr id="144" name="Textfeld 143"/>
+              <p:cNvSpPr txBox="1"/>
+              <p:nvPr/>
+            </p:nvSpPr>
+            <p:spPr>
+              <a:xfrm rot="20873612">
+                <a:off x="2135770" y="2949919"/>
+                <a:ext cx="1354678" cy="348750"/>
+              </a:xfrm>
+              <a:prstGeom prst="rect">
+                <a:avLst/>
+              </a:prstGeom>
+              <a:noFill/>
+            </p:spPr>
+            <p:txBody>
+              <a:bodyPr wrap="square" rtlCol="0">
+                <a:spAutoFit/>
+              </a:bodyPr>
+              <a:lstStyle/>
+              <a:p>
+                <a:r>
+                  <a:rPr lang="de-DE" sz="1400" dirty="0" smtClean="0"/>
+                  <a:t> </a:t>
+                </a:r>
+                <a14:m>
+                  <m:oMath xmlns:m="http://schemas.openxmlformats.org/officeDocument/2006/math">
+                    <m:nary>
+                      <m:naryPr>
+                        <m:chr m:val="∑"/>
+                        <m:subHide m:val="on"/>
+                        <m:supHide m:val="on"/>
+                        <m:ctrlPr>
+                          <a:rPr lang="de-DE" sz="1400" i="1" smtClean="0">
+                            <a:latin typeface="Cambria Math" panose="02040503050406030204" pitchFamily="18" charset="0"/>
+                          </a:rPr>
+                        </m:ctrlPr>
+                      </m:naryPr>
+                      <m:sub/>
+                      <m:sup/>
+                      <m:e>
+                        <m:sSub>
+                          <m:sSubPr>
+                            <m:ctrlPr>
+                              <a:rPr lang="en-US" i="1"/>
+                            </m:ctrlPr>
+                          </m:sSubPr>
+                          <m:e>
+                            <m:r>
+                              <a:rPr lang="en-US" i="1"/>
+                              <m:t>𝐼</m:t>
+                            </m:r>
+                          </m:e>
+                          <m:sub>
+                            <m:r>
+                              <a:rPr lang="en-US" i="1"/>
+                              <m:t>𝑝</m:t>
+                            </m:r>
+                          </m:sub>
+                        </m:sSub>
+                        <m:r>
+                          <a:rPr lang="en-US" i="1"/>
+                          <m:t> </m:t>
+                        </m:r>
+                        <m:r>
+                          <a:rPr lang="en-US" i="1"/>
+                          <m:t>𝑅</m:t>
+                        </m:r>
+                        <m:d>
+                          <m:dPr>
+                            <m:ctrlPr>
+                              <a:rPr lang="en-US" i="1"/>
+                            </m:ctrlPr>
+                          </m:dPr>
+                          <m:e>
+                            <m:r>
+                              <a:rPr lang="en-US" i="1"/>
+                              <m:t>𝑡</m:t>
+                            </m:r>
+                          </m:e>
+                        </m:d>
+                        <m:r>
+                          <a:rPr lang="en-US" i="1"/>
+                          <m:t> </m:t>
+                        </m:r>
+                        <m:sSub>
+                          <m:sSubPr>
+                            <m:ctrlPr>
+                              <a:rPr lang="en-US" i="1"/>
+                            </m:ctrlPr>
+                          </m:sSubPr>
+                          <m:e>
+                            <m:r>
+                              <a:rPr lang="en-US" i="1"/>
+                              <m:t>𝑃</m:t>
+                            </m:r>
+                          </m:e>
+                          <m:sub>
+                            <m:r>
+                              <a:rPr lang="en-US" i="1"/>
+                              <m:t>𝑝</m:t>
+                            </m:r>
+                          </m:sub>
+                        </m:sSub>
+                      </m:e>
+                    </m:nary>
+                  </m:oMath>
+                </a14:m>
+                <a:endParaRPr lang="en-US" sz="1400" dirty="0"/>
+              </a:p>
+            </p:txBody>
+          </p:sp>
+        </mc:Choice>
+        <mc:Fallback>
+          <p:sp>
+            <p:nvSpPr>
+              <p:cNvPr id="144" name="Textfeld 143"/>
+              <p:cNvSpPr txBox="1">
+                <a:spLocks noRot="1" noChangeAspect="1" noMove="1" noResize="1" noEditPoints="1" noAdjustHandles="1" noChangeArrowheads="1" noChangeShapeType="1" noTextEdit="1"/>
+              </p:cNvSpPr>
+              <p:nvPr/>
+            </p:nvSpPr>
+            <p:spPr>
+              <a:xfrm rot="20873612">
+                <a:off x="2135770" y="2949919"/>
+                <a:ext cx="1354678" cy="348750"/>
+              </a:xfrm>
+              <a:prstGeom prst="rect">
+                <a:avLst/>
+              </a:prstGeom>
+              <a:blipFill>
+                <a:blip r:embed="rId2"/>
+                <a:stretch>
+                  <a:fillRect l="-16883" t="-32039" b="-78641"/>
+                </a:stretch>
+              </a:blipFill>
+            </p:spPr>
+            <p:txBody>
+              <a:bodyPr/>
+              <a:lstStyle/>
+              <a:p>
+                <a:r>
+                  <a:rPr lang="en-US">
+                    <a:noFill/>
+                  </a:rPr>
+                  <a:t> </a:t>
+                </a:r>
+              </a:p>
+            </p:txBody>
+          </p:sp>
+        </mc:Fallback>
+      </mc:AlternateContent>
+      <p:sp>
+        <p:nvSpPr>
+          <p:cNvPr id="145" name="Abgerundetes Rechteck 144"/>
+          <p:cNvSpPr/>
+          <p:nvPr/>
+        </p:nvSpPr>
+        <p:spPr>
+          <a:xfrm>
+            <a:off x="10189695" y="4062703"/>
+            <a:ext cx="1277257" cy="725714"/>
+          </a:xfrm>
+          <a:prstGeom prst="roundRect">
+            <a:avLst/>
+          </a:prstGeom>
+        </p:spPr>
+        <p:style>
+          <a:lnRef idx="2">
+            <a:schemeClr val="accent1">
+              <a:shade val="50000"/>
+            </a:schemeClr>
+          </a:lnRef>
+          <a:fillRef idx="1">
+            <a:schemeClr val="accent1"/>
+          </a:fillRef>
+          <a:effectRef idx="0">
+            <a:schemeClr val="accent1"/>
+          </a:effectRef>
+          <a:fontRef idx="minor">
+            <a:schemeClr val="lt1"/>
+          </a:fontRef>
+        </p:style>
+        <p:txBody>
+          <a:bodyPr rtlCol="0" anchor="ctr"/>
+          <a:lstStyle/>
+          <a:p>
+            <a:pPr algn="ctr"/>
+            <a:r>
+              <a:rPr lang="de-DE" dirty="0" smtClean="0"/>
+              <a:t>D</a:t>
+            </a:r>
+          </a:p>
+          <a:p>
+            <a:pPr algn="ctr"/>
+            <a:r>
+              <a:rPr lang="de-DE" dirty="0" err="1" smtClean="0"/>
+              <a:t>dead</a:t>
+            </a:r>
+            <a:endParaRPr lang="en-US" dirty="0"/>
+          </a:p>
+        </p:txBody>
+      </p:sp>
+      <p:sp>
+        <p:nvSpPr>
+          <p:cNvPr id="148" name="Rechteck 147"/>
+          <p:cNvSpPr/>
+          <p:nvPr/>
+        </p:nvSpPr>
+        <p:spPr>
+          <a:xfrm>
+            <a:off x="9878718" y="3020827"/>
+            <a:ext cx="1707373" cy="1922249"/>
+          </a:xfrm>
+          <a:prstGeom prst="rect">
+            <a:avLst/>
+          </a:prstGeom>
+          <a:noFill/>
+          <a:ln w="38100">
+            <a:solidFill>
+              <a:srgbClr val="FFC000"/>
+            </a:solidFill>
+          </a:ln>
+        </p:spPr>
+        <p:style>
+          <a:lnRef idx="2">
+            <a:schemeClr val="accent1">
+              <a:shade val="50000"/>
+            </a:schemeClr>
+          </a:lnRef>
+          <a:fillRef idx="1">
+            <a:schemeClr val="accent1"/>
+          </a:fillRef>
+          <a:effectRef idx="0">
+            <a:schemeClr val="accent1"/>
+          </a:effectRef>
+          <a:fontRef idx="minor">
+            <a:schemeClr val="lt1"/>
+          </a:fontRef>
+        </p:style>
+        <p:txBody>
+          <a:bodyPr rtlCol="0" anchor="ctr"/>
+          <a:lstStyle/>
+          <a:p>
+            <a:pPr algn="ctr"/>
+            <a:endParaRPr lang="en-US"/>
+          </a:p>
+        </p:txBody>
+      </p:sp>
+      <p:sp>
+        <p:nvSpPr>
+          <p:cNvPr id="149" name="Textfeld 148"/>
+          <p:cNvSpPr txBox="1"/>
+          <p:nvPr/>
+        </p:nvSpPr>
+        <p:spPr>
+          <a:xfrm>
+            <a:off x="6090786" y="6349625"/>
+            <a:ext cx="2282941" cy="369332"/>
+          </a:xfrm>
+          <a:prstGeom prst="rect">
+            <a:avLst/>
+          </a:prstGeom>
+          <a:noFill/>
+        </p:spPr>
+        <p:txBody>
+          <a:bodyPr wrap="square" rtlCol="0">
+            <a:spAutoFit/>
+          </a:bodyPr>
+          <a:lstStyle/>
+          <a:p>
+            <a:r>
+              <a:rPr lang="de-DE" dirty="0" err="1" smtClean="0"/>
+              <a:t>simulated</a:t>
+            </a:r>
+            <a:r>
+              <a:rPr lang="de-DE" dirty="0" smtClean="0"/>
+              <a:t> </a:t>
+            </a:r>
+            <a:r>
+              <a:rPr lang="de-DE" dirty="0" err="1" smtClean="0"/>
+              <a:t>hospitalized</a:t>
+            </a:r>
+            <a:r>
+              <a:rPr lang="de-DE" dirty="0" smtClean="0"/>
+              <a:t> </a:t>
+            </a:r>
+            <a:endParaRPr lang="en-US" dirty="0"/>
+          </a:p>
+        </p:txBody>
+      </p:sp>
+      <p:sp>
+        <p:nvSpPr>
+          <p:cNvPr id="150" name="Abgerundetes Rechteck 149"/>
+          <p:cNvSpPr/>
+          <p:nvPr/>
+        </p:nvSpPr>
+        <p:spPr>
+          <a:xfrm>
+            <a:off x="10148304" y="2304001"/>
+            <a:ext cx="1467649" cy="541645"/>
+          </a:xfrm>
+          <a:prstGeom prst="roundRect">
+            <a:avLst/>
+          </a:prstGeom>
+        </p:spPr>
+        <p:style>
+          <a:lnRef idx="2">
+            <a:schemeClr val="accent1">
+              <a:shade val="50000"/>
+            </a:schemeClr>
+          </a:lnRef>
+          <a:fillRef idx="1">
+            <a:schemeClr val="accent1"/>
+          </a:fillRef>
+          <a:effectRef idx="0">
+            <a:schemeClr val="accent1"/>
+          </a:effectRef>
+          <a:fontRef idx="minor">
+            <a:schemeClr val="lt1"/>
+          </a:fontRef>
+        </p:style>
+        <p:txBody>
+          <a:bodyPr rtlCol="0" anchor="ctr"/>
+          <a:lstStyle/>
+          <a:p>
+            <a:pPr algn="ctr"/>
+            <a:r>
+              <a:rPr lang="de-DE" dirty="0" smtClean="0"/>
+              <a:t>C</a:t>
+            </a:r>
+          </a:p>
+          <a:p>
+            <a:pPr algn="ctr"/>
+            <a:r>
+              <a:rPr lang="de-DE" dirty="0" err="1" smtClean="0"/>
+              <a:t>cured</a:t>
+            </a:r>
+            <a:endParaRPr lang="de-DE" dirty="0" smtClean="0"/>
+          </a:p>
+        </p:txBody>
+      </p:sp>
+      <p:sp>
+        <p:nvSpPr>
+          <p:cNvPr id="253" name="Rechteck 252"/>
+          <p:cNvSpPr/>
+          <p:nvPr/>
+        </p:nvSpPr>
+        <p:spPr>
+          <a:xfrm>
+            <a:off x="3991824" y="2449186"/>
+            <a:ext cx="958775" cy="372209"/>
+          </a:xfrm>
+          <a:prstGeom prst="rect">
+            <a:avLst/>
+          </a:prstGeom>
+          <a:noFill/>
+          <a:ln w="28575">
+            <a:solidFill>
+              <a:srgbClr val="0070C0"/>
+            </a:solidFill>
+          </a:ln>
+        </p:spPr>
+        <p:style>
+          <a:lnRef idx="2">
+            <a:schemeClr val="accent1">
+              <a:shade val="50000"/>
+            </a:schemeClr>
+          </a:lnRef>
+          <a:fillRef idx="1">
+            <a:schemeClr val="accent1"/>
+          </a:fillRef>
+          <a:effectRef idx="0">
+            <a:schemeClr val="accent1"/>
+          </a:effectRef>
+          <a:fontRef idx="minor">
+            <a:schemeClr val="lt1"/>
+          </a:fontRef>
+        </p:style>
+        <p:txBody>
+          <a:bodyPr rtlCol="0" anchor="ctr"/>
+          <a:lstStyle/>
+          <a:p>
+            <a:pPr algn="ctr"/>
+            <a:endParaRPr lang="en-US"/>
+          </a:p>
+        </p:txBody>
+      </p:sp>
+      <p:sp>
+        <p:nvSpPr>
+          <p:cNvPr id="382" name="Rechteck 381"/>
+          <p:cNvSpPr/>
+          <p:nvPr/>
+        </p:nvSpPr>
+        <p:spPr>
+          <a:xfrm>
+            <a:off x="4823152" y="2293105"/>
+            <a:ext cx="97462" cy="537350"/>
+          </a:xfrm>
+          <a:prstGeom prst="rect">
+            <a:avLst/>
+          </a:prstGeom>
+          <a:noFill/>
+          <a:ln w="28575">
+            <a:solidFill>
+              <a:srgbClr val="00B050"/>
+            </a:solidFill>
+          </a:ln>
+        </p:spPr>
+        <p:style>
+          <a:lnRef idx="2">
+            <a:schemeClr val="accent1">
+              <a:shade val="50000"/>
+            </a:schemeClr>
+          </a:lnRef>
+          <a:fillRef idx="1">
+            <a:schemeClr val="accent1"/>
+          </a:fillRef>
+          <a:effectRef idx="0">
+            <a:schemeClr val="accent1"/>
+          </a:effectRef>
+          <a:fontRef idx="minor">
+            <a:schemeClr val="lt1"/>
+          </a:fontRef>
+        </p:style>
+        <p:txBody>
+          <a:bodyPr rtlCol="0" anchor="ctr"/>
+          <a:lstStyle/>
+          <a:p>
+            <a:pPr algn="ctr"/>
+            <a:endParaRPr lang="en-US"/>
+          </a:p>
+        </p:txBody>
+      </p:sp>
+      <p:cxnSp>
+        <p:nvCxnSpPr>
+          <p:cNvPr id="383" name="Gerade Verbindung mit Pfeil 382"/>
+          <p:cNvCxnSpPr>
+            <a:stCxn id="382" idx="3"/>
+            <a:endCxn id="150" idx="1"/>
+          </p:cNvCxnSpPr>
+          <p:nvPr/>
+        </p:nvCxnSpPr>
+        <p:spPr>
+          <a:xfrm>
+            <a:off x="4920614" y="2561780"/>
+            <a:ext cx="5227690" cy="13044"/>
+          </a:xfrm>
+          <a:prstGeom prst="straightConnector1">
+            <a:avLst/>
+          </a:prstGeom>
+          <a:ln w="38100">
+            <a:solidFill>
+              <a:srgbClr val="00B050"/>
+            </a:solidFill>
+            <a:tailEnd type="triangle"/>
+          </a:ln>
+        </p:spPr>
+        <p:style>
+          <a:lnRef idx="1">
+            <a:schemeClr val="accent1"/>
+          </a:lnRef>
+          <a:fillRef idx="0">
+            <a:schemeClr val="accent1"/>
+          </a:fillRef>
+          <a:effectRef idx="0">
+            <a:schemeClr val="accent1"/>
+          </a:effectRef>
+          <a:fontRef idx="minor">
+            <a:schemeClr val="tx1"/>
+          </a:fontRef>
+        </p:style>
+      </p:cxnSp>
+      <p:sp>
+        <p:nvSpPr>
+          <p:cNvPr id="386" name="Textfeld 385"/>
+          <p:cNvSpPr txBox="1"/>
+          <p:nvPr/>
+        </p:nvSpPr>
+        <p:spPr>
+          <a:xfrm>
+            <a:off x="9594581" y="2278076"/>
+            <a:ext cx="293066" cy="307777"/>
+          </a:xfrm>
+          <a:prstGeom prst="rect">
+            <a:avLst/>
+          </a:prstGeom>
+          <a:noFill/>
+        </p:spPr>
+        <p:txBody>
+          <a:bodyPr wrap="square" rtlCol="0">
+            <a:spAutoFit/>
+          </a:bodyPr>
+          <a:lstStyle/>
+          <a:p>
+            <a:r>
+              <a:rPr lang="de-DE" sz="1400" dirty="0" smtClean="0"/>
+              <a:t>1</a:t>
+            </a:r>
+          </a:p>
+        </p:txBody>
+      </p:sp>
+      <p:sp>
+        <p:nvSpPr>
+          <p:cNvPr id="405" name="Rechteck 404"/>
+          <p:cNvSpPr/>
+          <p:nvPr/>
+        </p:nvSpPr>
+        <p:spPr>
+          <a:xfrm>
+            <a:off x="9560447" y="726967"/>
+            <a:ext cx="2518098" cy="5963791"/>
+          </a:xfrm>
+          <a:prstGeom prst="rect">
+            <a:avLst/>
+          </a:prstGeom>
+          <a:noFill/>
+          <a:ln>
+            <a:solidFill>
+              <a:schemeClr val="tx1"/>
+            </a:solidFill>
+            <a:prstDash val="dash"/>
+          </a:ln>
+        </p:spPr>
+        <p:style>
+          <a:lnRef idx="2">
+            <a:schemeClr val="accent1">
+              <a:shade val="50000"/>
+            </a:schemeClr>
+          </a:lnRef>
+          <a:fillRef idx="1">
+            <a:schemeClr val="accent1"/>
+          </a:fillRef>
+          <a:effectRef idx="0">
+            <a:schemeClr val="accent1"/>
+          </a:effectRef>
+          <a:fontRef idx="minor">
+            <a:schemeClr val="lt1"/>
+          </a:fontRef>
+        </p:style>
+        <p:txBody>
+          <a:bodyPr rtlCol="0" anchor="ctr"/>
+          <a:lstStyle/>
+          <a:p>
+            <a:pPr algn="ctr"/>
+            <a:endParaRPr lang="en-US"/>
+          </a:p>
+        </p:txBody>
+      </p:sp>
+      <p:sp>
+        <p:nvSpPr>
+          <p:cNvPr id="406" name="Textfeld 405"/>
+          <p:cNvSpPr txBox="1"/>
+          <p:nvPr/>
+        </p:nvSpPr>
+        <p:spPr>
+          <a:xfrm>
+            <a:off x="9461978" y="380052"/>
+            <a:ext cx="1262012" cy="369332"/>
+          </a:xfrm>
+          <a:prstGeom prst="rect">
+            <a:avLst/>
+          </a:prstGeom>
+          <a:noFill/>
+        </p:spPr>
+        <p:txBody>
+          <a:bodyPr wrap="none" rtlCol="0">
+            <a:spAutoFit/>
+          </a:bodyPr>
+          <a:lstStyle/>
+          <a:p>
+            <a:r>
+              <a:rPr lang="de-DE" dirty="0" smtClean="0"/>
+              <a:t>R: </a:t>
+            </a:r>
+            <a:r>
+              <a:rPr lang="de-DE" dirty="0" err="1" smtClean="0"/>
+              <a:t>removed</a:t>
+            </a:r>
+            <a:endParaRPr lang="en-US" dirty="0"/>
+          </a:p>
+        </p:txBody>
+      </p:sp>
+      <p:sp>
+        <p:nvSpPr>
+          <p:cNvPr id="412" name="Rechteck 411"/>
+          <p:cNvSpPr/>
+          <p:nvPr/>
+        </p:nvSpPr>
+        <p:spPr>
+          <a:xfrm>
+            <a:off x="2802653" y="246743"/>
+            <a:ext cx="6667295" cy="6422519"/>
+          </a:xfrm>
+          <a:prstGeom prst="rect">
+            <a:avLst/>
+          </a:prstGeom>
+          <a:noFill/>
+          <a:ln>
+            <a:solidFill>
+              <a:schemeClr val="tx1"/>
+            </a:solidFill>
+            <a:prstDash val="dash"/>
+          </a:ln>
+        </p:spPr>
+        <p:style>
+          <a:lnRef idx="2">
+            <a:schemeClr val="accent1">
+              <a:shade val="50000"/>
+            </a:schemeClr>
+          </a:lnRef>
+          <a:fillRef idx="1">
+            <a:schemeClr val="accent1"/>
+          </a:fillRef>
+          <a:effectRef idx="0">
+            <a:schemeClr val="accent1"/>
+          </a:effectRef>
+          <a:fontRef idx="minor">
+            <a:schemeClr val="lt1"/>
+          </a:fontRef>
+        </p:style>
+        <p:txBody>
+          <a:bodyPr rtlCol="0" anchor="ctr"/>
+          <a:lstStyle/>
+          <a:p>
+            <a:pPr algn="ctr"/>
+            <a:endParaRPr lang="en-US"/>
+          </a:p>
+        </p:txBody>
+      </p:sp>
+      <p:sp>
+        <p:nvSpPr>
+          <p:cNvPr id="413" name="Rechteck 412"/>
+          <p:cNvSpPr/>
+          <p:nvPr/>
+        </p:nvSpPr>
+        <p:spPr>
+          <a:xfrm>
+            <a:off x="94219" y="380052"/>
+            <a:ext cx="2626709" cy="6310706"/>
+          </a:xfrm>
+          <a:prstGeom prst="rect">
+            <a:avLst/>
+          </a:prstGeom>
+          <a:noFill/>
+          <a:ln>
+            <a:solidFill>
+              <a:schemeClr val="tx1"/>
+            </a:solidFill>
+            <a:prstDash val="dash"/>
+          </a:ln>
+        </p:spPr>
+        <p:style>
+          <a:lnRef idx="2">
+            <a:schemeClr val="accent1">
+              <a:shade val="50000"/>
+            </a:schemeClr>
+          </a:lnRef>
+          <a:fillRef idx="1">
+            <a:schemeClr val="accent1"/>
+          </a:fillRef>
+          <a:effectRef idx="0">
+            <a:schemeClr val="accent1"/>
+          </a:effectRef>
+          <a:fontRef idx="minor">
+            <a:schemeClr val="lt1"/>
+          </a:fontRef>
+        </p:style>
+        <p:txBody>
+          <a:bodyPr rtlCol="0" anchor="ctr"/>
+          <a:lstStyle/>
+          <a:p>
+            <a:pPr algn="ctr"/>
+            <a:endParaRPr lang="en-US"/>
+          </a:p>
+        </p:txBody>
+      </p:sp>
+      <p:sp>
+        <p:nvSpPr>
+          <p:cNvPr id="414" name="Textfeld 413"/>
+          <p:cNvSpPr txBox="1"/>
+          <p:nvPr/>
+        </p:nvSpPr>
+        <p:spPr>
+          <a:xfrm>
+            <a:off x="3291890" y="-62553"/>
+            <a:ext cx="1120820" cy="369332"/>
+          </a:xfrm>
+          <a:prstGeom prst="rect">
+            <a:avLst/>
+          </a:prstGeom>
+          <a:noFill/>
+        </p:spPr>
+        <p:txBody>
+          <a:bodyPr wrap="none" rtlCol="0">
+            <a:spAutoFit/>
+          </a:bodyPr>
+          <a:lstStyle/>
+          <a:p>
+            <a:r>
+              <a:rPr lang="de-DE" dirty="0" smtClean="0"/>
+              <a:t>I: </a:t>
+            </a:r>
+            <a:r>
+              <a:rPr lang="de-DE" dirty="0" err="1" smtClean="0"/>
+              <a:t>infected</a:t>
+            </a:r>
+            <a:endParaRPr lang="en-US" dirty="0"/>
+          </a:p>
+        </p:txBody>
+      </p:sp>
+      <p:sp>
+        <p:nvSpPr>
+          <p:cNvPr id="415" name="Textfeld 414"/>
+          <p:cNvSpPr txBox="1"/>
+          <p:nvPr/>
+        </p:nvSpPr>
+        <p:spPr>
+          <a:xfrm>
+            <a:off x="121296" y="-71346"/>
+            <a:ext cx="1461234" cy="369332"/>
+          </a:xfrm>
+          <a:prstGeom prst="rect">
+            <a:avLst/>
+          </a:prstGeom>
+          <a:noFill/>
+        </p:spPr>
+        <p:txBody>
+          <a:bodyPr wrap="none" rtlCol="0">
+            <a:spAutoFit/>
+          </a:bodyPr>
+          <a:lstStyle/>
+          <a:p>
+            <a:r>
+              <a:rPr lang="de-DE" dirty="0" smtClean="0"/>
+              <a:t>S: </a:t>
+            </a:r>
+            <a:r>
+              <a:rPr lang="de-DE" dirty="0" err="1" smtClean="0"/>
+              <a:t>susceptible</a:t>
+            </a:r>
+            <a:endParaRPr lang="en-US" dirty="0"/>
+          </a:p>
+        </p:txBody>
+      </p:sp>
+      <p:grpSp>
+        <p:nvGrpSpPr>
+          <p:cNvPr id="252" name="Gruppieren 251"/>
+          <p:cNvGrpSpPr/>
+          <p:nvPr/>
+        </p:nvGrpSpPr>
+        <p:grpSpPr>
+          <a:xfrm>
+            <a:off x="3855051" y="386893"/>
+            <a:ext cx="1200529" cy="987524"/>
+            <a:chOff x="831471" y="1610336"/>
+            <a:chExt cx="1200529" cy="1268482"/>
+          </a:xfrm>
+        </p:grpSpPr>
+        <p:grpSp>
+          <p:nvGrpSpPr>
+            <p:cNvPr id="254" name="Gruppieren 253"/>
+            <p:cNvGrpSpPr/>
+            <p:nvPr/>
+          </p:nvGrpSpPr>
+          <p:grpSpPr>
+            <a:xfrm>
+              <a:off x="831471" y="1923142"/>
+              <a:ext cx="1200529" cy="955676"/>
+              <a:chOff x="1166862" y="2888344"/>
+              <a:chExt cx="3240760" cy="2860511"/>
+            </a:xfrm>
+          </p:grpSpPr>
+          <p:sp>
+            <p:nvSpPr>
+              <p:cNvPr id="295" name="Rechteck 294"/>
+              <p:cNvSpPr/>
+              <p:nvPr/>
+            </p:nvSpPr>
+            <p:spPr>
+              <a:xfrm>
+                <a:off x="1320800" y="4484913"/>
+                <a:ext cx="355600" cy="703943"/>
+              </a:xfrm>
+              <a:prstGeom prst="rect">
+                <a:avLst/>
+              </a:prstGeom>
+            </p:spPr>
+            <p:style>
+              <a:lnRef idx="2">
+                <a:schemeClr val="accent1">
+                  <a:shade val="50000"/>
+                </a:schemeClr>
+              </a:lnRef>
+              <a:fillRef idx="1">
+                <a:schemeClr val="accent1"/>
+              </a:fillRef>
+              <a:effectRef idx="0">
+                <a:schemeClr val="accent1"/>
+              </a:effectRef>
+              <a:fontRef idx="minor">
+                <a:schemeClr val="lt1"/>
+              </a:fontRef>
+            </p:style>
+            <p:txBody>
+              <a:bodyPr rtlCol="0" anchor="ctr"/>
+              <a:lstStyle/>
+              <a:p>
+                <a:pPr algn="ctr"/>
+                <a:endParaRPr lang="en-US" sz="600"/>
+              </a:p>
+            </p:txBody>
+          </p:sp>
+          <p:sp>
+            <p:nvSpPr>
+              <p:cNvPr id="296" name="Rechteck 295"/>
+              <p:cNvSpPr/>
+              <p:nvPr/>
+            </p:nvSpPr>
+            <p:spPr>
+              <a:xfrm>
+                <a:off x="1792515" y="4093030"/>
+                <a:ext cx="355600" cy="1095826"/>
+              </a:xfrm>
+              <a:prstGeom prst="rect">
+                <a:avLst/>
+              </a:prstGeom>
+            </p:spPr>
+            <p:style>
+              <a:lnRef idx="2">
+                <a:schemeClr val="accent1">
+                  <a:shade val="50000"/>
+                </a:schemeClr>
+              </a:lnRef>
+              <a:fillRef idx="1">
+                <a:schemeClr val="accent1"/>
+              </a:fillRef>
+              <a:effectRef idx="0">
+                <a:schemeClr val="accent1"/>
+              </a:effectRef>
+              <a:fontRef idx="minor">
+                <a:schemeClr val="lt1"/>
+              </a:fontRef>
+            </p:style>
+            <p:txBody>
+              <a:bodyPr rtlCol="0" anchor="ctr"/>
+              <a:lstStyle/>
+              <a:p>
+                <a:pPr algn="ctr"/>
+                <a:endParaRPr lang="en-US" sz="600"/>
+              </a:p>
+            </p:txBody>
+          </p:sp>
+          <p:sp>
+            <p:nvSpPr>
+              <p:cNvPr id="338" name="Rechteck 337"/>
+              <p:cNvSpPr/>
+              <p:nvPr/>
+            </p:nvSpPr>
+            <p:spPr>
+              <a:xfrm>
+                <a:off x="2264230" y="3302000"/>
+                <a:ext cx="355600" cy="1886856"/>
+              </a:xfrm>
+              <a:prstGeom prst="rect">
+                <a:avLst/>
+              </a:prstGeom>
+            </p:spPr>
+            <p:style>
+              <a:lnRef idx="2">
+                <a:schemeClr val="accent1">
+                  <a:shade val="50000"/>
+                </a:schemeClr>
+              </a:lnRef>
+              <a:fillRef idx="1">
+                <a:schemeClr val="accent1"/>
+              </a:fillRef>
+              <a:effectRef idx="0">
+                <a:schemeClr val="accent1"/>
+              </a:effectRef>
+              <a:fontRef idx="minor">
+                <a:schemeClr val="lt1"/>
+              </a:fontRef>
+            </p:style>
+            <p:txBody>
+              <a:bodyPr rtlCol="0" anchor="ctr"/>
+              <a:lstStyle/>
+              <a:p>
+                <a:pPr algn="ctr"/>
+                <a:endParaRPr lang="en-US" sz="600"/>
+              </a:p>
+            </p:txBody>
+          </p:sp>
+          <p:sp>
+            <p:nvSpPr>
+              <p:cNvPr id="389" name="Rechteck 388"/>
+              <p:cNvSpPr/>
+              <p:nvPr/>
+            </p:nvSpPr>
+            <p:spPr>
+              <a:xfrm>
+                <a:off x="2735945" y="3918856"/>
+                <a:ext cx="355600" cy="1269999"/>
+              </a:xfrm>
+              <a:prstGeom prst="rect">
+                <a:avLst/>
+              </a:prstGeom>
+            </p:spPr>
+            <p:style>
+              <a:lnRef idx="2">
+                <a:schemeClr val="accent1">
+                  <a:shade val="50000"/>
+                </a:schemeClr>
+              </a:lnRef>
+              <a:fillRef idx="1">
+                <a:schemeClr val="accent1"/>
+              </a:fillRef>
+              <a:effectRef idx="0">
+                <a:schemeClr val="accent1"/>
+              </a:effectRef>
+              <a:fontRef idx="minor">
+                <a:schemeClr val="lt1"/>
+              </a:fontRef>
+            </p:style>
+            <p:txBody>
+              <a:bodyPr rtlCol="0" anchor="ctr"/>
+              <a:lstStyle/>
+              <a:p>
+                <a:pPr algn="ctr"/>
+                <a:endParaRPr lang="en-US" sz="600"/>
+              </a:p>
+            </p:txBody>
+          </p:sp>
+          <p:sp>
+            <p:nvSpPr>
+              <p:cNvPr id="390" name="Rechteck 389"/>
+              <p:cNvSpPr/>
+              <p:nvPr/>
+            </p:nvSpPr>
+            <p:spPr>
+              <a:xfrm>
+                <a:off x="3207660" y="4376057"/>
+                <a:ext cx="355600" cy="812798"/>
+              </a:xfrm>
+              <a:prstGeom prst="rect">
+                <a:avLst/>
+              </a:prstGeom>
+            </p:spPr>
+            <p:style>
+              <a:lnRef idx="2">
+                <a:schemeClr val="accent1">
+                  <a:shade val="50000"/>
+                </a:schemeClr>
+              </a:lnRef>
+              <a:fillRef idx="1">
+                <a:schemeClr val="accent1"/>
+              </a:fillRef>
+              <a:effectRef idx="0">
+                <a:schemeClr val="accent1"/>
+              </a:effectRef>
+              <a:fontRef idx="minor">
+                <a:schemeClr val="lt1"/>
+              </a:fontRef>
+            </p:style>
+            <p:txBody>
+              <a:bodyPr rtlCol="0" anchor="ctr"/>
+              <a:lstStyle/>
+              <a:p>
+                <a:pPr algn="ctr"/>
+                <a:endParaRPr lang="en-US" sz="600"/>
+              </a:p>
+            </p:txBody>
+          </p:sp>
+          <p:sp>
+            <p:nvSpPr>
+              <p:cNvPr id="391" name="Rechteck 390"/>
+              <p:cNvSpPr/>
+              <p:nvPr/>
+            </p:nvSpPr>
+            <p:spPr>
+              <a:xfrm>
+                <a:off x="3679375" y="4717143"/>
+                <a:ext cx="355600" cy="471712"/>
+              </a:xfrm>
+              <a:prstGeom prst="rect">
+                <a:avLst/>
+              </a:prstGeom>
+            </p:spPr>
+            <p:style>
+              <a:lnRef idx="2">
+                <a:schemeClr val="accent1">
+                  <a:shade val="50000"/>
+                </a:schemeClr>
+              </a:lnRef>
+              <a:fillRef idx="1">
+                <a:schemeClr val="accent1"/>
+              </a:fillRef>
+              <a:effectRef idx="0">
+                <a:schemeClr val="accent1"/>
+              </a:effectRef>
+              <a:fontRef idx="minor">
+                <a:schemeClr val="lt1"/>
+              </a:fontRef>
+            </p:style>
+            <p:txBody>
+              <a:bodyPr rtlCol="0" anchor="ctr"/>
+              <a:lstStyle/>
+              <a:p>
+                <a:pPr algn="ctr"/>
+                <a:endParaRPr lang="en-US" sz="600"/>
+              </a:p>
+            </p:txBody>
+          </p:sp>
+          <p:grpSp>
+            <p:nvGrpSpPr>
+              <p:cNvPr id="392" name="Gruppieren 391"/>
+              <p:cNvGrpSpPr/>
+              <p:nvPr/>
+            </p:nvGrpSpPr>
+            <p:grpSpPr>
+              <a:xfrm>
+                <a:off x="1245222" y="5123553"/>
+                <a:ext cx="3162400" cy="625302"/>
+                <a:chOff x="1245222" y="5123553"/>
+                <a:chExt cx="3162400" cy="625302"/>
+              </a:xfrm>
+            </p:grpSpPr>
+            <p:sp>
+              <p:nvSpPr>
+                <p:cNvPr id="394" name="Textfeld 393"/>
+                <p:cNvSpPr txBox="1"/>
+                <p:nvPr/>
+              </p:nvSpPr>
+              <p:spPr>
+                <a:xfrm>
+                  <a:off x="1245222" y="5130802"/>
+                  <a:ext cx="771112" cy="552738"/>
+                </a:xfrm>
+                <a:prstGeom prst="rect">
+                  <a:avLst/>
+                </a:prstGeom>
+                <a:noFill/>
+              </p:spPr>
+              <p:txBody>
+                <a:bodyPr wrap="none" rtlCol="0">
+                  <a:spAutoFit/>
+                </a:bodyPr>
+                <a:lstStyle/>
+                <a:p>
+                  <a:r>
+                    <a:rPr lang="de-DE" sz="600" dirty="0" smtClean="0"/>
+                    <a:t>0-4</a:t>
+                  </a:r>
+                  <a:endParaRPr lang="en-US" sz="600" dirty="0"/>
+                </a:p>
+              </p:txBody>
+            </p:sp>
+            <p:sp>
+              <p:nvSpPr>
+                <p:cNvPr id="395" name="Textfeld 394"/>
+                <p:cNvSpPr txBox="1"/>
+                <p:nvPr/>
+              </p:nvSpPr>
+              <p:spPr>
+                <a:xfrm>
+                  <a:off x="1706425" y="5188858"/>
+                  <a:ext cx="874965" cy="552738"/>
+                </a:xfrm>
+                <a:prstGeom prst="rect">
+                  <a:avLst/>
+                </a:prstGeom>
+                <a:noFill/>
+              </p:spPr>
+              <p:txBody>
+                <a:bodyPr wrap="none" rtlCol="0">
+                  <a:spAutoFit/>
+                </a:bodyPr>
+                <a:lstStyle/>
+                <a:p>
+                  <a:r>
+                    <a:rPr lang="de-DE" sz="600" dirty="0" smtClean="0"/>
+                    <a:t>5-14</a:t>
+                  </a:r>
+                  <a:endParaRPr lang="en-US" sz="600" dirty="0"/>
+                </a:p>
+              </p:txBody>
+            </p:sp>
+            <p:sp>
+              <p:nvSpPr>
+                <p:cNvPr id="396" name="Textfeld 395"/>
+                <p:cNvSpPr txBox="1"/>
+                <p:nvPr/>
+              </p:nvSpPr>
+              <p:spPr>
+                <a:xfrm>
+                  <a:off x="2134597" y="5138061"/>
+                  <a:ext cx="978818" cy="552738"/>
+                </a:xfrm>
+                <a:prstGeom prst="rect">
+                  <a:avLst/>
+                </a:prstGeom>
+                <a:noFill/>
+              </p:spPr>
+              <p:txBody>
+                <a:bodyPr wrap="none" rtlCol="0">
+                  <a:spAutoFit/>
+                </a:bodyPr>
+                <a:lstStyle/>
+                <a:p>
+                  <a:r>
+                    <a:rPr lang="de-DE" sz="600" dirty="0" smtClean="0"/>
+                    <a:t>15-34</a:t>
+                  </a:r>
+                  <a:endParaRPr lang="en-US" sz="600" dirty="0"/>
+                </a:p>
+              </p:txBody>
+            </p:sp>
+            <p:sp>
+              <p:nvSpPr>
+                <p:cNvPr id="397" name="Textfeld 396"/>
+                <p:cNvSpPr txBox="1"/>
+                <p:nvPr/>
+              </p:nvSpPr>
+              <p:spPr>
+                <a:xfrm>
+                  <a:off x="2606311" y="5188864"/>
+                  <a:ext cx="978818" cy="552738"/>
+                </a:xfrm>
+                <a:prstGeom prst="rect">
+                  <a:avLst/>
+                </a:prstGeom>
+                <a:noFill/>
+              </p:spPr>
+              <p:txBody>
+                <a:bodyPr wrap="none" rtlCol="0">
+                  <a:spAutoFit/>
+                </a:bodyPr>
+                <a:lstStyle/>
+                <a:p>
+                  <a:r>
+                    <a:rPr lang="de-DE" sz="600" dirty="0" smtClean="0"/>
+                    <a:t>35-59</a:t>
+                  </a:r>
+                  <a:endParaRPr lang="en-US" sz="600" dirty="0"/>
+                </a:p>
+              </p:txBody>
+            </p:sp>
+            <p:sp>
+              <p:nvSpPr>
+                <p:cNvPr id="398" name="Textfeld 397"/>
+                <p:cNvSpPr txBox="1"/>
+                <p:nvPr/>
+              </p:nvSpPr>
+              <p:spPr>
+                <a:xfrm>
+                  <a:off x="3056254" y="5123553"/>
+                  <a:ext cx="978818" cy="552738"/>
+                </a:xfrm>
+                <a:prstGeom prst="rect">
+                  <a:avLst/>
+                </a:prstGeom>
+                <a:noFill/>
+              </p:spPr>
+              <p:txBody>
+                <a:bodyPr wrap="none" rtlCol="0">
+                  <a:spAutoFit/>
+                </a:bodyPr>
+                <a:lstStyle/>
+                <a:p>
+                  <a:r>
+                    <a:rPr lang="de-DE" sz="600" dirty="0" smtClean="0"/>
+                    <a:t>60-79</a:t>
+                  </a:r>
+                  <a:endParaRPr lang="en-US" sz="600" dirty="0"/>
+                </a:p>
+              </p:txBody>
+            </p:sp>
+            <p:sp>
+              <p:nvSpPr>
+                <p:cNvPr id="399" name="Textfeld 398"/>
+                <p:cNvSpPr txBox="1"/>
+                <p:nvPr/>
+              </p:nvSpPr>
+              <p:spPr>
+                <a:xfrm>
+                  <a:off x="3597568" y="5196117"/>
+                  <a:ext cx="810054" cy="552738"/>
+                </a:xfrm>
+                <a:prstGeom prst="rect">
+                  <a:avLst/>
+                </a:prstGeom>
+                <a:noFill/>
+              </p:spPr>
+              <p:txBody>
+                <a:bodyPr wrap="none" rtlCol="0">
+                  <a:spAutoFit/>
+                </a:bodyPr>
+                <a:lstStyle/>
+                <a:p>
+                  <a:r>
+                    <a:rPr lang="de-DE" sz="600" dirty="0" smtClean="0"/>
+                    <a:t>80+</a:t>
+                  </a:r>
+                  <a:endParaRPr lang="en-US" sz="600" dirty="0"/>
+                </a:p>
+              </p:txBody>
+            </p:sp>
+          </p:grpSp>
+          <p:cxnSp>
+            <p:nvCxnSpPr>
+              <p:cNvPr id="393" name="Gerade Verbindung mit Pfeil 392"/>
+              <p:cNvCxnSpPr/>
+              <p:nvPr/>
+            </p:nvCxnSpPr>
+            <p:spPr>
+              <a:xfrm flipV="1">
+                <a:off x="1166862" y="2888344"/>
+                <a:ext cx="0" cy="2316518"/>
+              </a:xfrm>
+              <a:prstGeom prst="straightConnector1">
+                <a:avLst/>
+              </a:prstGeom>
+              <a:ln w="12700">
+                <a:solidFill>
+                  <a:schemeClr val="tx1"/>
+                </a:solidFill>
+                <a:tailEnd type="triangle"/>
+              </a:ln>
+            </p:spPr>
+            <p:style>
+              <a:lnRef idx="1">
+                <a:schemeClr val="accent1"/>
+              </a:lnRef>
+              <a:fillRef idx="0">
+                <a:schemeClr val="accent1"/>
+              </a:fillRef>
+              <a:effectRef idx="0">
+                <a:schemeClr val="accent1"/>
+              </a:effectRef>
+              <a:fontRef idx="minor">
+                <a:schemeClr val="tx1"/>
+              </a:fontRef>
+            </p:style>
+          </p:cxnSp>
+        </p:grpSp>
+        <p:sp>
+          <p:nvSpPr>
+            <p:cNvPr id="256" name="Textfeld 255"/>
+            <p:cNvSpPr txBox="1"/>
+            <p:nvPr/>
+          </p:nvSpPr>
+          <p:spPr>
+            <a:xfrm>
+              <a:off x="1020228" y="1610336"/>
+              <a:ext cx="852156" cy="474410"/>
+            </a:xfrm>
+            <a:prstGeom prst="rect">
+              <a:avLst/>
+            </a:prstGeom>
+            <a:noFill/>
+          </p:spPr>
+          <p:txBody>
+            <a:bodyPr wrap="none" rtlCol="0">
+              <a:spAutoFit/>
+            </a:bodyPr>
+            <a:lstStyle/>
+            <a:p>
+              <a:r>
+                <a:rPr lang="de-DE" dirty="0" err="1" smtClean="0"/>
+                <a:t>District</a:t>
+              </a:r>
+              <a:endParaRPr lang="en-US" dirty="0"/>
+            </a:p>
+          </p:txBody>
+        </p:sp>
+      </p:grpSp>
+      <p:grpSp>
+        <p:nvGrpSpPr>
+          <p:cNvPr id="400" name="Gruppieren 399"/>
+          <p:cNvGrpSpPr/>
+          <p:nvPr/>
+        </p:nvGrpSpPr>
+        <p:grpSpPr>
+          <a:xfrm>
+            <a:off x="10205327" y="1160169"/>
+            <a:ext cx="1200529" cy="987524"/>
+            <a:chOff x="831471" y="1610336"/>
+            <a:chExt cx="1200529" cy="1268482"/>
+          </a:xfrm>
+        </p:grpSpPr>
+        <p:grpSp>
+          <p:nvGrpSpPr>
+            <p:cNvPr id="401" name="Gruppieren 400"/>
+            <p:cNvGrpSpPr/>
+            <p:nvPr/>
+          </p:nvGrpSpPr>
+          <p:grpSpPr>
+            <a:xfrm>
+              <a:off x="831471" y="1923142"/>
+              <a:ext cx="1200529" cy="955676"/>
+              <a:chOff x="1166862" y="2888344"/>
+              <a:chExt cx="3240760" cy="2860511"/>
+            </a:xfrm>
+          </p:grpSpPr>
+          <p:sp>
+            <p:nvSpPr>
+              <p:cNvPr id="403" name="Rechteck 402"/>
+              <p:cNvSpPr/>
+              <p:nvPr/>
+            </p:nvSpPr>
+            <p:spPr>
+              <a:xfrm>
+                <a:off x="1320800" y="4484913"/>
+                <a:ext cx="355600" cy="703943"/>
+              </a:xfrm>
+              <a:prstGeom prst="rect">
+                <a:avLst/>
+              </a:prstGeom>
+            </p:spPr>
+            <p:style>
+              <a:lnRef idx="2">
+                <a:schemeClr val="accent1">
+                  <a:shade val="50000"/>
+                </a:schemeClr>
+              </a:lnRef>
+              <a:fillRef idx="1">
+                <a:schemeClr val="accent1"/>
+              </a:fillRef>
+              <a:effectRef idx="0">
+                <a:schemeClr val="accent1"/>
+              </a:effectRef>
+              <a:fontRef idx="minor">
+                <a:schemeClr val="lt1"/>
+              </a:fontRef>
+            </p:style>
+            <p:txBody>
+              <a:bodyPr rtlCol="0" anchor="ctr"/>
+              <a:lstStyle/>
+              <a:p>
+                <a:pPr algn="ctr"/>
+                <a:endParaRPr lang="en-US" sz="600"/>
+              </a:p>
+            </p:txBody>
+          </p:sp>
+          <p:sp>
+            <p:nvSpPr>
+              <p:cNvPr id="404" name="Rechteck 403"/>
+              <p:cNvSpPr/>
+              <p:nvPr/>
+            </p:nvSpPr>
+            <p:spPr>
+              <a:xfrm>
+                <a:off x="1792515" y="4093030"/>
+                <a:ext cx="355600" cy="1095826"/>
+              </a:xfrm>
+              <a:prstGeom prst="rect">
+                <a:avLst/>
+              </a:prstGeom>
+            </p:spPr>
+            <p:style>
+              <a:lnRef idx="2">
+                <a:schemeClr val="accent1">
+                  <a:shade val="50000"/>
+                </a:schemeClr>
+              </a:lnRef>
+              <a:fillRef idx="1">
+                <a:schemeClr val="accent1"/>
+              </a:fillRef>
+              <a:effectRef idx="0">
+                <a:schemeClr val="accent1"/>
+              </a:effectRef>
+              <a:fontRef idx="minor">
+                <a:schemeClr val="lt1"/>
+              </a:fontRef>
+            </p:style>
+            <p:txBody>
+              <a:bodyPr rtlCol="0" anchor="ctr"/>
+              <a:lstStyle/>
+              <a:p>
+                <a:pPr algn="ctr"/>
+                <a:endParaRPr lang="en-US" sz="600"/>
+              </a:p>
+            </p:txBody>
+          </p:sp>
+          <p:sp>
+            <p:nvSpPr>
+              <p:cNvPr id="407" name="Rechteck 406"/>
+              <p:cNvSpPr/>
+              <p:nvPr/>
+            </p:nvSpPr>
+            <p:spPr>
+              <a:xfrm>
+                <a:off x="2264230" y="3302000"/>
+                <a:ext cx="355600" cy="1886856"/>
+              </a:xfrm>
+              <a:prstGeom prst="rect">
+                <a:avLst/>
+              </a:prstGeom>
+            </p:spPr>
+            <p:style>
+              <a:lnRef idx="2">
+                <a:schemeClr val="accent1">
+                  <a:shade val="50000"/>
+                </a:schemeClr>
+              </a:lnRef>
+              <a:fillRef idx="1">
+                <a:schemeClr val="accent1"/>
+              </a:fillRef>
+              <a:effectRef idx="0">
+                <a:schemeClr val="accent1"/>
+              </a:effectRef>
+              <a:fontRef idx="minor">
+                <a:schemeClr val="lt1"/>
+              </a:fontRef>
+            </p:style>
+            <p:txBody>
+              <a:bodyPr rtlCol="0" anchor="ctr"/>
+              <a:lstStyle/>
+              <a:p>
+                <a:pPr algn="ctr"/>
+                <a:endParaRPr lang="en-US" sz="600"/>
+              </a:p>
+            </p:txBody>
+          </p:sp>
+          <p:sp>
+            <p:nvSpPr>
+              <p:cNvPr id="408" name="Rechteck 407"/>
+              <p:cNvSpPr/>
+              <p:nvPr/>
+            </p:nvSpPr>
+            <p:spPr>
+              <a:xfrm>
+                <a:off x="2735945" y="3918856"/>
+                <a:ext cx="355600" cy="1269999"/>
+              </a:xfrm>
+              <a:prstGeom prst="rect">
+                <a:avLst/>
+              </a:prstGeom>
+            </p:spPr>
+            <p:style>
+              <a:lnRef idx="2">
+                <a:schemeClr val="accent1">
+                  <a:shade val="50000"/>
+                </a:schemeClr>
+              </a:lnRef>
+              <a:fillRef idx="1">
+                <a:schemeClr val="accent1"/>
+              </a:fillRef>
+              <a:effectRef idx="0">
+                <a:schemeClr val="accent1"/>
+              </a:effectRef>
+              <a:fontRef idx="minor">
+                <a:schemeClr val="lt1"/>
+              </a:fontRef>
+            </p:style>
+            <p:txBody>
+              <a:bodyPr rtlCol="0" anchor="ctr"/>
+              <a:lstStyle/>
+              <a:p>
+                <a:pPr algn="ctr"/>
+                <a:endParaRPr lang="en-US" sz="600"/>
+              </a:p>
+            </p:txBody>
+          </p:sp>
+          <p:sp>
+            <p:nvSpPr>
+              <p:cNvPr id="409" name="Rechteck 408"/>
+              <p:cNvSpPr/>
+              <p:nvPr/>
+            </p:nvSpPr>
+            <p:spPr>
+              <a:xfrm>
+                <a:off x="3207660" y="4376057"/>
+                <a:ext cx="355600" cy="812798"/>
+              </a:xfrm>
+              <a:prstGeom prst="rect">
+                <a:avLst/>
+              </a:prstGeom>
+            </p:spPr>
+            <p:style>
+              <a:lnRef idx="2">
+                <a:schemeClr val="accent1">
+                  <a:shade val="50000"/>
+                </a:schemeClr>
+              </a:lnRef>
+              <a:fillRef idx="1">
+                <a:schemeClr val="accent1"/>
+              </a:fillRef>
+              <a:effectRef idx="0">
+                <a:schemeClr val="accent1"/>
+              </a:effectRef>
+              <a:fontRef idx="minor">
+                <a:schemeClr val="lt1"/>
+              </a:fontRef>
+            </p:style>
+            <p:txBody>
+              <a:bodyPr rtlCol="0" anchor="ctr"/>
+              <a:lstStyle/>
+              <a:p>
+                <a:pPr algn="ctr"/>
+                <a:endParaRPr lang="en-US" sz="600"/>
+              </a:p>
+            </p:txBody>
+          </p:sp>
+          <p:sp>
+            <p:nvSpPr>
+              <p:cNvPr id="410" name="Rechteck 409"/>
+              <p:cNvSpPr/>
+              <p:nvPr/>
+            </p:nvSpPr>
+            <p:spPr>
+              <a:xfrm>
+                <a:off x="3679375" y="4717143"/>
+                <a:ext cx="355600" cy="471712"/>
+              </a:xfrm>
+              <a:prstGeom prst="rect">
+                <a:avLst/>
+              </a:prstGeom>
+            </p:spPr>
+            <p:style>
+              <a:lnRef idx="2">
+                <a:schemeClr val="accent1">
+                  <a:shade val="50000"/>
+                </a:schemeClr>
+              </a:lnRef>
+              <a:fillRef idx="1">
+                <a:schemeClr val="accent1"/>
+              </a:fillRef>
+              <a:effectRef idx="0">
+                <a:schemeClr val="accent1"/>
+              </a:effectRef>
+              <a:fontRef idx="minor">
+                <a:schemeClr val="lt1"/>
+              </a:fontRef>
+            </p:style>
+            <p:txBody>
+              <a:bodyPr rtlCol="0" anchor="ctr"/>
+              <a:lstStyle/>
+              <a:p>
+                <a:pPr algn="ctr"/>
+                <a:endParaRPr lang="en-US" sz="600"/>
+              </a:p>
+            </p:txBody>
+          </p:sp>
+          <p:grpSp>
+            <p:nvGrpSpPr>
+              <p:cNvPr id="416" name="Gruppieren 415"/>
+              <p:cNvGrpSpPr/>
+              <p:nvPr/>
+            </p:nvGrpSpPr>
+            <p:grpSpPr>
+              <a:xfrm>
+                <a:off x="1245222" y="5123553"/>
+                <a:ext cx="3162400" cy="625302"/>
+                <a:chOff x="1245222" y="5123553"/>
+                <a:chExt cx="3162400" cy="625302"/>
+              </a:xfrm>
+            </p:grpSpPr>
+            <p:sp>
+              <p:nvSpPr>
+                <p:cNvPr id="418" name="Textfeld 417"/>
+                <p:cNvSpPr txBox="1"/>
+                <p:nvPr/>
+              </p:nvSpPr>
+              <p:spPr>
+                <a:xfrm>
+                  <a:off x="1245222" y="5130802"/>
+                  <a:ext cx="771112" cy="552738"/>
+                </a:xfrm>
+                <a:prstGeom prst="rect">
+                  <a:avLst/>
+                </a:prstGeom>
+                <a:noFill/>
+              </p:spPr>
+              <p:txBody>
+                <a:bodyPr wrap="none" rtlCol="0">
+                  <a:spAutoFit/>
+                </a:bodyPr>
+                <a:lstStyle/>
+                <a:p>
+                  <a:r>
+                    <a:rPr lang="de-DE" sz="600" dirty="0" smtClean="0"/>
+                    <a:t>0-4</a:t>
+                  </a:r>
+                  <a:endParaRPr lang="en-US" sz="600" dirty="0"/>
+                </a:p>
+              </p:txBody>
+            </p:sp>
+            <p:sp>
+              <p:nvSpPr>
+                <p:cNvPr id="419" name="Textfeld 418"/>
+                <p:cNvSpPr txBox="1"/>
+                <p:nvPr/>
+              </p:nvSpPr>
+              <p:spPr>
+                <a:xfrm>
+                  <a:off x="1706425" y="5188858"/>
+                  <a:ext cx="874965" cy="552738"/>
+                </a:xfrm>
+                <a:prstGeom prst="rect">
+                  <a:avLst/>
+                </a:prstGeom>
+                <a:noFill/>
+              </p:spPr>
+              <p:txBody>
+                <a:bodyPr wrap="none" rtlCol="0">
+                  <a:spAutoFit/>
+                </a:bodyPr>
+                <a:lstStyle/>
+                <a:p>
+                  <a:r>
+                    <a:rPr lang="de-DE" sz="600" dirty="0" smtClean="0"/>
+                    <a:t>5-14</a:t>
+                  </a:r>
+                  <a:endParaRPr lang="en-US" sz="600" dirty="0"/>
+                </a:p>
+              </p:txBody>
+            </p:sp>
+            <p:sp>
+              <p:nvSpPr>
+                <p:cNvPr id="420" name="Textfeld 419"/>
+                <p:cNvSpPr txBox="1"/>
+                <p:nvPr/>
+              </p:nvSpPr>
+              <p:spPr>
+                <a:xfrm>
+                  <a:off x="2134597" y="5138061"/>
+                  <a:ext cx="978818" cy="552738"/>
+                </a:xfrm>
+                <a:prstGeom prst="rect">
+                  <a:avLst/>
+                </a:prstGeom>
+                <a:noFill/>
+              </p:spPr>
+              <p:txBody>
+                <a:bodyPr wrap="none" rtlCol="0">
+                  <a:spAutoFit/>
+                </a:bodyPr>
+                <a:lstStyle/>
+                <a:p>
+                  <a:r>
+                    <a:rPr lang="de-DE" sz="600" dirty="0" smtClean="0"/>
+                    <a:t>15-34</a:t>
+                  </a:r>
+                  <a:endParaRPr lang="en-US" sz="600" dirty="0"/>
+                </a:p>
+              </p:txBody>
+            </p:sp>
+            <p:sp>
+              <p:nvSpPr>
+                <p:cNvPr id="421" name="Textfeld 420"/>
+                <p:cNvSpPr txBox="1"/>
+                <p:nvPr/>
+              </p:nvSpPr>
+              <p:spPr>
+                <a:xfrm>
+                  <a:off x="2606311" y="5188864"/>
+                  <a:ext cx="978818" cy="552738"/>
+                </a:xfrm>
+                <a:prstGeom prst="rect">
+                  <a:avLst/>
+                </a:prstGeom>
+                <a:noFill/>
+              </p:spPr>
+              <p:txBody>
+                <a:bodyPr wrap="none" rtlCol="0">
+                  <a:spAutoFit/>
+                </a:bodyPr>
+                <a:lstStyle/>
+                <a:p>
+                  <a:r>
+                    <a:rPr lang="de-DE" sz="600" dirty="0" smtClean="0"/>
+                    <a:t>35-59</a:t>
+                  </a:r>
+                  <a:endParaRPr lang="en-US" sz="600" dirty="0"/>
+                </a:p>
+              </p:txBody>
+            </p:sp>
+            <p:sp>
+              <p:nvSpPr>
+                <p:cNvPr id="422" name="Textfeld 421"/>
+                <p:cNvSpPr txBox="1"/>
+                <p:nvPr/>
+              </p:nvSpPr>
+              <p:spPr>
+                <a:xfrm>
+                  <a:off x="3056254" y="5123553"/>
+                  <a:ext cx="978818" cy="552738"/>
+                </a:xfrm>
+                <a:prstGeom prst="rect">
+                  <a:avLst/>
+                </a:prstGeom>
+                <a:noFill/>
+              </p:spPr>
+              <p:txBody>
+                <a:bodyPr wrap="none" rtlCol="0">
+                  <a:spAutoFit/>
+                </a:bodyPr>
+                <a:lstStyle/>
+                <a:p>
+                  <a:r>
+                    <a:rPr lang="de-DE" sz="600" dirty="0" smtClean="0"/>
+                    <a:t>60-79</a:t>
+                  </a:r>
+                  <a:endParaRPr lang="en-US" sz="600" dirty="0"/>
+                </a:p>
+              </p:txBody>
+            </p:sp>
+            <p:sp>
+              <p:nvSpPr>
+                <p:cNvPr id="423" name="Textfeld 422"/>
+                <p:cNvSpPr txBox="1"/>
+                <p:nvPr/>
+              </p:nvSpPr>
+              <p:spPr>
+                <a:xfrm>
+                  <a:off x="3597568" y="5196117"/>
+                  <a:ext cx="810054" cy="552738"/>
+                </a:xfrm>
+                <a:prstGeom prst="rect">
+                  <a:avLst/>
+                </a:prstGeom>
+                <a:noFill/>
+              </p:spPr>
+              <p:txBody>
+                <a:bodyPr wrap="none" rtlCol="0">
+                  <a:spAutoFit/>
+                </a:bodyPr>
+                <a:lstStyle/>
+                <a:p>
+                  <a:r>
+                    <a:rPr lang="de-DE" sz="600" dirty="0" smtClean="0"/>
+                    <a:t>80+</a:t>
+                  </a:r>
+                  <a:endParaRPr lang="en-US" sz="600" dirty="0"/>
+                </a:p>
+              </p:txBody>
+            </p:sp>
+          </p:grpSp>
+          <p:cxnSp>
+            <p:nvCxnSpPr>
+              <p:cNvPr id="417" name="Gerade Verbindung mit Pfeil 416"/>
+              <p:cNvCxnSpPr/>
+              <p:nvPr/>
+            </p:nvCxnSpPr>
+            <p:spPr>
+              <a:xfrm flipV="1">
+                <a:off x="1166862" y="2888344"/>
+                <a:ext cx="0" cy="2316518"/>
+              </a:xfrm>
+              <a:prstGeom prst="straightConnector1">
+                <a:avLst/>
+              </a:prstGeom>
+              <a:ln w="12700">
+                <a:solidFill>
+                  <a:schemeClr val="tx1"/>
+                </a:solidFill>
+                <a:tailEnd type="triangle"/>
+              </a:ln>
+            </p:spPr>
+            <p:style>
+              <a:lnRef idx="1">
+                <a:schemeClr val="accent1"/>
+              </a:lnRef>
+              <a:fillRef idx="0">
+                <a:schemeClr val="accent1"/>
+              </a:fillRef>
+              <a:effectRef idx="0">
+                <a:schemeClr val="accent1"/>
+              </a:effectRef>
+              <a:fontRef idx="minor">
+                <a:schemeClr val="tx1"/>
+              </a:fontRef>
+            </p:style>
+          </p:cxnSp>
+        </p:grpSp>
+        <p:sp>
+          <p:nvSpPr>
+            <p:cNvPr id="402" name="Textfeld 401"/>
+            <p:cNvSpPr txBox="1"/>
+            <p:nvPr/>
+          </p:nvSpPr>
+          <p:spPr>
+            <a:xfrm>
+              <a:off x="1020228" y="1610336"/>
+              <a:ext cx="852156" cy="474410"/>
+            </a:xfrm>
+            <a:prstGeom prst="rect">
+              <a:avLst/>
+            </a:prstGeom>
+            <a:noFill/>
+          </p:spPr>
+          <p:txBody>
+            <a:bodyPr wrap="none" rtlCol="0">
+              <a:spAutoFit/>
+            </a:bodyPr>
+            <a:lstStyle/>
+            <a:p>
+              <a:r>
+                <a:rPr lang="de-DE" dirty="0" err="1" smtClean="0"/>
+                <a:t>District</a:t>
+              </a:r>
+              <a:endParaRPr lang="en-US" dirty="0"/>
+            </a:p>
+          </p:txBody>
+        </p:sp>
+      </p:grpSp>
+      <p:grpSp>
+        <p:nvGrpSpPr>
+          <p:cNvPr id="424" name="Gruppieren 423"/>
+          <p:cNvGrpSpPr/>
+          <p:nvPr/>
+        </p:nvGrpSpPr>
+        <p:grpSpPr>
+          <a:xfrm>
+            <a:off x="10304981" y="3013654"/>
+            <a:ext cx="1200529" cy="987524"/>
+            <a:chOff x="831471" y="1610336"/>
+            <a:chExt cx="1200529" cy="1268482"/>
+          </a:xfrm>
+        </p:grpSpPr>
+        <p:grpSp>
+          <p:nvGrpSpPr>
+            <p:cNvPr id="425" name="Gruppieren 424"/>
+            <p:cNvGrpSpPr/>
+            <p:nvPr/>
+          </p:nvGrpSpPr>
+          <p:grpSpPr>
+            <a:xfrm>
+              <a:off x="831471" y="1923142"/>
+              <a:ext cx="1200529" cy="955676"/>
+              <a:chOff x="1166862" y="2888344"/>
+              <a:chExt cx="3240760" cy="2860511"/>
+            </a:xfrm>
+          </p:grpSpPr>
+          <p:sp>
+            <p:nvSpPr>
+              <p:cNvPr id="427" name="Rechteck 426"/>
+              <p:cNvSpPr/>
+              <p:nvPr/>
+            </p:nvSpPr>
+            <p:spPr>
+              <a:xfrm>
+                <a:off x="1320800" y="4484913"/>
+                <a:ext cx="355600" cy="703943"/>
+              </a:xfrm>
+              <a:prstGeom prst="rect">
+                <a:avLst/>
+              </a:prstGeom>
+            </p:spPr>
+            <p:style>
+              <a:lnRef idx="2">
+                <a:schemeClr val="accent1">
+                  <a:shade val="50000"/>
+                </a:schemeClr>
+              </a:lnRef>
+              <a:fillRef idx="1">
+                <a:schemeClr val="accent1"/>
+              </a:fillRef>
+              <a:effectRef idx="0">
+                <a:schemeClr val="accent1"/>
+              </a:effectRef>
+              <a:fontRef idx="minor">
+                <a:schemeClr val="lt1"/>
+              </a:fontRef>
+            </p:style>
+            <p:txBody>
+              <a:bodyPr rtlCol="0" anchor="ctr"/>
+              <a:lstStyle/>
+              <a:p>
+                <a:pPr algn="ctr"/>
+                <a:endParaRPr lang="en-US" sz="600"/>
+              </a:p>
+            </p:txBody>
+          </p:sp>
+          <p:sp>
+            <p:nvSpPr>
+              <p:cNvPr id="428" name="Rechteck 427"/>
+              <p:cNvSpPr/>
+              <p:nvPr/>
+            </p:nvSpPr>
+            <p:spPr>
+              <a:xfrm>
+                <a:off x="1792515" y="4093030"/>
+                <a:ext cx="355600" cy="1095826"/>
+              </a:xfrm>
+              <a:prstGeom prst="rect">
+                <a:avLst/>
+              </a:prstGeom>
+            </p:spPr>
+            <p:style>
+              <a:lnRef idx="2">
+                <a:schemeClr val="accent1">
+                  <a:shade val="50000"/>
+                </a:schemeClr>
+              </a:lnRef>
+              <a:fillRef idx="1">
+                <a:schemeClr val="accent1"/>
+              </a:fillRef>
+              <a:effectRef idx="0">
+                <a:schemeClr val="accent1"/>
+              </a:effectRef>
+              <a:fontRef idx="minor">
+                <a:schemeClr val="lt1"/>
+              </a:fontRef>
+            </p:style>
+            <p:txBody>
+              <a:bodyPr rtlCol="0" anchor="ctr"/>
+              <a:lstStyle/>
+              <a:p>
+                <a:pPr algn="ctr"/>
+                <a:endParaRPr lang="en-US" sz="600"/>
+              </a:p>
+            </p:txBody>
+          </p:sp>
+          <p:sp>
+            <p:nvSpPr>
+              <p:cNvPr id="429" name="Rechteck 428"/>
+              <p:cNvSpPr/>
+              <p:nvPr/>
+            </p:nvSpPr>
+            <p:spPr>
+              <a:xfrm>
+                <a:off x="2264230" y="3302000"/>
+                <a:ext cx="355600" cy="1886856"/>
+              </a:xfrm>
+              <a:prstGeom prst="rect">
+                <a:avLst/>
+              </a:prstGeom>
+            </p:spPr>
+            <p:style>
+              <a:lnRef idx="2">
+                <a:schemeClr val="accent1">
+                  <a:shade val="50000"/>
+                </a:schemeClr>
+              </a:lnRef>
+              <a:fillRef idx="1">
+                <a:schemeClr val="accent1"/>
+              </a:fillRef>
+              <a:effectRef idx="0">
+                <a:schemeClr val="accent1"/>
+              </a:effectRef>
+              <a:fontRef idx="minor">
+                <a:schemeClr val="lt1"/>
+              </a:fontRef>
+            </p:style>
+            <p:txBody>
+              <a:bodyPr rtlCol="0" anchor="ctr"/>
+              <a:lstStyle/>
+              <a:p>
+                <a:pPr algn="ctr"/>
+                <a:endParaRPr lang="en-US" sz="600"/>
+              </a:p>
+            </p:txBody>
+          </p:sp>
+          <p:sp>
+            <p:nvSpPr>
+              <p:cNvPr id="430" name="Rechteck 429"/>
+              <p:cNvSpPr/>
+              <p:nvPr/>
+            </p:nvSpPr>
+            <p:spPr>
+              <a:xfrm>
+                <a:off x="2735945" y="3918856"/>
+                <a:ext cx="355600" cy="1269999"/>
+              </a:xfrm>
+              <a:prstGeom prst="rect">
+                <a:avLst/>
+              </a:prstGeom>
+            </p:spPr>
+            <p:style>
+              <a:lnRef idx="2">
+                <a:schemeClr val="accent1">
+                  <a:shade val="50000"/>
+                </a:schemeClr>
+              </a:lnRef>
+              <a:fillRef idx="1">
+                <a:schemeClr val="accent1"/>
+              </a:fillRef>
+              <a:effectRef idx="0">
+                <a:schemeClr val="accent1"/>
+              </a:effectRef>
+              <a:fontRef idx="minor">
+                <a:schemeClr val="lt1"/>
+              </a:fontRef>
+            </p:style>
+            <p:txBody>
+              <a:bodyPr rtlCol="0" anchor="ctr"/>
+              <a:lstStyle/>
+              <a:p>
+                <a:pPr algn="ctr"/>
+                <a:endParaRPr lang="en-US" sz="600"/>
+              </a:p>
+            </p:txBody>
+          </p:sp>
+          <p:sp>
+            <p:nvSpPr>
+              <p:cNvPr id="431" name="Rechteck 430"/>
+              <p:cNvSpPr/>
+              <p:nvPr/>
+            </p:nvSpPr>
+            <p:spPr>
+              <a:xfrm>
+                <a:off x="3207660" y="4376057"/>
+                <a:ext cx="355600" cy="812798"/>
+              </a:xfrm>
+              <a:prstGeom prst="rect">
+                <a:avLst/>
+              </a:prstGeom>
+            </p:spPr>
+            <p:style>
+              <a:lnRef idx="2">
+                <a:schemeClr val="accent1">
+                  <a:shade val="50000"/>
+                </a:schemeClr>
+              </a:lnRef>
+              <a:fillRef idx="1">
+                <a:schemeClr val="accent1"/>
+              </a:fillRef>
+              <a:effectRef idx="0">
+                <a:schemeClr val="accent1"/>
+              </a:effectRef>
+              <a:fontRef idx="minor">
+                <a:schemeClr val="lt1"/>
+              </a:fontRef>
+            </p:style>
+            <p:txBody>
+              <a:bodyPr rtlCol="0" anchor="ctr"/>
+              <a:lstStyle/>
+              <a:p>
+                <a:pPr algn="ctr"/>
+                <a:endParaRPr lang="en-US" sz="600"/>
+              </a:p>
+            </p:txBody>
+          </p:sp>
+          <p:sp>
+            <p:nvSpPr>
+              <p:cNvPr id="432" name="Rechteck 431"/>
+              <p:cNvSpPr/>
+              <p:nvPr/>
+            </p:nvSpPr>
+            <p:spPr>
+              <a:xfrm>
+                <a:off x="3679375" y="4717143"/>
+                <a:ext cx="355600" cy="471712"/>
+              </a:xfrm>
+              <a:prstGeom prst="rect">
+                <a:avLst/>
+              </a:prstGeom>
+            </p:spPr>
+            <p:style>
+              <a:lnRef idx="2">
+                <a:schemeClr val="accent1">
+                  <a:shade val="50000"/>
+                </a:schemeClr>
+              </a:lnRef>
+              <a:fillRef idx="1">
+                <a:schemeClr val="accent1"/>
+              </a:fillRef>
+              <a:effectRef idx="0">
+                <a:schemeClr val="accent1"/>
+              </a:effectRef>
+              <a:fontRef idx="minor">
+                <a:schemeClr val="lt1"/>
+              </a:fontRef>
+            </p:style>
+            <p:txBody>
+              <a:bodyPr rtlCol="0" anchor="ctr"/>
+              <a:lstStyle/>
+              <a:p>
+                <a:pPr algn="ctr"/>
+                <a:endParaRPr lang="en-US" sz="600"/>
+              </a:p>
+            </p:txBody>
+          </p:sp>
+          <p:grpSp>
+            <p:nvGrpSpPr>
+              <p:cNvPr id="433" name="Gruppieren 432"/>
+              <p:cNvGrpSpPr/>
+              <p:nvPr/>
+            </p:nvGrpSpPr>
+            <p:grpSpPr>
+              <a:xfrm>
+                <a:off x="1245222" y="5123553"/>
+                <a:ext cx="3162400" cy="625302"/>
+                <a:chOff x="1245222" y="5123553"/>
+                <a:chExt cx="3162400" cy="625302"/>
+              </a:xfrm>
+            </p:grpSpPr>
+            <p:sp>
+              <p:nvSpPr>
+                <p:cNvPr id="435" name="Textfeld 434"/>
+                <p:cNvSpPr txBox="1"/>
+                <p:nvPr/>
+              </p:nvSpPr>
+              <p:spPr>
+                <a:xfrm>
+                  <a:off x="1245222" y="5130802"/>
+                  <a:ext cx="771112" cy="552738"/>
+                </a:xfrm>
+                <a:prstGeom prst="rect">
+                  <a:avLst/>
+                </a:prstGeom>
+                <a:noFill/>
+              </p:spPr>
+              <p:txBody>
+                <a:bodyPr wrap="none" rtlCol="0">
+                  <a:spAutoFit/>
+                </a:bodyPr>
+                <a:lstStyle/>
+                <a:p>
+                  <a:r>
+                    <a:rPr lang="de-DE" sz="600" dirty="0" smtClean="0"/>
+                    <a:t>0-4</a:t>
+                  </a:r>
+                  <a:endParaRPr lang="en-US" sz="600" dirty="0"/>
+                </a:p>
+              </p:txBody>
+            </p:sp>
+            <p:sp>
+              <p:nvSpPr>
+                <p:cNvPr id="436" name="Textfeld 435"/>
+                <p:cNvSpPr txBox="1"/>
+                <p:nvPr/>
+              </p:nvSpPr>
+              <p:spPr>
+                <a:xfrm>
+                  <a:off x="1706425" y="5188858"/>
+                  <a:ext cx="874965" cy="552738"/>
+                </a:xfrm>
+                <a:prstGeom prst="rect">
+                  <a:avLst/>
+                </a:prstGeom>
+                <a:noFill/>
+              </p:spPr>
+              <p:txBody>
+                <a:bodyPr wrap="none" rtlCol="0">
+                  <a:spAutoFit/>
+                </a:bodyPr>
+                <a:lstStyle/>
+                <a:p>
+                  <a:r>
+                    <a:rPr lang="de-DE" sz="600" dirty="0" smtClean="0"/>
+                    <a:t>5-14</a:t>
+                  </a:r>
+                  <a:endParaRPr lang="en-US" sz="600" dirty="0"/>
+                </a:p>
+              </p:txBody>
+            </p:sp>
+            <p:sp>
+              <p:nvSpPr>
+                <p:cNvPr id="437" name="Textfeld 436"/>
+                <p:cNvSpPr txBox="1"/>
+                <p:nvPr/>
+              </p:nvSpPr>
+              <p:spPr>
+                <a:xfrm>
+                  <a:off x="2134597" y="5138061"/>
+                  <a:ext cx="978818" cy="552738"/>
+                </a:xfrm>
+                <a:prstGeom prst="rect">
+                  <a:avLst/>
+                </a:prstGeom>
+                <a:noFill/>
+              </p:spPr>
+              <p:txBody>
+                <a:bodyPr wrap="none" rtlCol="0">
+                  <a:spAutoFit/>
+                </a:bodyPr>
+                <a:lstStyle/>
+                <a:p>
+                  <a:r>
+                    <a:rPr lang="de-DE" sz="600" dirty="0" smtClean="0"/>
+                    <a:t>15-34</a:t>
+                  </a:r>
+                  <a:endParaRPr lang="en-US" sz="600" dirty="0"/>
+                </a:p>
+              </p:txBody>
+            </p:sp>
+            <p:sp>
+              <p:nvSpPr>
+                <p:cNvPr id="438" name="Textfeld 437"/>
+                <p:cNvSpPr txBox="1"/>
+                <p:nvPr/>
+              </p:nvSpPr>
+              <p:spPr>
+                <a:xfrm>
+                  <a:off x="2606311" y="5188864"/>
+                  <a:ext cx="978818" cy="552738"/>
+                </a:xfrm>
+                <a:prstGeom prst="rect">
+                  <a:avLst/>
+                </a:prstGeom>
+                <a:noFill/>
+              </p:spPr>
+              <p:txBody>
+                <a:bodyPr wrap="none" rtlCol="0">
+                  <a:spAutoFit/>
+                </a:bodyPr>
+                <a:lstStyle/>
+                <a:p>
+                  <a:r>
+                    <a:rPr lang="de-DE" sz="600" dirty="0" smtClean="0"/>
+                    <a:t>35-59</a:t>
+                  </a:r>
+                  <a:endParaRPr lang="en-US" sz="600" dirty="0"/>
+                </a:p>
+              </p:txBody>
+            </p:sp>
+            <p:sp>
+              <p:nvSpPr>
+                <p:cNvPr id="439" name="Textfeld 438"/>
+                <p:cNvSpPr txBox="1"/>
+                <p:nvPr/>
+              </p:nvSpPr>
+              <p:spPr>
+                <a:xfrm>
+                  <a:off x="3056254" y="5123553"/>
+                  <a:ext cx="978818" cy="552738"/>
+                </a:xfrm>
+                <a:prstGeom prst="rect">
+                  <a:avLst/>
+                </a:prstGeom>
+                <a:noFill/>
+              </p:spPr>
+              <p:txBody>
+                <a:bodyPr wrap="none" rtlCol="0">
+                  <a:spAutoFit/>
+                </a:bodyPr>
+                <a:lstStyle/>
+                <a:p>
+                  <a:r>
+                    <a:rPr lang="de-DE" sz="600" dirty="0" smtClean="0"/>
+                    <a:t>60-79</a:t>
+                  </a:r>
+                  <a:endParaRPr lang="en-US" sz="600" dirty="0"/>
+                </a:p>
+              </p:txBody>
+            </p:sp>
+            <p:sp>
+              <p:nvSpPr>
+                <p:cNvPr id="440" name="Textfeld 439"/>
+                <p:cNvSpPr txBox="1"/>
+                <p:nvPr/>
+              </p:nvSpPr>
+              <p:spPr>
+                <a:xfrm>
+                  <a:off x="3597568" y="5196117"/>
+                  <a:ext cx="810054" cy="552738"/>
+                </a:xfrm>
+                <a:prstGeom prst="rect">
+                  <a:avLst/>
+                </a:prstGeom>
+                <a:noFill/>
+              </p:spPr>
+              <p:txBody>
+                <a:bodyPr wrap="none" rtlCol="0">
+                  <a:spAutoFit/>
+                </a:bodyPr>
+                <a:lstStyle/>
+                <a:p>
+                  <a:r>
+                    <a:rPr lang="de-DE" sz="600" dirty="0" smtClean="0"/>
+                    <a:t>80+</a:t>
+                  </a:r>
+                  <a:endParaRPr lang="en-US" sz="600" dirty="0"/>
+                </a:p>
+              </p:txBody>
+            </p:sp>
+          </p:grpSp>
+          <p:cxnSp>
+            <p:nvCxnSpPr>
+              <p:cNvPr id="434" name="Gerade Verbindung mit Pfeil 433"/>
+              <p:cNvCxnSpPr/>
+              <p:nvPr/>
+            </p:nvCxnSpPr>
+            <p:spPr>
+              <a:xfrm flipV="1">
+                <a:off x="1166862" y="2888344"/>
+                <a:ext cx="0" cy="2316518"/>
+              </a:xfrm>
+              <a:prstGeom prst="straightConnector1">
+                <a:avLst/>
+              </a:prstGeom>
+              <a:ln w="12700">
+                <a:solidFill>
+                  <a:schemeClr val="tx1"/>
+                </a:solidFill>
+                <a:tailEnd type="triangle"/>
+              </a:ln>
+            </p:spPr>
+            <p:style>
+              <a:lnRef idx="1">
+                <a:schemeClr val="accent1"/>
+              </a:lnRef>
+              <a:fillRef idx="0">
+                <a:schemeClr val="accent1"/>
+              </a:fillRef>
+              <a:effectRef idx="0">
+                <a:schemeClr val="accent1"/>
+              </a:effectRef>
+              <a:fontRef idx="minor">
+                <a:schemeClr val="tx1"/>
+              </a:fontRef>
+            </p:style>
+          </p:cxnSp>
+        </p:grpSp>
+        <p:sp>
+          <p:nvSpPr>
+            <p:cNvPr id="426" name="Textfeld 425"/>
+            <p:cNvSpPr txBox="1"/>
+            <p:nvPr/>
+          </p:nvSpPr>
+          <p:spPr>
+            <a:xfrm>
+              <a:off x="1020228" y="1610336"/>
+              <a:ext cx="852156" cy="474410"/>
+            </a:xfrm>
+            <a:prstGeom prst="rect">
+              <a:avLst/>
+            </a:prstGeom>
+            <a:noFill/>
+          </p:spPr>
+          <p:txBody>
+            <a:bodyPr wrap="none" rtlCol="0">
+              <a:spAutoFit/>
+            </a:bodyPr>
+            <a:lstStyle/>
+            <a:p>
+              <a:r>
+                <a:rPr lang="de-DE" dirty="0" err="1" smtClean="0"/>
+                <a:t>District</a:t>
+              </a:r>
+              <a:endParaRPr lang="en-US" dirty="0"/>
+            </a:p>
+          </p:txBody>
+        </p:sp>
+      </p:grpSp>
+      <p:sp>
+        <p:nvSpPr>
+          <p:cNvPr id="441" name="Rechteck 440"/>
+          <p:cNvSpPr/>
+          <p:nvPr/>
+        </p:nvSpPr>
+        <p:spPr>
+          <a:xfrm>
+            <a:off x="6213286" y="3441328"/>
+            <a:ext cx="3081720" cy="3003495"/>
+          </a:xfrm>
+          <a:prstGeom prst="rect">
+            <a:avLst/>
+          </a:prstGeom>
+          <a:noFill/>
+          <a:ln w="38100">
+            <a:solidFill>
+              <a:srgbClr val="FFC000"/>
+            </a:solidFill>
+          </a:ln>
+        </p:spPr>
+        <p:style>
+          <a:lnRef idx="2">
+            <a:schemeClr val="accent1">
+              <a:shade val="50000"/>
+            </a:schemeClr>
+          </a:lnRef>
+          <a:fillRef idx="1">
+            <a:schemeClr val="accent1"/>
+          </a:fillRef>
+          <a:effectRef idx="0">
+            <a:schemeClr val="accent1"/>
+          </a:effectRef>
+          <a:fontRef idx="minor">
+            <a:schemeClr val="lt1"/>
+          </a:fontRef>
+        </p:style>
+        <p:txBody>
+          <a:bodyPr rtlCol="0" anchor="ctr"/>
+          <a:lstStyle/>
+          <a:p>
+            <a:pPr algn="ctr"/>
+            <a:endParaRPr lang="en-US"/>
+          </a:p>
+        </p:txBody>
+      </p:sp>
+      <p:cxnSp>
+        <p:nvCxnSpPr>
+          <p:cNvPr id="442" name="Gerade Verbindung mit Pfeil 441"/>
+          <p:cNvCxnSpPr>
+            <a:stCxn id="84" idx="1"/>
+            <a:endCxn id="148" idx="1"/>
+          </p:cNvCxnSpPr>
+          <p:nvPr/>
+        </p:nvCxnSpPr>
+        <p:spPr>
+          <a:xfrm>
+            <a:off x="4424271" y="2867312"/>
+            <a:ext cx="5454447" cy="1114640"/>
+          </a:xfrm>
+          <a:prstGeom prst="straightConnector1">
+            <a:avLst/>
+          </a:prstGeom>
+          <a:ln w="38100">
+            <a:solidFill>
+              <a:srgbClr val="00B050"/>
+            </a:solidFill>
+            <a:tailEnd type="triangle"/>
+          </a:ln>
+        </p:spPr>
+        <p:style>
+          <a:lnRef idx="1">
+            <a:schemeClr val="accent1"/>
+          </a:lnRef>
+          <a:fillRef idx="0">
+            <a:schemeClr val="accent1"/>
+          </a:fillRef>
+          <a:effectRef idx="0">
+            <a:schemeClr val="accent1"/>
+          </a:effectRef>
+          <a:fontRef idx="minor">
+            <a:schemeClr val="tx1"/>
+          </a:fontRef>
+        </p:style>
+      </p:cxnSp>
+      <p:sp>
+        <p:nvSpPr>
+          <p:cNvPr id="443" name="Textfeld 442"/>
+          <p:cNvSpPr txBox="1"/>
+          <p:nvPr/>
+        </p:nvSpPr>
+        <p:spPr>
+          <a:xfrm>
+            <a:off x="2948743" y="6311780"/>
+            <a:ext cx="2788423" cy="369332"/>
+          </a:xfrm>
+          <a:prstGeom prst="rect">
+            <a:avLst/>
+          </a:prstGeom>
+          <a:noFill/>
+        </p:spPr>
+        <p:txBody>
+          <a:bodyPr wrap="square" rtlCol="0">
+            <a:spAutoFit/>
+          </a:bodyPr>
+          <a:lstStyle/>
+          <a:p>
+            <a:r>
+              <a:rPr lang="de-DE" dirty="0" err="1" smtClean="0"/>
+              <a:t>simulated</a:t>
+            </a:r>
+            <a:r>
+              <a:rPr lang="de-DE" dirty="0" smtClean="0"/>
+              <a:t> </a:t>
+            </a:r>
+            <a:r>
+              <a:rPr lang="de-DE" dirty="0" err="1" smtClean="0"/>
+              <a:t>detected</a:t>
+            </a:r>
+            <a:r>
+              <a:rPr lang="de-DE" dirty="0" smtClean="0"/>
+              <a:t> </a:t>
+            </a:r>
+            <a:r>
+              <a:rPr lang="de-DE" dirty="0" err="1" smtClean="0"/>
+              <a:t>cases</a:t>
+            </a:r>
+            <a:endParaRPr lang="en-US" dirty="0"/>
+          </a:p>
+        </p:txBody>
+      </p:sp>
+      <p:sp>
+        <p:nvSpPr>
+          <p:cNvPr id="444" name="Rechteck 443"/>
+          <p:cNvSpPr/>
+          <p:nvPr/>
+        </p:nvSpPr>
+        <p:spPr>
+          <a:xfrm>
+            <a:off x="3087574" y="3388113"/>
+            <a:ext cx="2963643" cy="3003495"/>
+          </a:xfrm>
+          <a:prstGeom prst="rect">
+            <a:avLst/>
+          </a:prstGeom>
+          <a:noFill/>
+          <a:ln w="38100">
+            <a:solidFill>
+              <a:srgbClr val="FFC000"/>
+            </a:solidFill>
+          </a:ln>
+        </p:spPr>
+        <p:style>
+          <a:lnRef idx="2">
+            <a:schemeClr val="accent1">
+              <a:shade val="50000"/>
+            </a:schemeClr>
+          </a:lnRef>
+          <a:fillRef idx="1">
+            <a:schemeClr val="accent1"/>
+          </a:fillRef>
+          <a:effectRef idx="0">
+            <a:schemeClr val="accent1"/>
+          </a:effectRef>
+          <a:fontRef idx="minor">
+            <a:schemeClr val="lt1"/>
+          </a:fontRef>
+        </p:style>
+        <p:txBody>
+          <a:bodyPr rtlCol="0" anchor="ctr"/>
+          <a:lstStyle/>
+          <a:p>
+            <a:pPr algn="ctr"/>
+            <a:endParaRPr lang="en-US"/>
+          </a:p>
+        </p:txBody>
+      </p:sp>
+      <p:sp>
+        <p:nvSpPr>
+          <p:cNvPr id="34" name="Textfeld 33"/>
+          <p:cNvSpPr txBox="1"/>
+          <p:nvPr/>
+        </p:nvSpPr>
+        <p:spPr>
+          <a:xfrm>
+            <a:off x="3842053" y="2854039"/>
+            <a:ext cx="1282402" cy="369332"/>
+          </a:xfrm>
+          <a:prstGeom prst="rect">
+            <a:avLst/>
+          </a:prstGeom>
+          <a:noFill/>
+        </p:spPr>
+        <p:txBody>
+          <a:bodyPr wrap="none" rtlCol="0">
+            <a:spAutoFit/>
+          </a:bodyPr>
+          <a:lstStyle/>
+          <a:p>
+            <a:r>
+              <a:rPr lang="de-DE" dirty="0" err="1" smtClean="0"/>
+              <a:t>progression</a:t>
+            </a:r>
+            <a:endParaRPr lang="en-US" dirty="0"/>
+          </a:p>
+        </p:txBody>
+      </p:sp>
+      <p:grpSp>
+        <p:nvGrpSpPr>
+          <p:cNvPr id="45" name="Gruppieren 44"/>
+          <p:cNvGrpSpPr/>
+          <p:nvPr/>
+        </p:nvGrpSpPr>
+        <p:grpSpPr>
+          <a:xfrm>
+            <a:off x="5737167" y="2529821"/>
+            <a:ext cx="1502072" cy="819687"/>
+            <a:chOff x="5737167" y="2529821"/>
+            <a:chExt cx="1502072" cy="819687"/>
+          </a:xfrm>
+        </p:grpSpPr>
+        <p:sp>
+          <p:nvSpPr>
+            <p:cNvPr id="445" name="Textfeld 444"/>
+            <p:cNvSpPr txBox="1"/>
+            <p:nvPr/>
+          </p:nvSpPr>
+          <p:spPr>
+            <a:xfrm>
+              <a:off x="5956837" y="2980176"/>
+              <a:ext cx="1282402" cy="369332"/>
+            </a:xfrm>
+            <a:prstGeom prst="rect">
+              <a:avLst/>
+            </a:prstGeom>
+            <a:noFill/>
+          </p:spPr>
+          <p:txBody>
+            <a:bodyPr wrap="none" rtlCol="0">
+              <a:spAutoFit/>
+            </a:bodyPr>
+            <a:lstStyle/>
+            <a:p>
+              <a:r>
+                <a:rPr lang="de-DE" dirty="0" err="1" smtClean="0"/>
+                <a:t>progression</a:t>
+              </a:r>
+              <a:endParaRPr lang="en-US" dirty="0"/>
+            </a:p>
+          </p:txBody>
+        </p:sp>
+        <p:grpSp>
+          <p:nvGrpSpPr>
+            <p:cNvPr id="44" name="Gruppieren 43"/>
+            <p:cNvGrpSpPr/>
+            <p:nvPr/>
+          </p:nvGrpSpPr>
+          <p:grpSpPr>
+            <a:xfrm>
+              <a:off x="5737167" y="2529821"/>
+              <a:ext cx="1380907" cy="661284"/>
+              <a:chOff x="5737167" y="2529821"/>
+              <a:chExt cx="1380907" cy="661284"/>
+            </a:xfrm>
+          </p:grpSpPr>
+          <p:cxnSp>
+            <p:nvCxnSpPr>
+              <p:cNvPr id="32" name="Gerade Verbindung mit Pfeil 31"/>
+              <p:cNvCxnSpPr/>
+              <p:nvPr/>
+            </p:nvCxnSpPr>
+            <p:spPr>
+              <a:xfrm>
+                <a:off x="5737167" y="3038705"/>
+                <a:ext cx="1380907" cy="0"/>
+              </a:xfrm>
+              <a:prstGeom prst="straightConnector1">
+                <a:avLst/>
+              </a:prstGeom>
+              <a:ln>
+                <a:tailEnd type="triangle"/>
+              </a:ln>
+            </p:spPr>
+            <p:style>
+              <a:lnRef idx="1">
+                <a:schemeClr val="accent1"/>
+              </a:lnRef>
+              <a:fillRef idx="0">
+                <a:schemeClr val="accent1"/>
+              </a:fillRef>
+              <a:effectRef idx="0">
+                <a:schemeClr val="accent1"/>
+              </a:effectRef>
+              <a:fontRef idx="minor">
+                <a:schemeClr val="tx1"/>
+              </a:fontRef>
+            </p:style>
+          </p:cxnSp>
+          <p:cxnSp>
+            <p:nvCxnSpPr>
+              <p:cNvPr id="446" name="Gerade Verbindung mit Pfeil 445"/>
+              <p:cNvCxnSpPr/>
+              <p:nvPr/>
+            </p:nvCxnSpPr>
+            <p:spPr>
+              <a:xfrm flipV="1">
+                <a:off x="5889567" y="2654708"/>
+                <a:ext cx="430" cy="536397"/>
+              </a:xfrm>
+              <a:prstGeom prst="straightConnector1">
+                <a:avLst/>
+              </a:prstGeom>
+              <a:ln>
+                <a:tailEnd type="triangle"/>
+              </a:ln>
+            </p:spPr>
+            <p:style>
+              <a:lnRef idx="1">
+                <a:schemeClr val="accent1"/>
+              </a:lnRef>
+              <a:fillRef idx="0">
+                <a:schemeClr val="accent1"/>
+              </a:fillRef>
+              <a:effectRef idx="0">
+                <a:schemeClr val="accent1"/>
+              </a:effectRef>
+              <a:fontRef idx="minor">
+                <a:schemeClr val="tx1"/>
+              </a:fontRef>
+            </p:style>
+          </p:cxnSp>
+          <p:sp>
+            <p:nvSpPr>
+              <p:cNvPr id="37" name="Freihandform 36"/>
+              <p:cNvSpPr/>
+              <p:nvPr/>
+            </p:nvSpPr>
+            <p:spPr>
+              <a:xfrm>
+                <a:off x="5902610" y="2799386"/>
+                <a:ext cx="1084667" cy="247476"/>
+              </a:xfrm>
+              <a:custGeom>
+                <a:avLst/>
+                <a:gdLst>
+                  <a:gd name="connsiteX0" fmla="*/ 0 w 1084667"/>
+                  <a:gd name="connsiteY0" fmla="*/ 221287 h 247476"/>
+                  <a:gd name="connsiteX1" fmla="*/ 138736 w 1084667"/>
+                  <a:gd name="connsiteY1" fmla="*/ 227593 h 247476"/>
+                  <a:gd name="connsiteX2" fmla="*/ 447740 w 1084667"/>
+                  <a:gd name="connsiteY2" fmla="*/ 570 h 247476"/>
+                  <a:gd name="connsiteX3" fmla="*/ 763051 w 1084667"/>
+                  <a:gd name="connsiteY3" fmla="*/ 164531 h 247476"/>
+                  <a:gd name="connsiteX4" fmla="*/ 1084667 w 1084667"/>
+                  <a:gd name="connsiteY4" fmla="*/ 221287 h 247476"/>
+                </a:gdLst>
+                <a:ahLst/>
+                <a:cxnLst>
+                  <a:cxn ang="0">
+                    <a:pos x="connsiteX0" y="connsiteY0"/>
+                  </a:cxn>
+                  <a:cxn ang="0">
+                    <a:pos x="connsiteX1" y="connsiteY1"/>
+                  </a:cxn>
+                  <a:cxn ang="0">
+                    <a:pos x="connsiteX2" y="connsiteY2"/>
+                  </a:cxn>
+                  <a:cxn ang="0">
+                    <a:pos x="connsiteX3" y="connsiteY3"/>
+                  </a:cxn>
+                  <a:cxn ang="0">
+                    <a:pos x="connsiteX4" y="connsiteY4"/>
+                  </a:cxn>
+                </a:cxnLst>
+                <a:rect l="l" t="t" r="r" b="b"/>
+                <a:pathLst>
+                  <a:path w="1084667" h="247476">
+                    <a:moveTo>
+                      <a:pt x="0" y="221287"/>
+                    </a:moveTo>
+                    <a:cubicBezTo>
+                      <a:pt x="32056" y="242833"/>
+                      <a:pt x="64113" y="264379"/>
+                      <a:pt x="138736" y="227593"/>
+                    </a:cubicBezTo>
+                    <a:cubicBezTo>
+                      <a:pt x="213359" y="190807"/>
+                      <a:pt x="343688" y="11080"/>
+                      <a:pt x="447740" y="570"/>
+                    </a:cubicBezTo>
+                    <a:cubicBezTo>
+                      <a:pt x="551792" y="-9940"/>
+                      <a:pt x="656897" y="127745"/>
+                      <a:pt x="763051" y="164531"/>
+                    </a:cubicBezTo>
+                    <a:cubicBezTo>
+                      <a:pt x="869205" y="201317"/>
+                      <a:pt x="976936" y="211302"/>
+                      <a:pt x="1084667" y="221287"/>
+                    </a:cubicBezTo>
+                  </a:path>
+                </a:pathLst>
+              </a:custGeom>
+              <a:noFill/>
+            </p:spPr>
+            <p:style>
+              <a:lnRef idx="2">
+                <a:schemeClr val="accent1">
+                  <a:shade val="50000"/>
+                </a:schemeClr>
+              </a:lnRef>
+              <a:fillRef idx="1">
+                <a:schemeClr val="accent1"/>
+              </a:fillRef>
+              <a:effectRef idx="0">
+                <a:schemeClr val="accent1"/>
+              </a:effectRef>
+              <a:fontRef idx="minor">
+                <a:schemeClr val="lt1"/>
+              </a:fontRef>
+            </p:style>
+            <p:txBody>
+              <a:bodyPr rtlCol="0" anchor="ctr"/>
+              <a:lstStyle/>
+              <a:p>
+                <a:pPr algn="ctr"/>
+                <a:endParaRPr lang="en-US"/>
+              </a:p>
+            </p:txBody>
+          </p:sp>
+          <p:cxnSp>
+            <p:nvCxnSpPr>
+              <p:cNvPr id="39" name="Gerader Verbinder 38"/>
+              <p:cNvCxnSpPr/>
+              <p:nvPr/>
+            </p:nvCxnSpPr>
+            <p:spPr>
+              <a:xfrm flipV="1">
+                <a:off x="6364560" y="2635290"/>
+                <a:ext cx="0" cy="403415"/>
+              </a:xfrm>
+              <a:prstGeom prst="line">
+                <a:avLst/>
+              </a:prstGeom>
+            </p:spPr>
+            <p:style>
+              <a:lnRef idx="1">
+                <a:schemeClr val="accent1"/>
+              </a:lnRef>
+              <a:fillRef idx="0">
+                <a:schemeClr val="accent1"/>
+              </a:fillRef>
+              <a:effectRef idx="0">
+                <a:schemeClr val="accent1"/>
+              </a:effectRef>
+              <a:fontRef idx="minor">
+                <a:schemeClr val="tx1"/>
+              </a:fontRef>
+            </p:style>
+          </p:cxnSp>
+          <p:cxnSp>
+            <p:nvCxnSpPr>
+              <p:cNvPr id="447" name="Gerader Verbinder 446"/>
+              <p:cNvCxnSpPr/>
+              <p:nvPr/>
+            </p:nvCxnSpPr>
+            <p:spPr>
+              <a:xfrm flipH="1">
+                <a:off x="6146278" y="2927159"/>
+                <a:ext cx="409516" cy="3322"/>
+              </a:xfrm>
+              <a:prstGeom prst="line">
+                <a:avLst/>
+              </a:prstGeom>
+              <a:ln>
+                <a:headEnd type="arrow" w="med" len="med"/>
+                <a:tailEnd type="arrow" w="med" len="med"/>
+              </a:ln>
+            </p:spPr>
+            <p:style>
+              <a:lnRef idx="1">
+                <a:schemeClr val="accent1"/>
+              </a:lnRef>
+              <a:fillRef idx="0">
+                <a:schemeClr val="accent1"/>
+              </a:fillRef>
+              <a:effectRef idx="0">
+                <a:schemeClr val="accent1"/>
+              </a:effectRef>
+              <a:fontRef idx="minor">
+                <a:schemeClr val="tx1"/>
+              </a:fontRef>
+            </p:style>
+          </p:cxnSp>
+          <p:sp>
+            <p:nvSpPr>
+              <p:cNvPr id="43" name="Textfeld 42"/>
+              <p:cNvSpPr txBox="1"/>
+              <p:nvPr/>
+            </p:nvSpPr>
+            <p:spPr>
+              <a:xfrm>
+                <a:off x="6318752" y="2529821"/>
+                <a:ext cx="340158" cy="369332"/>
+              </a:xfrm>
+              <a:prstGeom prst="rect">
+                <a:avLst/>
+              </a:prstGeom>
+              <a:noFill/>
+            </p:spPr>
+            <p:txBody>
+              <a:bodyPr wrap="none" rtlCol="0">
+                <a:spAutoFit/>
+              </a:bodyPr>
+              <a:lstStyle/>
+              <a:p>
+                <a:r>
+                  <a:rPr lang="de-DE" dirty="0" smtClean="0"/>
+                  <a:t>t</a:t>
+                </a:r>
+                <a:r>
+                  <a:rPr lang="de-DE" baseline="-25000" dirty="0" smtClean="0"/>
+                  <a:t>0</a:t>
+                </a:r>
+                <a:endParaRPr lang="en-US" baseline="-25000" dirty="0"/>
+              </a:p>
+            </p:txBody>
+          </p:sp>
+          <p:sp>
+            <p:nvSpPr>
+              <p:cNvPr id="449" name="Textfeld 448"/>
+              <p:cNvSpPr txBox="1"/>
+              <p:nvPr/>
+            </p:nvSpPr>
+            <p:spPr>
+              <a:xfrm>
+                <a:off x="6269389" y="2756905"/>
+                <a:ext cx="402674" cy="369332"/>
+              </a:xfrm>
+              <a:prstGeom prst="rect">
+                <a:avLst/>
+              </a:prstGeom>
+              <a:noFill/>
+            </p:spPr>
+            <p:txBody>
+              <a:bodyPr wrap="none" rtlCol="0">
+                <a:spAutoFit/>
+              </a:bodyPr>
+              <a:lstStyle/>
+              <a:p>
+                <a:r>
+                  <a:rPr lang="de-DE" dirty="0" smtClean="0">
+                    <a:latin typeface="Symbol" panose="05050102010706020507" pitchFamily="18" charset="2"/>
+                  </a:rPr>
+                  <a:t>s</a:t>
+                </a:r>
+                <a:r>
+                  <a:rPr lang="de-DE" baseline="-25000" dirty="0" smtClean="0"/>
+                  <a:t>0</a:t>
+                </a:r>
+                <a:endParaRPr lang="en-US" baseline="-25000" dirty="0"/>
+              </a:p>
+            </p:txBody>
+          </p:sp>
+        </p:grpSp>
+      </p:grpSp>
+      <p:grpSp>
+        <p:nvGrpSpPr>
+          <p:cNvPr id="450" name="Gruppieren 449"/>
+          <p:cNvGrpSpPr/>
+          <p:nvPr/>
+        </p:nvGrpSpPr>
+        <p:grpSpPr>
+          <a:xfrm>
+            <a:off x="3707192" y="3525206"/>
+            <a:ext cx="1502072" cy="819687"/>
+            <a:chOff x="5737167" y="2529821"/>
+            <a:chExt cx="1502072" cy="819687"/>
+          </a:xfrm>
+        </p:grpSpPr>
+        <p:sp>
+          <p:nvSpPr>
+            <p:cNvPr id="451" name="Textfeld 450"/>
+            <p:cNvSpPr txBox="1"/>
+            <p:nvPr/>
+          </p:nvSpPr>
+          <p:spPr>
+            <a:xfrm>
+              <a:off x="5956837" y="2980176"/>
+              <a:ext cx="1282402" cy="369332"/>
+            </a:xfrm>
+            <a:prstGeom prst="rect">
+              <a:avLst/>
+            </a:prstGeom>
+            <a:noFill/>
+          </p:spPr>
+          <p:txBody>
+            <a:bodyPr wrap="none" rtlCol="0">
+              <a:spAutoFit/>
+            </a:bodyPr>
+            <a:lstStyle/>
+            <a:p>
+              <a:r>
+                <a:rPr lang="de-DE" dirty="0" err="1" smtClean="0"/>
+                <a:t>progression</a:t>
+              </a:r>
+              <a:endParaRPr lang="en-US" dirty="0"/>
+            </a:p>
+          </p:txBody>
+        </p:sp>
+        <p:grpSp>
+          <p:nvGrpSpPr>
+            <p:cNvPr id="452" name="Gruppieren 451"/>
+            <p:cNvGrpSpPr/>
+            <p:nvPr/>
+          </p:nvGrpSpPr>
+          <p:grpSpPr>
+            <a:xfrm>
+              <a:off x="5737167" y="2529821"/>
+              <a:ext cx="1380907" cy="661284"/>
+              <a:chOff x="5737167" y="2529821"/>
+              <a:chExt cx="1380907" cy="661284"/>
+            </a:xfrm>
+          </p:grpSpPr>
+          <p:cxnSp>
+            <p:nvCxnSpPr>
+              <p:cNvPr id="454" name="Gerade Verbindung mit Pfeil 453"/>
+              <p:cNvCxnSpPr/>
+              <p:nvPr/>
+            </p:nvCxnSpPr>
+            <p:spPr>
+              <a:xfrm>
+                <a:off x="5737167" y="3038705"/>
+                <a:ext cx="1380907" cy="0"/>
+              </a:xfrm>
+              <a:prstGeom prst="straightConnector1">
+                <a:avLst/>
+              </a:prstGeom>
+              <a:ln>
+                <a:tailEnd type="triangle"/>
+              </a:ln>
+            </p:spPr>
+            <p:style>
+              <a:lnRef idx="1">
+                <a:schemeClr val="accent1"/>
+              </a:lnRef>
+              <a:fillRef idx="0">
+                <a:schemeClr val="accent1"/>
+              </a:fillRef>
+              <a:effectRef idx="0">
+                <a:schemeClr val="accent1"/>
+              </a:effectRef>
+              <a:fontRef idx="minor">
+                <a:schemeClr val="tx1"/>
+              </a:fontRef>
+            </p:style>
+          </p:cxnSp>
+          <p:cxnSp>
+            <p:nvCxnSpPr>
+              <p:cNvPr id="455" name="Gerade Verbindung mit Pfeil 454"/>
+              <p:cNvCxnSpPr/>
+              <p:nvPr/>
+            </p:nvCxnSpPr>
+            <p:spPr>
+              <a:xfrm flipV="1">
+                <a:off x="5889567" y="2654708"/>
+                <a:ext cx="430" cy="536397"/>
+              </a:xfrm>
+              <a:prstGeom prst="straightConnector1">
+                <a:avLst/>
+              </a:prstGeom>
+              <a:ln>
+                <a:tailEnd type="triangle"/>
+              </a:ln>
+            </p:spPr>
+            <p:style>
+              <a:lnRef idx="1">
+                <a:schemeClr val="accent1"/>
+              </a:lnRef>
+              <a:fillRef idx="0">
+                <a:schemeClr val="accent1"/>
+              </a:fillRef>
+              <a:effectRef idx="0">
+                <a:schemeClr val="accent1"/>
+              </a:effectRef>
+              <a:fontRef idx="minor">
+                <a:schemeClr val="tx1"/>
+              </a:fontRef>
+            </p:style>
+          </p:cxnSp>
+          <p:sp>
+            <p:nvSpPr>
+              <p:cNvPr id="456" name="Freihandform 455"/>
+              <p:cNvSpPr/>
+              <p:nvPr/>
+            </p:nvSpPr>
+            <p:spPr>
+              <a:xfrm>
+                <a:off x="5902610" y="2799386"/>
+                <a:ext cx="1084667" cy="247476"/>
+              </a:xfrm>
+              <a:custGeom>
+                <a:avLst/>
+                <a:gdLst>
+                  <a:gd name="connsiteX0" fmla="*/ 0 w 1084667"/>
+                  <a:gd name="connsiteY0" fmla="*/ 221287 h 247476"/>
+                  <a:gd name="connsiteX1" fmla="*/ 138736 w 1084667"/>
+                  <a:gd name="connsiteY1" fmla="*/ 227593 h 247476"/>
+                  <a:gd name="connsiteX2" fmla="*/ 447740 w 1084667"/>
+                  <a:gd name="connsiteY2" fmla="*/ 570 h 247476"/>
+                  <a:gd name="connsiteX3" fmla="*/ 763051 w 1084667"/>
+                  <a:gd name="connsiteY3" fmla="*/ 164531 h 247476"/>
+                  <a:gd name="connsiteX4" fmla="*/ 1084667 w 1084667"/>
+                  <a:gd name="connsiteY4" fmla="*/ 221287 h 247476"/>
+                </a:gdLst>
+                <a:ahLst/>
+                <a:cxnLst>
+                  <a:cxn ang="0">
+                    <a:pos x="connsiteX0" y="connsiteY0"/>
+                  </a:cxn>
+                  <a:cxn ang="0">
+                    <a:pos x="connsiteX1" y="connsiteY1"/>
+                  </a:cxn>
+                  <a:cxn ang="0">
+                    <a:pos x="connsiteX2" y="connsiteY2"/>
+                  </a:cxn>
+                  <a:cxn ang="0">
+                    <a:pos x="connsiteX3" y="connsiteY3"/>
+                  </a:cxn>
+                  <a:cxn ang="0">
+                    <a:pos x="connsiteX4" y="connsiteY4"/>
+                  </a:cxn>
+                </a:cxnLst>
+                <a:rect l="l" t="t" r="r" b="b"/>
+                <a:pathLst>
+                  <a:path w="1084667" h="247476">
+                    <a:moveTo>
+                      <a:pt x="0" y="221287"/>
+                    </a:moveTo>
+                    <a:cubicBezTo>
+                      <a:pt x="32056" y="242833"/>
+                      <a:pt x="64113" y="264379"/>
+                      <a:pt x="138736" y="227593"/>
+                    </a:cubicBezTo>
+                    <a:cubicBezTo>
+                      <a:pt x="213359" y="190807"/>
+                      <a:pt x="343688" y="11080"/>
+                      <a:pt x="447740" y="570"/>
+                    </a:cubicBezTo>
+                    <a:cubicBezTo>
+                      <a:pt x="551792" y="-9940"/>
+                      <a:pt x="656897" y="127745"/>
+                      <a:pt x="763051" y="164531"/>
+                    </a:cubicBezTo>
+                    <a:cubicBezTo>
+                      <a:pt x="869205" y="201317"/>
+                      <a:pt x="976936" y="211302"/>
+                      <a:pt x="1084667" y="221287"/>
+                    </a:cubicBezTo>
+                  </a:path>
+                </a:pathLst>
+              </a:custGeom>
+              <a:noFill/>
+            </p:spPr>
+            <p:style>
+              <a:lnRef idx="2">
+                <a:schemeClr val="accent1">
+                  <a:shade val="50000"/>
+                </a:schemeClr>
+              </a:lnRef>
+              <a:fillRef idx="1">
+                <a:schemeClr val="accent1"/>
+              </a:fillRef>
+              <a:effectRef idx="0">
+                <a:schemeClr val="accent1"/>
+              </a:effectRef>
+              <a:fontRef idx="minor">
+                <a:schemeClr val="lt1"/>
+              </a:fontRef>
+            </p:style>
+            <p:txBody>
+              <a:bodyPr rtlCol="0" anchor="ctr"/>
+              <a:lstStyle/>
+              <a:p>
+                <a:pPr algn="ctr"/>
+                <a:endParaRPr lang="en-US"/>
+              </a:p>
+            </p:txBody>
+          </p:sp>
+          <p:cxnSp>
+            <p:nvCxnSpPr>
+              <p:cNvPr id="457" name="Gerader Verbinder 456"/>
+              <p:cNvCxnSpPr/>
+              <p:nvPr/>
+            </p:nvCxnSpPr>
+            <p:spPr>
+              <a:xfrm flipV="1">
+                <a:off x="6364560" y="2635290"/>
+                <a:ext cx="0" cy="403415"/>
+              </a:xfrm>
+              <a:prstGeom prst="line">
+                <a:avLst/>
+              </a:prstGeom>
+            </p:spPr>
+            <p:style>
+              <a:lnRef idx="1">
+                <a:schemeClr val="accent1"/>
+              </a:lnRef>
+              <a:fillRef idx="0">
+                <a:schemeClr val="accent1"/>
+              </a:fillRef>
+              <a:effectRef idx="0">
+                <a:schemeClr val="accent1"/>
+              </a:effectRef>
+              <a:fontRef idx="minor">
+                <a:schemeClr val="tx1"/>
+              </a:fontRef>
+            </p:style>
+          </p:cxnSp>
+          <p:cxnSp>
+            <p:nvCxnSpPr>
+              <p:cNvPr id="458" name="Gerader Verbinder 457"/>
+              <p:cNvCxnSpPr/>
+              <p:nvPr/>
+            </p:nvCxnSpPr>
+            <p:spPr>
+              <a:xfrm flipH="1">
+                <a:off x="6146278" y="2927159"/>
+                <a:ext cx="409516" cy="3322"/>
+              </a:xfrm>
+              <a:prstGeom prst="line">
+                <a:avLst/>
+              </a:prstGeom>
+              <a:ln>
+                <a:headEnd type="arrow" w="med" len="med"/>
+                <a:tailEnd type="arrow" w="med" len="med"/>
+              </a:ln>
+            </p:spPr>
+            <p:style>
+              <a:lnRef idx="1">
+                <a:schemeClr val="accent1"/>
+              </a:lnRef>
+              <a:fillRef idx="0">
+                <a:schemeClr val="accent1"/>
+              </a:fillRef>
+              <a:effectRef idx="0">
+                <a:schemeClr val="accent1"/>
+              </a:effectRef>
+              <a:fontRef idx="minor">
+                <a:schemeClr val="tx1"/>
+              </a:fontRef>
+            </p:style>
+          </p:cxnSp>
+          <p:sp>
+            <p:nvSpPr>
+              <p:cNvPr id="459" name="Textfeld 458"/>
+              <p:cNvSpPr txBox="1"/>
+              <p:nvPr/>
+            </p:nvSpPr>
+            <p:spPr>
+              <a:xfrm>
+                <a:off x="6318752" y="2529821"/>
+                <a:ext cx="340158" cy="369332"/>
+              </a:xfrm>
+              <a:prstGeom prst="rect">
+                <a:avLst/>
+              </a:prstGeom>
+              <a:noFill/>
+            </p:spPr>
+            <p:txBody>
+              <a:bodyPr wrap="none" rtlCol="0">
+                <a:spAutoFit/>
+              </a:bodyPr>
+              <a:lstStyle/>
+              <a:p>
+                <a:r>
+                  <a:rPr lang="de-DE" dirty="0" smtClean="0"/>
+                  <a:t>t</a:t>
+                </a:r>
+                <a:r>
+                  <a:rPr lang="de-DE" baseline="-25000" dirty="0" smtClean="0"/>
+                  <a:t>0</a:t>
+                </a:r>
+                <a:endParaRPr lang="en-US" baseline="-25000" dirty="0"/>
+              </a:p>
+            </p:txBody>
+          </p:sp>
+          <p:sp>
+            <p:nvSpPr>
+              <p:cNvPr id="460" name="Textfeld 459"/>
+              <p:cNvSpPr txBox="1"/>
+              <p:nvPr/>
+            </p:nvSpPr>
+            <p:spPr>
+              <a:xfrm>
+                <a:off x="6269389" y="2756905"/>
+                <a:ext cx="402674" cy="369332"/>
+              </a:xfrm>
+              <a:prstGeom prst="rect">
+                <a:avLst/>
+              </a:prstGeom>
+              <a:noFill/>
+            </p:spPr>
+            <p:txBody>
+              <a:bodyPr wrap="none" rtlCol="0">
+                <a:spAutoFit/>
+              </a:bodyPr>
+              <a:lstStyle/>
+              <a:p>
+                <a:r>
+                  <a:rPr lang="de-DE" dirty="0" smtClean="0">
+                    <a:latin typeface="Symbol" panose="05050102010706020507" pitchFamily="18" charset="2"/>
+                  </a:rPr>
+                  <a:t>s</a:t>
+                </a:r>
+                <a:r>
+                  <a:rPr lang="de-DE" baseline="-25000" dirty="0" smtClean="0"/>
+                  <a:t>0</a:t>
+                </a:r>
+                <a:endParaRPr lang="en-US" baseline="-25000" dirty="0"/>
+              </a:p>
+            </p:txBody>
+          </p:sp>
+        </p:grpSp>
+      </p:grpSp>
+      <p:sp>
+        <p:nvSpPr>
+          <p:cNvPr id="49" name="Textfeld 48"/>
+          <p:cNvSpPr txBox="1"/>
+          <p:nvPr/>
+        </p:nvSpPr>
+        <p:spPr>
+          <a:xfrm rot="16200000">
+            <a:off x="2929198" y="5040580"/>
+            <a:ext cx="686085" cy="369332"/>
+          </a:xfrm>
+          <a:prstGeom prst="rect">
+            <a:avLst/>
+          </a:prstGeom>
+          <a:noFill/>
+        </p:spPr>
+        <p:txBody>
+          <a:bodyPr wrap="none" rtlCol="0">
+            <a:spAutoFit/>
+          </a:bodyPr>
+          <a:lstStyle/>
+          <a:p>
+            <a:r>
+              <a:rPr lang="de-DE" dirty="0" err="1" smtClean="0"/>
+              <a:t>cases</a:t>
+            </a:r>
+            <a:endParaRPr lang="en-US" dirty="0"/>
+          </a:p>
+        </p:txBody>
+      </p:sp>
+      <p:sp>
+        <p:nvSpPr>
+          <p:cNvPr id="462" name="Textfeld 461"/>
+          <p:cNvSpPr txBox="1"/>
+          <p:nvPr/>
+        </p:nvSpPr>
+        <p:spPr>
+          <a:xfrm>
+            <a:off x="9863429" y="4961424"/>
+            <a:ext cx="2282941" cy="369332"/>
+          </a:xfrm>
+          <a:prstGeom prst="rect">
+            <a:avLst/>
+          </a:prstGeom>
+          <a:noFill/>
+        </p:spPr>
+        <p:txBody>
+          <a:bodyPr wrap="square" rtlCol="0">
+            <a:spAutoFit/>
+          </a:bodyPr>
+          <a:lstStyle/>
+          <a:p>
+            <a:r>
+              <a:rPr lang="de-DE" dirty="0" err="1" smtClean="0"/>
+              <a:t>simulated</a:t>
+            </a:r>
+            <a:r>
+              <a:rPr lang="de-DE" dirty="0" smtClean="0"/>
+              <a:t> </a:t>
+            </a:r>
+            <a:r>
+              <a:rPr lang="de-DE" dirty="0" err="1" smtClean="0"/>
+              <a:t>dead</a:t>
+            </a:r>
+            <a:endParaRPr lang="en-US" dirty="0"/>
+          </a:p>
+        </p:txBody>
+      </p:sp>
+      <p:sp>
+        <p:nvSpPr>
+          <p:cNvPr id="50" name="Textfeld 49"/>
+          <p:cNvSpPr txBox="1"/>
+          <p:nvPr/>
+        </p:nvSpPr>
+        <p:spPr>
+          <a:xfrm>
+            <a:off x="4398609" y="5858774"/>
+            <a:ext cx="1666931" cy="369332"/>
+          </a:xfrm>
+          <a:prstGeom prst="rect">
+            <a:avLst/>
+          </a:prstGeom>
+          <a:noFill/>
+        </p:spPr>
+        <p:txBody>
+          <a:bodyPr wrap="none" rtlCol="0">
+            <a:spAutoFit/>
+          </a:bodyPr>
+          <a:lstStyle/>
+          <a:p>
+            <a:r>
+              <a:rPr lang="de-DE" dirty="0" err="1" smtClean="0"/>
+              <a:t>simulation</a:t>
+            </a:r>
+            <a:r>
+              <a:rPr lang="de-DE" dirty="0" smtClean="0"/>
+              <a:t> time</a:t>
+            </a:r>
+            <a:endParaRPr lang="en-US" dirty="0"/>
+          </a:p>
+        </p:txBody>
+      </p:sp>
+      <p:cxnSp>
+        <p:nvCxnSpPr>
+          <p:cNvPr id="463" name="Gerade Verbindung mit Pfeil 462"/>
+          <p:cNvCxnSpPr>
+            <a:stCxn id="34" idx="0"/>
+            <a:endCxn id="488" idx="0"/>
+          </p:cNvCxnSpPr>
+          <p:nvPr/>
+        </p:nvCxnSpPr>
+        <p:spPr>
+          <a:xfrm>
+            <a:off x="4483254" y="2854039"/>
+            <a:ext cx="132666" cy="2727081"/>
+          </a:xfrm>
+          <a:prstGeom prst="straightConnector1">
+            <a:avLst/>
+          </a:prstGeom>
+          <a:ln w="38100">
+            <a:solidFill>
+              <a:srgbClr val="00B050"/>
+            </a:solidFill>
+            <a:prstDash val="dash"/>
+            <a:tailEnd type="triangle"/>
+          </a:ln>
+        </p:spPr>
+        <p:style>
+          <a:lnRef idx="1">
+            <a:schemeClr val="accent1"/>
+          </a:lnRef>
+          <a:fillRef idx="0">
+            <a:schemeClr val="accent1"/>
+          </a:fillRef>
+          <a:effectRef idx="0">
+            <a:schemeClr val="accent1"/>
+          </a:effectRef>
+          <a:fontRef idx="minor">
+            <a:schemeClr val="tx1"/>
+          </a:fontRef>
+        </p:style>
+      </p:cxnSp>
+      <p:cxnSp>
+        <p:nvCxnSpPr>
+          <p:cNvPr id="464" name="Gerade Verbindung mit Pfeil 463"/>
+          <p:cNvCxnSpPr>
+            <a:endCxn id="541" idx="0"/>
+          </p:cNvCxnSpPr>
+          <p:nvPr/>
+        </p:nvCxnSpPr>
+        <p:spPr>
+          <a:xfrm>
+            <a:off x="4511252" y="2930062"/>
+            <a:ext cx="3094837" cy="2671843"/>
+          </a:xfrm>
+          <a:prstGeom prst="straightConnector1">
+            <a:avLst/>
+          </a:prstGeom>
+          <a:ln w="38100">
+            <a:solidFill>
+              <a:srgbClr val="00B050"/>
+            </a:solidFill>
+            <a:prstDash val="dash"/>
+            <a:tailEnd type="triangle"/>
+          </a:ln>
+        </p:spPr>
+        <p:style>
+          <a:lnRef idx="1">
+            <a:schemeClr val="accent1"/>
+          </a:lnRef>
+          <a:fillRef idx="0">
+            <a:schemeClr val="accent1"/>
+          </a:fillRef>
+          <a:effectRef idx="0">
+            <a:schemeClr val="accent1"/>
+          </a:effectRef>
+          <a:fontRef idx="minor">
+            <a:schemeClr val="tx1"/>
+          </a:fontRef>
+        </p:style>
+      </p:cxnSp>
+      <p:grpSp>
+        <p:nvGrpSpPr>
+          <p:cNvPr id="466" name="Gruppieren 465"/>
+          <p:cNvGrpSpPr/>
+          <p:nvPr/>
+        </p:nvGrpSpPr>
+        <p:grpSpPr>
+          <a:xfrm>
+            <a:off x="6476271" y="3917172"/>
+            <a:ext cx="1502072" cy="819687"/>
+            <a:chOff x="5737167" y="2529821"/>
+            <a:chExt cx="1502072" cy="819687"/>
+          </a:xfrm>
+        </p:grpSpPr>
+        <p:sp>
+          <p:nvSpPr>
+            <p:cNvPr id="474" name="Textfeld 473"/>
+            <p:cNvSpPr txBox="1"/>
+            <p:nvPr/>
+          </p:nvSpPr>
+          <p:spPr>
+            <a:xfrm>
+              <a:off x="5956837" y="2980176"/>
+              <a:ext cx="1282402" cy="369332"/>
+            </a:xfrm>
+            <a:prstGeom prst="rect">
+              <a:avLst/>
+            </a:prstGeom>
+            <a:noFill/>
+          </p:spPr>
+          <p:txBody>
+            <a:bodyPr wrap="none" rtlCol="0">
+              <a:spAutoFit/>
+            </a:bodyPr>
+            <a:lstStyle/>
+            <a:p>
+              <a:r>
+                <a:rPr lang="de-DE" dirty="0" err="1" smtClean="0"/>
+                <a:t>progression</a:t>
+              </a:r>
+              <a:endParaRPr lang="en-US" dirty="0"/>
+            </a:p>
+          </p:txBody>
+        </p:sp>
+        <p:grpSp>
+          <p:nvGrpSpPr>
+            <p:cNvPr id="475" name="Gruppieren 474"/>
+            <p:cNvGrpSpPr/>
+            <p:nvPr/>
+          </p:nvGrpSpPr>
+          <p:grpSpPr>
+            <a:xfrm>
+              <a:off x="5737167" y="2529821"/>
+              <a:ext cx="1380907" cy="661284"/>
+              <a:chOff x="5737167" y="2529821"/>
+              <a:chExt cx="1380907" cy="661284"/>
+            </a:xfrm>
+          </p:grpSpPr>
+          <p:cxnSp>
+            <p:nvCxnSpPr>
+              <p:cNvPr id="476" name="Gerade Verbindung mit Pfeil 475"/>
+              <p:cNvCxnSpPr/>
+              <p:nvPr/>
+            </p:nvCxnSpPr>
+            <p:spPr>
+              <a:xfrm>
+                <a:off x="5737167" y="3038705"/>
+                <a:ext cx="1380907" cy="0"/>
+              </a:xfrm>
+              <a:prstGeom prst="straightConnector1">
+                <a:avLst/>
+              </a:prstGeom>
+              <a:ln>
+                <a:tailEnd type="triangle"/>
+              </a:ln>
+            </p:spPr>
+            <p:style>
+              <a:lnRef idx="1">
+                <a:schemeClr val="accent1"/>
+              </a:lnRef>
+              <a:fillRef idx="0">
+                <a:schemeClr val="accent1"/>
+              </a:fillRef>
+              <a:effectRef idx="0">
+                <a:schemeClr val="accent1"/>
+              </a:effectRef>
+              <a:fontRef idx="minor">
+                <a:schemeClr val="tx1"/>
+              </a:fontRef>
+            </p:style>
+          </p:cxnSp>
+          <p:cxnSp>
+            <p:nvCxnSpPr>
+              <p:cNvPr id="477" name="Gerade Verbindung mit Pfeil 476"/>
+              <p:cNvCxnSpPr/>
+              <p:nvPr/>
+            </p:nvCxnSpPr>
+            <p:spPr>
+              <a:xfrm flipV="1">
+                <a:off x="5889567" y="2654708"/>
+                <a:ext cx="430" cy="536397"/>
+              </a:xfrm>
+              <a:prstGeom prst="straightConnector1">
+                <a:avLst/>
+              </a:prstGeom>
+              <a:ln>
+                <a:tailEnd type="triangle"/>
+              </a:ln>
+            </p:spPr>
+            <p:style>
+              <a:lnRef idx="1">
+                <a:schemeClr val="accent1"/>
+              </a:lnRef>
+              <a:fillRef idx="0">
+                <a:schemeClr val="accent1"/>
+              </a:fillRef>
+              <a:effectRef idx="0">
+                <a:schemeClr val="accent1"/>
+              </a:effectRef>
+              <a:fontRef idx="minor">
+                <a:schemeClr val="tx1"/>
+              </a:fontRef>
+            </p:style>
+          </p:cxnSp>
+          <p:sp>
+            <p:nvSpPr>
+              <p:cNvPr id="478" name="Freihandform 477"/>
+              <p:cNvSpPr/>
+              <p:nvPr/>
+            </p:nvSpPr>
+            <p:spPr>
+              <a:xfrm>
+                <a:off x="5902610" y="2799386"/>
+                <a:ext cx="1084667" cy="247476"/>
+              </a:xfrm>
+              <a:custGeom>
+                <a:avLst/>
+                <a:gdLst>
+                  <a:gd name="connsiteX0" fmla="*/ 0 w 1084667"/>
+                  <a:gd name="connsiteY0" fmla="*/ 221287 h 247476"/>
+                  <a:gd name="connsiteX1" fmla="*/ 138736 w 1084667"/>
+                  <a:gd name="connsiteY1" fmla="*/ 227593 h 247476"/>
+                  <a:gd name="connsiteX2" fmla="*/ 447740 w 1084667"/>
+                  <a:gd name="connsiteY2" fmla="*/ 570 h 247476"/>
+                  <a:gd name="connsiteX3" fmla="*/ 763051 w 1084667"/>
+                  <a:gd name="connsiteY3" fmla="*/ 164531 h 247476"/>
+                  <a:gd name="connsiteX4" fmla="*/ 1084667 w 1084667"/>
+                  <a:gd name="connsiteY4" fmla="*/ 221287 h 247476"/>
+                </a:gdLst>
+                <a:ahLst/>
+                <a:cxnLst>
+                  <a:cxn ang="0">
+                    <a:pos x="connsiteX0" y="connsiteY0"/>
+                  </a:cxn>
+                  <a:cxn ang="0">
+                    <a:pos x="connsiteX1" y="connsiteY1"/>
+                  </a:cxn>
+                  <a:cxn ang="0">
+                    <a:pos x="connsiteX2" y="connsiteY2"/>
+                  </a:cxn>
+                  <a:cxn ang="0">
+                    <a:pos x="connsiteX3" y="connsiteY3"/>
+                  </a:cxn>
+                  <a:cxn ang="0">
+                    <a:pos x="connsiteX4" y="connsiteY4"/>
+                  </a:cxn>
+                </a:cxnLst>
+                <a:rect l="l" t="t" r="r" b="b"/>
+                <a:pathLst>
+                  <a:path w="1084667" h="247476">
+                    <a:moveTo>
+                      <a:pt x="0" y="221287"/>
+                    </a:moveTo>
+                    <a:cubicBezTo>
+                      <a:pt x="32056" y="242833"/>
+                      <a:pt x="64113" y="264379"/>
+                      <a:pt x="138736" y="227593"/>
+                    </a:cubicBezTo>
+                    <a:cubicBezTo>
+                      <a:pt x="213359" y="190807"/>
+                      <a:pt x="343688" y="11080"/>
+                      <a:pt x="447740" y="570"/>
+                    </a:cubicBezTo>
+                    <a:cubicBezTo>
+                      <a:pt x="551792" y="-9940"/>
+                      <a:pt x="656897" y="127745"/>
+                      <a:pt x="763051" y="164531"/>
+                    </a:cubicBezTo>
+                    <a:cubicBezTo>
+                      <a:pt x="869205" y="201317"/>
+                      <a:pt x="976936" y="211302"/>
+                      <a:pt x="1084667" y="221287"/>
+                    </a:cubicBezTo>
+                  </a:path>
+                </a:pathLst>
+              </a:custGeom>
+              <a:noFill/>
+            </p:spPr>
+            <p:style>
+              <a:lnRef idx="2">
+                <a:schemeClr val="accent1">
+                  <a:shade val="50000"/>
+                </a:schemeClr>
+              </a:lnRef>
+              <a:fillRef idx="1">
+                <a:schemeClr val="accent1"/>
+              </a:fillRef>
+              <a:effectRef idx="0">
+                <a:schemeClr val="accent1"/>
+              </a:effectRef>
+              <a:fontRef idx="minor">
+                <a:schemeClr val="lt1"/>
+              </a:fontRef>
+            </p:style>
+            <p:txBody>
+              <a:bodyPr rtlCol="0" anchor="ctr"/>
+              <a:lstStyle/>
+              <a:p>
+                <a:pPr algn="ctr"/>
+                <a:endParaRPr lang="en-US"/>
+              </a:p>
+            </p:txBody>
+          </p:sp>
+          <p:cxnSp>
+            <p:nvCxnSpPr>
+              <p:cNvPr id="479" name="Gerader Verbinder 478"/>
+              <p:cNvCxnSpPr/>
+              <p:nvPr/>
+            </p:nvCxnSpPr>
+            <p:spPr>
+              <a:xfrm flipV="1">
+                <a:off x="6364560" y="2635290"/>
+                <a:ext cx="0" cy="403415"/>
+              </a:xfrm>
+              <a:prstGeom prst="line">
+                <a:avLst/>
+              </a:prstGeom>
+            </p:spPr>
+            <p:style>
+              <a:lnRef idx="1">
+                <a:schemeClr val="accent1"/>
+              </a:lnRef>
+              <a:fillRef idx="0">
+                <a:schemeClr val="accent1"/>
+              </a:fillRef>
+              <a:effectRef idx="0">
+                <a:schemeClr val="accent1"/>
+              </a:effectRef>
+              <a:fontRef idx="minor">
+                <a:schemeClr val="tx1"/>
+              </a:fontRef>
+            </p:style>
+          </p:cxnSp>
+          <p:cxnSp>
+            <p:nvCxnSpPr>
+              <p:cNvPr id="480" name="Gerader Verbinder 479"/>
+              <p:cNvCxnSpPr/>
+              <p:nvPr/>
+            </p:nvCxnSpPr>
+            <p:spPr>
+              <a:xfrm flipH="1">
+                <a:off x="6146278" y="2927159"/>
+                <a:ext cx="409516" cy="3322"/>
+              </a:xfrm>
+              <a:prstGeom prst="line">
+                <a:avLst/>
+              </a:prstGeom>
+              <a:ln>
+                <a:headEnd type="arrow" w="med" len="med"/>
+                <a:tailEnd type="arrow" w="med" len="med"/>
+              </a:ln>
+            </p:spPr>
+            <p:style>
+              <a:lnRef idx="1">
+                <a:schemeClr val="accent1"/>
+              </a:lnRef>
+              <a:fillRef idx="0">
+                <a:schemeClr val="accent1"/>
+              </a:fillRef>
+              <a:effectRef idx="0">
+                <a:schemeClr val="accent1"/>
+              </a:effectRef>
+              <a:fontRef idx="minor">
+                <a:schemeClr val="tx1"/>
+              </a:fontRef>
+            </p:style>
+          </p:cxnSp>
+          <p:sp>
+            <p:nvSpPr>
+              <p:cNvPr id="481" name="Textfeld 480"/>
+              <p:cNvSpPr txBox="1"/>
+              <p:nvPr/>
+            </p:nvSpPr>
+            <p:spPr>
+              <a:xfrm>
+                <a:off x="6318752" y="2529821"/>
+                <a:ext cx="340158" cy="369332"/>
+              </a:xfrm>
+              <a:prstGeom prst="rect">
+                <a:avLst/>
+              </a:prstGeom>
+              <a:noFill/>
+            </p:spPr>
+            <p:txBody>
+              <a:bodyPr wrap="none" rtlCol="0">
+                <a:spAutoFit/>
+              </a:bodyPr>
+              <a:lstStyle/>
+              <a:p>
+                <a:r>
+                  <a:rPr lang="de-DE" dirty="0" smtClean="0"/>
+                  <a:t>t</a:t>
+                </a:r>
+                <a:r>
+                  <a:rPr lang="de-DE" baseline="-25000" dirty="0" smtClean="0"/>
+                  <a:t>0</a:t>
+                </a:r>
+                <a:endParaRPr lang="en-US" baseline="-25000" dirty="0"/>
+              </a:p>
+            </p:txBody>
+          </p:sp>
+          <p:sp>
+            <p:nvSpPr>
+              <p:cNvPr id="482" name="Textfeld 481"/>
+              <p:cNvSpPr txBox="1"/>
+              <p:nvPr/>
+            </p:nvSpPr>
+            <p:spPr>
+              <a:xfrm>
+                <a:off x="6269389" y="2756905"/>
+                <a:ext cx="402674" cy="369332"/>
+              </a:xfrm>
+              <a:prstGeom prst="rect">
+                <a:avLst/>
+              </a:prstGeom>
+              <a:noFill/>
+            </p:spPr>
+            <p:txBody>
+              <a:bodyPr wrap="none" rtlCol="0">
+                <a:spAutoFit/>
+              </a:bodyPr>
+              <a:lstStyle/>
+              <a:p>
+                <a:r>
+                  <a:rPr lang="de-DE" dirty="0" smtClean="0">
+                    <a:latin typeface="Symbol" panose="05050102010706020507" pitchFamily="18" charset="2"/>
+                  </a:rPr>
+                  <a:t>s</a:t>
+                </a:r>
+                <a:r>
+                  <a:rPr lang="de-DE" baseline="-25000" dirty="0" smtClean="0"/>
+                  <a:t>0</a:t>
+                </a:r>
+                <a:endParaRPr lang="en-US" baseline="-25000" dirty="0"/>
+              </a:p>
+            </p:txBody>
+          </p:sp>
+        </p:grpSp>
+      </p:grpSp>
+      <p:grpSp>
+        <p:nvGrpSpPr>
+          <p:cNvPr id="62" name="Gruppieren 61"/>
+          <p:cNvGrpSpPr/>
+          <p:nvPr/>
+        </p:nvGrpSpPr>
+        <p:grpSpPr>
+          <a:xfrm>
+            <a:off x="3303146" y="4788417"/>
+            <a:ext cx="2407474" cy="1237777"/>
+            <a:chOff x="3303146" y="4788417"/>
+            <a:chExt cx="2407474" cy="1237777"/>
+          </a:xfrm>
+        </p:grpSpPr>
+        <p:cxnSp>
+          <p:nvCxnSpPr>
+            <p:cNvPr id="47" name="Gerade Verbindung mit Pfeil 46"/>
+            <p:cNvCxnSpPr/>
+            <p:nvPr/>
+          </p:nvCxnSpPr>
+          <p:spPr>
+            <a:xfrm>
+              <a:off x="3303146" y="5873794"/>
+              <a:ext cx="2407474" cy="0"/>
+            </a:xfrm>
+            <a:prstGeom prst="straightConnector1">
+              <a:avLst/>
+            </a:prstGeom>
+            <a:ln>
+              <a:tailEnd type="triangle"/>
+            </a:ln>
+          </p:spPr>
+          <p:style>
+            <a:lnRef idx="1">
+              <a:schemeClr val="accent1"/>
+            </a:lnRef>
+            <a:fillRef idx="0">
+              <a:schemeClr val="accent1"/>
+            </a:fillRef>
+            <a:effectRef idx="0">
+              <a:schemeClr val="accent1"/>
+            </a:effectRef>
+            <a:fontRef idx="minor">
+              <a:schemeClr val="tx1"/>
+            </a:fontRef>
+          </p:style>
+        </p:cxnSp>
+        <p:cxnSp>
+          <p:nvCxnSpPr>
+            <p:cNvPr id="461" name="Gerade Verbindung mit Pfeil 460"/>
+            <p:cNvCxnSpPr/>
+            <p:nvPr/>
+          </p:nvCxnSpPr>
+          <p:spPr>
+            <a:xfrm flipH="1" flipV="1">
+              <a:off x="3449495" y="4788417"/>
+              <a:ext cx="6051" cy="1237777"/>
+            </a:xfrm>
+            <a:prstGeom prst="straightConnector1">
+              <a:avLst/>
+            </a:prstGeom>
+            <a:ln>
+              <a:tailEnd type="triangle"/>
+            </a:ln>
+          </p:spPr>
+          <p:style>
+            <a:lnRef idx="1">
+              <a:schemeClr val="accent1"/>
+            </a:lnRef>
+            <a:fillRef idx="0">
+              <a:schemeClr val="accent1"/>
+            </a:fillRef>
+            <a:effectRef idx="0">
+              <a:schemeClr val="accent1"/>
+            </a:effectRef>
+            <a:fontRef idx="minor">
+              <a:schemeClr val="tx1"/>
+            </a:fontRef>
+          </p:style>
+        </p:cxnSp>
+        <p:sp>
+          <p:nvSpPr>
+            <p:cNvPr id="55" name="Rechteck 54"/>
+            <p:cNvSpPr/>
+            <p:nvPr/>
+          </p:nvSpPr>
+          <p:spPr>
+            <a:xfrm>
+              <a:off x="3683680" y="5807390"/>
+              <a:ext cx="98223" cy="51384"/>
+            </a:xfrm>
+            <a:prstGeom prst="rect">
+              <a:avLst/>
+            </a:prstGeom>
+            <a:solidFill>
+              <a:schemeClr val="accent2"/>
+            </a:solidFill>
+          </p:spPr>
+          <p:style>
+            <a:lnRef idx="2">
+              <a:schemeClr val="accent1">
+                <a:shade val="50000"/>
+              </a:schemeClr>
+            </a:lnRef>
+            <a:fillRef idx="1">
+              <a:schemeClr val="accent1"/>
+            </a:fillRef>
+            <a:effectRef idx="0">
+              <a:schemeClr val="accent1"/>
+            </a:effectRef>
+            <a:fontRef idx="minor">
+              <a:schemeClr val="lt1"/>
+            </a:fontRef>
+          </p:style>
+          <p:txBody>
+            <a:bodyPr rtlCol="0" anchor="ctr"/>
+            <a:lstStyle/>
+            <a:p>
+              <a:pPr algn="ctr"/>
+              <a:endParaRPr lang="en-US"/>
+            </a:p>
+          </p:txBody>
+        </p:sp>
+        <p:sp>
+          <p:nvSpPr>
+            <p:cNvPr id="483" name="Rechteck 482"/>
+            <p:cNvSpPr/>
+            <p:nvPr/>
+          </p:nvSpPr>
+          <p:spPr>
+            <a:xfrm>
+              <a:off x="3830868" y="5709052"/>
+              <a:ext cx="98223" cy="145440"/>
+            </a:xfrm>
+            <a:prstGeom prst="rect">
+              <a:avLst/>
+            </a:prstGeom>
+            <a:solidFill>
+              <a:schemeClr val="accent2"/>
+            </a:solidFill>
+          </p:spPr>
+          <p:style>
+            <a:lnRef idx="2">
+              <a:schemeClr val="accent1">
+                <a:shade val="50000"/>
+              </a:schemeClr>
+            </a:lnRef>
+            <a:fillRef idx="1">
+              <a:schemeClr val="accent1"/>
+            </a:fillRef>
+            <a:effectRef idx="0">
+              <a:schemeClr val="accent1"/>
+            </a:effectRef>
+            <a:fontRef idx="minor">
+              <a:schemeClr val="lt1"/>
+            </a:fontRef>
+          </p:style>
+          <p:txBody>
+            <a:bodyPr rtlCol="0" anchor="ctr"/>
+            <a:lstStyle/>
+            <a:p>
+              <a:pPr algn="ctr"/>
+              <a:endParaRPr lang="en-US"/>
+            </a:p>
+          </p:txBody>
+        </p:sp>
+        <p:sp>
+          <p:nvSpPr>
+            <p:cNvPr id="484" name="Rechteck 483"/>
+            <p:cNvSpPr/>
+            <p:nvPr/>
+          </p:nvSpPr>
+          <p:spPr>
+            <a:xfrm>
+              <a:off x="3978056" y="5596140"/>
+              <a:ext cx="98223" cy="254070"/>
+            </a:xfrm>
+            <a:prstGeom prst="rect">
+              <a:avLst/>
+            </a:prstGeom>
+            <a:solidFill>
+              <a:schemeClr val="accent2"/>
+            </a:solidFill>
+          </p:spPr>
+          <p:style>
+            <a:lnRef idx="2">
+              <a:schemeClr val="accent1">
+                <a:shade val="50000"/>
+              </a:schemeClr>
+            </a:lnRef>
+            <a:fillRef idx="1">
+              <a:schemeClr val="accent1"/>
+            </a:fillRef>
+            <a:effectRef idx="0">
+              <a:schemeClr val="accent1"/>
+            </a:effectRef>
+            <a:fontRef idx="minor">
+              <a:schemeClr val="lt1"/>
+            </a:fontRef>
+          </p:style>
+          <p:txBody>
+            <a:bodyPr rtlCol="0" anchor="ctr"/>
+            <a:lstStyle/>
+            <a:p>
+              <a:pPr algn="ctr"/>
+              <a:endParaRPr lang="en-US"/>
+            </a:p>
+          </p:txBody>
+        </p:sp>
+        <p:sp>
+          <p:nvSpPr>
+            <p:cNvPr id="485" name="Rechteck 484"/>
+            <p:cNvSpPr/>
+            <p:nvPr/>
+          </p:nvSpPr>
+          <p:spPr>
+            <a:xfrm>
+              <a:off x="4125244" y="5596140"/>
+              <a:ext cx="98223" cy="249788"/>
+            </a:xfrm>
+            <a:prstGeom prst="rect">
+              <a:avLst/>
+            </a:prstGeom>
+            <a:solidFill>
+              <a:schemeClr val="accent2"/>
+            </a:solidFill>
+          </p:spPr>
+          <p:style>
+            <a:lnRef idx="2">
+              <a:schemeClr val="accent1">
+                <a:shade val="50000"/>
+              </a:schemeClr>
+            </a:lnRef>
+            <a:fillRef idx="1">
+              <a:schemeClr val="accent1"/>
+            </a:fillRef>
+            <a:effectRef idx="0">
+              <a:schemeClr val="accent1"/>
+            </a:effectRef>
+            <a:fontRef idx="minor">
+              <a:schemeClr val="lt1"/>
+            </a:fontRef>
+          </p:style>
+          <p:txBody>
+            <a:bodyPr rtlCol="0" anchor="ctr"/>
+            <a:lstStyle/>
+            <a:p>
+              <a:pPr algn="ctr"/>
+              <a:endParaRPr lang="en-US"/>
+            </a:p>
+          </p:txBody>
+        </p:sp>
+        <p:sp>
+          <p:nvSpPr>
+            <p:cNvPr id="486" name="Rechteck 485"/>
+            <p:cNvSpPr/>
+            <p:nvPr/>
+          </p:nvSpPr>
+          <p:spPr>
+            <a:xfrm>
+              <a:off x="4272432" y="5709052"/>
+              <a:ext cx="98223" cy="132594"/>
+            </a:xfrm>
+            <a:prstGeom prst="rect">
+              <a:avLst/>
+            </a:prstGeom>
+            <a:solidFill>
+              <a:schemeClr val="accent2"/>
+            </a:solidFill>
+          </p:spPr>
+          <p:style>
+            <a:lnRef idx="2">
+              <a:schemeClr val="accent1">
+                <a:shade val="50000"/>
+              </a:schemeClr>
+            </a:lnRef>
+            <a:fillRef idx="1">
+              <a:schemeClr val="accent1"/>
+            </a:fillRef>
+            <a:effectRef idx="0">
+              <a:schemeClr val="accent1"/>
+            </a:effectRef>
+            <a:fontRef idx="minor">
+              <a:schemeClr val="lt1"/>
+            </a:fontRef>
+          </p:style>
+          <p:txBody>
+            <a:bodyPr rtlCol="0" anchor="ctr"/>
+            <a:lstStyle/>
+            <a:p>
+              <a:pPr algn="ctr"/>
+              <a:endParaRPr lang="en-US"/>
+            </a:p>
+          </p:txBody>
+        </p:sp>
+        <p:sp>
+          <p:nvSpPr>
+            <p:cNvPr id="487" name="Rechteck 486"/>
+            <p:cNvSpPr/>
+            <p:nvPr/>
+          </p:nvSpPr>
+          <p:spPr>
+            <a:xfrm>
+              <a:off x="4419620" y="5650523"/>
+              <a:ext cx="98223" cy="186841"/>
+            </a:xfrm>
+            <a:prstGeom prst="rect">
+              <a:avLst/>
+            </a:prstGeom>
+            <a:solidFill>
+              <a:schemeClr val="accent2"/>
+            </a:solidFill>
+          </p:spPr>
+          <p:style>
+            <a:lnRef idx="2">
+              <a:schemeClr val="accent1">
+                <a:shade val="50000"/>
+              </a:schemeClr>
+            </a:lnRef>
+            <a:fillRef idx="1">
+              <a:schemeClr val="accent1"/>
+            </a:fillRef>
+            <a:effectRef idx="0">
+              <a:schemeClr val="accent1"/>
+            </a:effectRef>
+            <a:fontRef idx="minor">
+              <a:schemeClr val="lt1"/>
+            </a:fontRef>
+          </p:style>
+          <p:txBody>
+            <a:bodyPr rtlCol="0" anchor="ctr"/>
+            <a:lstStyle/>
+            <a:p>
+              <a:pPr algn="ctr"/>
+              <a:endParaRPr lang="en-US"/>
+            </a:p>
+          </p:txBody>
+        </p:sp>
+        <p:sp>
+          <p:nvSpPr>
+            <p:cNvPr id="488" name="Rechteck 487"/>
+            <p:cNvSpPr/>
+            <p:nvPr/>
+          </p:nvSpPr>
+          <p:spPr>
+            <a:xfrm>
+              <a:off x="4566808" y="5581120"/>
+              <a:ext cx="98223" cy="251962"/>
+            </a:xfrm>
+            <a:prstGeom prst="rect">
+              <a:avLst/>
+            </a:prstGeom>
+            <a:solidFill>
+              <a:schemeClr val="accent2"/>
+            </a:solidFill>
+          </p:spPr>
+          <p:style>
+            <a:lnRef idx="2">
+              <a:schemeClr val="accent1">
+                <a:shade val="50000"/>
+              </a:schemeClr>
+            </a:lnRef>
+            <a:fillRef idx="1">
+              <a:schemeClr val="accent1"/>
+            </a:fillRef>
+            <a:effectRef idx="0">
+              <a:schemeClr val="accent1"/>
+            </a:effectRef>
+            <a:fontRef idx="minor">
+              <a:schemeClr val="lt1"/>
+            </a:fontRef>
+          </p:style>
+          <p:txBody>
+            <a:bodyPr rtlCol="0" anchor="ctr"/>
+            <a:lstStyle/>
+            <a:p>
+              <a:pPr algn="ctr"/>
+              <a:endParaRPr lang="en-US"/>
+            </a:p>
+          </p:txBody>
+        </p:sp>
+        <p:sp>
+          <p:nvSpPr>
+            <p:cNvPr id="489" name="Rechteck 488"/>
+            <p:cNvSpPr/>
+            <p:nvPr/>
+          </p:nvSpPr>
+          <p:spPr>
+            <a:xfrm>
+              <a:off x="4713996" y="5417618"/>
+              <a:ext cx="98223" cy="411182"/>
+            </a:xfrm>
+            <a:prstGeom prst="rect">
+              <a:avLst/>
+            </a:prstGeom>
+            <a:solidFill>
+              <a:schemeClr val="accent2"/>
+            </a:solidFill>
+          </p:spPr>
+          <p:style>
+            <a:lnRef idx="2">
+              <a:schemeClr val="accent1">
+                <a:shade val="50000"/>
+              </a:schemeClr>
+            </a:lnRef>
+            <a:fillRef idx="1">
+              <a:schemeClr val="accent1"/>
+            </a:fillRef>
+            <a:effectRef idx="0">
+              <a:schemeClr val="accent1"/>
+            </a:effectRef>
+            <a:fontRef idx="minor">
+              <a:schemeClr val="lt1"/>
+            </a:fontRef>
+          </p:style>
+          <p:txBody>
+            <a:bodyPr rtlCol="0" anchor="ctr"/>
+            <a:lstStyle/>
+            <a:p>
+              <a:pPr algn="ctr"/>
+              <a:endParaRPr lang="en-US"/>
+            </a:p>
+          </p:txBody>
+        </p:sp>
+        <p:sp>
+          <p:nvSpPr>
+            <p:cNvPr id="490" name="Rechteck 489"/>
+            <p:cNvSpPr/>
+            <p:nvPr/>
+          </p:nvSpPr>
+          <p:spPr>
+            <a:xfrm>
+              <a:off x="4861184" y="5220505"/>
+              <a:ext cx="98223" cy="604014"/>
+            </a:xfrm>
+            <a:prstGeom prst="rect">
+              <a:avLst/>
+            </a:prstGeom>
+            <a:solidFill>
+              <a:schemeClr val="accent2"/>
+            </a:solidFill>
+          </p:spPr>
+          <p:style>
+            <a:lnRef idx="2">
+              <a:schemeClr val="accent1">
+                <a:shade val="50000"/>
+              </a:schemeClr>
+            </a:lnRef>
+            <a:fillRef idx="1">
+              <a:schemeClr val="accent1"/>
+            </a:fillRef>
+            <a:effectRef idx="0">
+              <a:schemeClr val="accent1"/>
+            </a:effectRef>
+            <a:fontRef idx="minor">
+              <a:schemeClr val="lt1"/>
+            </a:fontRef>
+          </p:style>
+          <p:txBody>
+            <a:bodyPr rtlCol="0" anchor="ctr"/>
+            <a:lstStyle/>
+            <a:p>
+              <a:pPr algn="ctr"/>
+              <a:endParaRPr lang="en-US"/>
+            </a:p>
+          </p:txBody>
+        </p:sp>
+        <p:sp>
+          <p:nvSpPr>
+            <p:cNvPr id="491" name="Rechteck 490"/>
+            <p:cNvSpPr/>
+            <p:nvPr/>
+          </p:nvSpPr>
+          <p:spPr>
+            <a:xfrm>
+              <a:off x="5008372" y="5178177"/>
+              <a:ext cx="98223" cy="642059"/>
+            </a:xfrm>
+            <a:prstGeom prst="rect">
+              <a:avLst/>
+            </a:prstGeom>
+            <a:solidFill>
+              <a:schemeClr val="accent2"/>
+            </a:solidFill>
+          </p:spPr>
+          <p:style>
+            <a:lnRef idx="2">
+              <a:schemeClr val="accent1">
+                <a:shade val="50000"/>
+              </a:schemeClr>
+            </a:lnRef>
+            <a:fillRef idx="1">
+              <a:schemeClr val="accent1"/>
+            </a:fillRef>
+            <a:effectRef idx="0">
+              <a:schemeClr val="accent1"/>
+            </a:effectRef>
+            <a:fontRef idx="minor">
+              <a:schemeClr val="lt1"/>
+            </a:fontRef>
+          </p:style>
+          <p:txBody>
+            <a:bodyPr rtlCol="0" anchor="ctr"/>
+            <a:lstStyle/>
+            <a:p>
+              <a:pPr algn="ctr"/>
+              <a:endParaRPr lang="en-US"/>
+            </a:p>
+          </p:txBody>
+        </p:sp>
+        <p:sp>
+          <p:nvSpPr>
+            <p:cNvPr id="492" name="Rechteck 491"/>
+            <p:cNvSpPr/>
+            <p:nvPr/>
+          </p:nvSpPr>
+          <p:spPr>
+            <a:xfrm>
+              <a:off x="5155560" y="5254978"/>
+              <a:ext cx="98223" cy="560976"/>
+            </a:xfrm>
+            <a:prstGeom prst="rect">
+              <a:avLst/>
+            </a:prstGeom>
+            <a:solidFill>
+              <a:schemeClr val="accent2"/>
+            </a:solidFill>
+          </p:spPr>
+          <p:style>
+            <a:lnRef idx="2">
+              <a:schemeClr val="accent1">
+                <a:shade val="50000"/>
+              </a:schemeClr>
+            </a:lnRef>
+            <a:fillRef idx="1">
+              <a:schemeClr val="accent1"/>
+            </a:fillRef>
+            <a:effectRef idx="0">
+              <a:schemeClr val="accent1"/>
+            </a:effectRef>
+            <a:fontRef idx="minor">
+              <a:schemeClr val="lt1"/>
+            </a:fontRef>
+          </p:style>
+          <p:txBody>
+            <a:bodyPr rtlCol="0" anchor="ctr"/>
+            <a:lstStyle/>
+            <a:p>
+              <a:pPr algn="ctr"/>
+              <a:endParaRPr lang="en-US"/>
+            </a:p>
+          </p:txBody>
+        </p:sp>
+        <p:sp>
+          <p:nvSpPr>
+            <p:cNvPr id="493" name="Rechteck 492"/>
+            <p:cNvSpPr/>
+            <p:nvPr/>
+          </p:nvSpPr>
+          <p:spPr>
+            <a:xfrm>
+              <a:off x="5302748" y="5596140"/>
+              <a:ext cx="98223" cy="215532"/>
+            </a:xfrm>
+            <a:prstGeom prst="rect">
+              <a:avLst/>
+            </a:prstGeom>
+            <a:solidFill>
+              <a:schemeClr val="accent2"/>
+            </a:solidFill>
+          </p:spPr>
+          <p:style>
+            <a:lnRef idx="2">
+              <a:schemeClr val="accent1">
+                <a:shade val="50000"/>
+              </a:schemeClr>
+            </a:lnRef>
+            <a:fillRef idx="1">
+              <a:schemeClr val="accent1"/>
+            </a:fillRef>
+            <a:effectRef idx="0">
+              <a:schemeClr val="accent1"/>
+            </a:effectRef>
+            <a:fontRef idx="minor">
+              <a:schemeClr val="lt1"/>
+            </a:fontRef>
+          </p:style>
+          <p:txBody>
+            <a:bodyPr rtlCol="0" anchor="ctr"/>
+            <a:lstStyle/>
+            <a:p>
+              <a:pPr algn="ctr"/>
+              <a:endParaRPr lang="en-US"/>
+            </a:p>
+          </p:txBody>
+        </p:sp>
+        <p:sp>
+          <p:nvSpPr>
+            <p:cNvPr id="494" name="Rechteck 493"/>
+            <p:cNvSpPr/>
+            <p:nvPr/>
+          </p:nvSpPr>
+          <p:spPr>
+            <a:xfrm>
+              <a:off x="5449936" y="5661378"/>
+              <a:ext cx="98223" cy="146012"/>
+            </a:xfrm>
+            <a:prstGeom prst="rect">
+              <a:avLst/>
+            </a:prstGeom>
+            <a:solidFill>
+              <a:schemeClr val="accent2"/>
+            </a:solidFill>
+          </p:spPr>
+          <p:style>
+            <a:lnRef idx="2">
+              <a:schemeClr val="accent1">
+                <a:shade val="50000"/>
+              </a:schemeClr>
+            </a:lnRef>
+            <a:fillRef idx="1">
+              <a:schemeClr val="accent1"/>
+            </a:fillRef>
+            <a:effectRef idx="0">
+              <a:schemeClr val="accent1"/>
+            </a:effectRef>
+            <a:fontRef idx="minor">
+              <a:schemeClr val="lt1"/>
+            </a:fontRef>
+          </p:style>
+          <p:txBody>
+            <a:bodyPr rtlCol="0" anchor="ctr"/>
+            <a:lstStyle/>
+            <a:p>
+              <a:pPr algn="ctr"/>
+              <a:endParaRPr lang="en-US"/>
+            </a:p>
+          </p:txBody>
+        </p:sp>
+      </p:grpSp>
+      <p:grpSp>
+        <p:nvGrpSpPr>
+          <p:cNvPr id="495" name="Gruppieren 494"/>
+          <p:cNvGrpSpPr/>
+          <p:nvPr/>
+        </p:nvGrpSpPr>
+        <p:grpSpPr>
+          <a:xfrm>
+            <a:off x="6293315" y="4809202"/>
+            <a:ext cx="2407474" cy="1237777"/>
+            <a:chOff x="3303146" y="4788417"/>
+            <a:chExt cx="2407474" cy="1237777"/>
+          </a:xfrm>
+        </p:grpSpPr>
+        <p:cxnSp>
+          <p:nvCxnSpPr>
+            <p:cNvPr id="496" name="Gerade Verbindung mit Pfeil 495"/>
+            <p:cNvCxnSpPr/>
+            <p:nvPr/>
+          </p:nvCxnSpPr>
+          <p:spPr>
+            <a:xfrm>
+              <a:off x="3303146" y="5873794"/>
+              <a:ext cx="2407474" cy="0"/>
+            </a:xfrm>
+            <a:prstGeom prst="straightConnector1">
+              <a:avLst/>
+            </a:prstGeom>
+            <a:ln>
+              <a:tailEnd type="triangle"/>
+            </a:ln>
+          </p:spPr>
+          <p:style>
+            <a:lnRef idx="1">
+              <a:schemeClr val="accent1"/>
+            </a:lnRef>
+            <a:fillRef idx="0">
+              <a:schemeClr val="accent1"/>
+            </a:fillRef>
+            <a:effectRef idx="0">
+              <a:schemeClr val="accent1"/>
+            </a:effectRef>
+            <a:fontRef idx="minor">
+              <a:schemeClr val="tx1"/>
+            </a:fontRef>
+          </p:style>
+        </p:cxnSp>
+        <p:cxnSp>
+          <p:nvCxnSpPr>
+            <p:cNvPr id="497" name="Gerade Verbindung mit Pfeil 496"/>
+            <p:cNvCxnSpPr/>
+            <p:nvPr/>
+          </p:nvCxnSpPr>
+          <p:spPr>
+            <a:xfrm flipH="1" flipV="1">
+              <a:off x="3449495" y="4788417"/>
+              <a:ext cx="6051" cy="1237777"/>
+            </a:xfrm>
+            <a:prstGeom prst="straightConnector1">
+              <a:avLst/>
+            </a:prstGeom>
+            <a:ln>
+              <a:tailEnd type="triangle"/>
+            </a:ln>
+          </p:spPr>
+          <p:style>
+            <a:lnRef idx="1">
+              <a:schemeClr val="accent1"/>
+            </a:lnRef>
+            <a:fillRef idx="0">
+              <a:schemeClr val="accent1"/>
+            </a:fillRef>
+            <a:effectRef idx="0">
+              <a:schemeClr val="accent1"/>
+            </a:effectRef>
+            <a:fontRef idx="minor">
+              <a:schemeClr val="tx1"/>
+            </a:fontRef>
+          </p:style>
+        </p:cxnSp>
+        <p:sp>
+          <p:nvSpPr>
+            <p:cNvPr id="498" name="Rechteck 497"/>
+            <p:cNvSpPr/>
+            <p:nvPr/>
+          </p:nvSpPr>
+          <p:spPr>
+            <a:xfrm>
+              <a:off x="3683680" y="5807390"/>
+              <a:ext cx="98223" cy="51384"/>
+            </a:xfrm>
+            <a:prstGeom prst="rect">
+              <a:avLst/>
+            </a:prstGeom>
+            <a:solidFill>
+              <a:schemeClr val="accent2"/>
+            </a:solidFill>
+          </p:spPr>
+          <p:style>
+            <a:lnRef idx="2">
+              <a:schemeClr val="accent1">
+                <a:shade val="50000"/>
+              </a:schemeClr>
+            </a:lnRef>
+            <a:fillRef idx="1">
+              <a:schemeClr val="accent1"/>
+            </a:fillRef>
+            <a:effectRef idx="0">
+              <a:schemeClr val="accent1"/>
+            </a:effectRef>
+            <a:fontRef idx="minor">
+              <a:schemeClr val="lt1"/>
+            </a:fontRef>
+          </p:style>
+          <p:txBody>
+            <a:bodyPr rtlCol="0" anchor="ctr"/>
+            <a:lstStyle/>
+            <a:p>
+              <a:pPr algn="ctr"/>
+              <a:endParaRPr lang="en-US"/>
+            </a:p>
+          </p:txBody>
+        </p:sp>
+        <p:sp>
+          <p:nvSpPr>
+            <p:cNvPr id="499" name="Rechteck 498"/>
+            <p:cNvSpPr/>
+            <p:nvPr/>
+          </p:nvSpPr>
+          <p:spPr>
+            <a:xfrm>
+              <a:off x="3830868" y="5709052"/>
+              <a:ext cx="98223" cy="145440"/>
+            </a:xfrm>
+            <a:prstGeom prst="rect">
+              <a:avLst/>
+            </a:prstGeom>
+            <a:solidFill>
+              <a:schemeClr val="accent2"/>
+            </a:solidFill>
+          </p:spPr>
+          <p:style>
+            <a:lnRef idx="2">
+              <a:schemeClr val="accent1">
+                <a:shade val="50000"/>
+              </a:schemeClr>
+            </a:lnRef>
+            <a:fillRef idx="1">
+              <a:schemeClr val="accent1"/>
+            </a:fillRef>
+            <a:effectRef idx="0">
+              <a:schemeClr val="accent1"/>
+            </a:effectRef>
+            <a:fontRef idx="minor">
+              <a:schemeClr val="lt1"/>
+            </a:fontRef>
+          </p:style>
+          <p:txBody>
+            <a:bodyPr rtlCol="0" anchor="ctr"/>
+            <a:lstStyle/>
+            <a:p>
+              <a:pPr algn="ctr"/>
+              <a:endParaRPr lang="en-US"/>
+            </a:p>
+          </p:txBody>
+        </p:sp>
+        <p:sp>
+          <p:nvSpPr>
+            <p:cNvPr id="500" name="Rechteck 499"/>
+            <p:cNvSpPr/>
+            <p:nvPr/>
+          </p:nvSpPr>
+          <p:spPr>
+            <a:xfrm>
+              <a:off x="3978056" y="5596140"/>
+              <a:ext cx="98223" cy="254070"/>
+            </a:xfrm>
+            <a:prstGeom prst="rect">
+              <a:avLst/>
+            </a:prstGeom>
+            <a:solidFill>
+              <a:schemeClr val="accent2"/>
+            </a:solidFill>
+          </p:spPr>
+          <p:style>
+            <a:lnRef idx="2">
+              <a:schemeClr val="accent1">
+                <a:shade val="50000"/>
+              </a:schemeClr>
+            </a:lnRef>
+            <a:fillRef idx="1">
+              <a:schemeClr val="accent1"/>
+            </a:fillRef>
+            <a:effectRef idx="0">
+              <a:schemeClr val="accent1"/>
+            </a:effectRef>
+            <a:fontRef idx="minor">
+              <a:schemeClr val="lt1"/>
+            </a:fontRef>
+          </p:style>
+          <p:txBody>
+            <a:bodyPr rtlCol="0" anchor="ctr"/>
+            <a:lstStyle/>
+            <a:p>
+              <a:pPr algn="ctr"/>
+              <a:endParaRPr lang="en-US"/>
+            </a:p>
+          </p:txBody>
+        </p:sp>
+        <p:sp>
+          <p:nvSpPr>
+            <p:cNvPr id="501" name="Rechteck 500"/>
+            <p:cNvSpPr/>
+            <p:nvPr/>
+          </p:nvSpPr>
+          <p:spPr>
+            <a:xfrm>
+              <a:off x="4125244" y="5596140"/>
+              <a:ext cx="98223" cy="249788"/>
+            </a:xfrm>
+            <a:prstGeom prst="rect">
+              <a:avLst/>
+            </a:prstGeom>
+            <a:solidFill>
+              <a:schemeClr val="accent2"/>
+            </a:solidFill>
+          </p:spPr>
+          <p:style>
+            <a:lnRef idx="2">
+              <a:schemeClr val="accent1">
+                <a:shade val="50000"/>
+              </a:schemeClr>
+            </a:lnRef>
+            <a:fillRef idx="1">
+              <a:schemeClr val="accent1"/>
+            </a:fillRef>
+            <a:effectRef idx="0">
+              <a:schemeClr val="accent1"/>
+            </a:effectRef>
+            <a:fontRef idx="minor">
+              <a:schemeClr val="lt1"/>
+            </a:fontRef>
+          </p:style>
+          <p:txBody>
+            <a:bodyPr rtlCol="0" anchor="ctr"/>
+            <a:lstStyle/>
+            <a:p>
+              <a:pPr algn="ctr"/>
+              <a:endParaRPr lang="en-US"/>
+            </a:p>
+          </p:txBody>
+        </p:sp>
+        <p:sp>
+          <p:nvSpPr>
+            <p:cNvPr id="502" name="Rechteck 501"/>
+            <p:cNvSpPr/>
+            <p:nvPr/>
+          </p:nvSpPr>
+          <p:spPr>
+            <a:xfrm>
+              <a:off x="4272432" y="5709052"/>
+              <a:ext cx="98223" cy="132594"/>
+            </a:xfrm>
+            <a:prstGeom prst="rect">
+              <a:avLst/>
+            </a:prstGeom>
+            <a:solidFill>
+              <a:schemeClr val="accent2"/>
+            </a:solidFill>
+          </p:spPr>
+          <p:style>
+            <a:lnRef idx="2">
+              <a:schemeClr val="accent1">
+                <a:shade val="50000"/>
+              </a:schemeClr>
+            </a:lnRef>
+            <a:fillRef idx="1">
+              <a:schemeClr val="accent1"/>
+            </a:fillRef>
+            <a:effectRef idx="0">
+              <a:schemeClr val="accent1"/>
+            </a:effectRef>
+            <a:fontRef idx="minor">
+              <a:schemeClr val="lt1"/>
+            </a:fontRef>
+          </p:style>
+          <p:txBody>
+            <a:bodyPr rtlCol="0" anchor="ctr"/>
+            <a:lstStyle/>
+            <a:p>
+              <a:pPr algn="ctr"/>
+              <a:endParaRPr lang="en-US"/>
+            </a:p>
+          </p:txBody>
+        </p:sp>
+        <p:sp>
+          <p:nvSpPr>
+            <p:cNvPr id="540" name="Rechteck 539"/>
+            <p:cNvSpPr/>
+            <p:nvPr/>
+          </p:nvSpPr>
+          <p:spPr>
+            <a:xfrm>
+              <a:off x="4419620" y="5650523"/>
+              <a:ext cx="98223" cy="186841"/>
+            </a:xfrm>
+            <a:prstGeom prst="rect">
+              <a:avLst/>
+            </a:prstGeom>
+            <a:solidFill>
+              <a:schemeClr val="accent2"/>
+            </a:solidFill>
+          </p:spPr>
+          <p:style>
+            <a:lnRef idx="2">
+              <a:schemeClr val="accent1">
+                <a:shade val="50000"/>
+              </a:schemeClr>
+            </a:lnRef>
+            <a:fillRef idx="1">
+              <a:schemeClr val="accent1"/>
+            </a:fillRef>
+            <a:effectRef idx="0">
+              <a:schemeClr val="accent1"/>
+            </a:effectRef>
+            <a:fontRef idx="minor">
+              <a:schemeClr val="lt1"/>
+            </a:fontRef>
+          </p:style>
+          <p:txBody>
+            <a:bodyPr rtlCol="0" anchor="ctr"/>
+            <a:lstStyle/>
+            <a:p>
+              <a:pPr algn="ctr"/>
+              <a:endParaRPr lang="en-US"/>
+            </a:p>
+          </p:txBody>
+        </p:sp>
+        <p:sp>
+          <p:nvSpPr>
+            <p:cNvPr id="541" name="Rechteck 540"/>
+            <p:cNvSpPr/>
+            <p:nvPr/>
+          </p:nvSpPr>
+          <p:spPr>
+            <a:xfrm>
+              <a:off x="4566808" y="5581120"/>
+              <a:ext cx="98223" cy="251962"/>
+            </a:xfrm>
+            <a:prstGeom prst="rect">
+              <a:avLst/>
+            </a:prstGeom>
+            <a:solidFill>
+              <a:schemeClr val="accent2"/>
+            </a:solidFill>
+          </p:spPr>
+          <p:style>
+            <a:lnRef idx="2">
+              <a:schemeClr val="accent1">
+                <a:shade val="50000"/>
+              </a:schemeClr>
+            </a:lnRef>
+            <a:fillRef idx="1">
+              <a:schemeClr val="accent1"/>
+            </a:fillRef>
+            <a:effectRef idx="0">
+              <a:schemeClr val="accent1"/>
+            </a:effectRef>
+            <a:fontRef idx="minor">
+              <a:schemeClr val="lt1"/>
+            </a:fontRef>
+          </p:style>
+          <p:txBody>
+            <a:bodyPr rtlCol="0" anchor="ctr"/>
+            <a:lstStyle/>
+            <a:p>
+              <a:pPr algn="ctr"/>
+              <a:endParaRPr lang="en-US"/>
+            </a:p>
+          </p:txBody>
+        </p:sp>
+        <p:sp>
+          <p:nvSpPr>
+            <p:cNvPr id="542" name="Rechteck 541"/>
+            <p:cNvSpPr/>
+            <p:nvPr/>
+          </p:nvSpPr>
+          <p:spPr>
+            <a:xfrm>
+              <a:off x="4713996" y="5417618"/>
+              <a:ext cx="98223" cy="411182"/>
+            </a:xfrm>
+            <a:prstGeom prst="rect">
+              <a:avLst/>
+            </a:prstGeom>
+            <a:solidFill>
+              <a:schemeClr val="accent2"/>
+            </a:solidFill>
+          </p:spPr>
+          <p:style>
+            <a:lnRef idx="2">
+              <a:schemeClr val="accent1">
+                <a:shade val="50000"/>
+              </a:schemeClr>
+            </a:lnRef>
+            <a:fillRef idx="1">
+              <a:schemeClr val="accent1"/>
+            </a:fillRef>
+            <a:effectRef idx="0">
+              <a:schemeClr val="accent1"/>
+            </a:effectRef>
+            <a:fontRef idx="minor">
+              <a:schemeClr val="lt1"/>
+            </a:fontRef>
+          </p:style>
+          <p:txBody>
+            <a:bodyPr rtlCol="0" anchor="ctr"/>
+            <a:lstStyle/>
+            <a:p>
+              <a:pPr algn="ctr"/>
+              <a:endParaRPr lang="en-US"/>
+            </a:p>
+          </p:txBody>
+        </p:sp>
+        <p:sp>
+          <p:nvSpPr>
+            <p:cNvPr id="543" name="Rechteck 542"/>
+            <p:cNvSpPr/>
+            <p:nvPr/>
+          </p:nvSpPr>
+          <p:spPr>
+            <a:xfrm>
+              <a:off x="4861184" y="5220505"/>
+              <a:ext cx="98223" cy="604014"/>
+            </a:xfrm>
+            <a:prstGeom prst="rect">
+              <a:avLst/>
+            </a:prstGeom>
+            <a:solidFill>
+              <a:schemeClr val="accent2"/>
+            </a:solidFill>
+          </p:spPr>
+          <p:style>
+            <a:lnRef idx="2">
+              <a:schemeClr val="accent1">
+                <a:shade val="50000"/>
+              </a:schemeClr>
+            </a:lnRef>
+            <a:fillRef idx="1">
+              <a:schemeClr val="accent1"/>
+            </a:fillRef>
+            <a:effectRef idx="0">
+              <a:schemeClr val="accent1"/>
+            </a:effectRef>
+            <a:fontRef idx="minor">
+              <a:schemeClr val="lt1"/>
+            </a:fontRef>
+          </p:style>
+          <p:txBody>
+            <a:bodyPr rtlCol="0" anchor="ctr"/>
+            <a:lstStyle/>
+            <a:p>
+              <a:pPr algn="ctr"/>
+              <a:endParaRPr lang="en-US"/>
+            </a:p>
+          </p:txBody>
+        </p:sp>
+        <p:sp>
+          <p:nvSpPr>
+            <p:cNvPr id="544" name="Rechteck 543"/>
+            <p:cNvSpPr/>
+            <p:nvPr/>
+          </p:nvSpPr>
+          <p:spPr>
+            <a:xfrm>
+              <a:off x="5008372" y="5178177"/>
+              <a:ext cx="98223" cy="642059"/>
+            </a:xfrm>
+            <a:prstGeom prst="rect">
+              <a:avLst/>
+            </a:prstGeom>
+            <a:solidFill>
+              <a:schemeClr val="accent2"/>
+            </a:solidFill>
+          </p:spPr>
+          <p:style>
+            <a:lnRef idx="2">
+              <a:schemeClr val="accent1">
+                <a:shade val="50000"/>
+              </a:schemeClr>
+            </a:lnRef>
+            <a:fillRef idx="1">
+              <a:schemeClr val="accent1"/>
+            </a:fillRef>
+            <a:effectRef idx="0">
+              <a:schemeClr val="accent1"/>
+            </a:effectRef>
+            <a:fontRef idx="minor">
+              <a:schemeClr val="lt1"/>
+            </a:fontRef>
+          </p:style>
+          <p:txBody>
+            <a:bodyPr rtlCol="0" anchor="ctr"/>
+            <a:lstStyle/>
+            <a:p>
+              <a:pPr algn="ctr"/>
+              <a:endParaRPr lang="en-US"/>
+            </a:p>
+          </p:txBody>
+        </p:sp>
+        <p:sp>
+          <p:nvSpPr>
+            <p:cNvPr id="545" name="Rechteck 544"/>
+            <p:cNvSpPr/>
+            <p:nvPr/>
+          </p:nvSpPr>
+          <p:spPr>
+            <a:xfrm>
+              <a:off x="5155560" y="5254978"/>
+              <a:ext cx="98223" cy="560976"/>
+            </a:xfrm>
+            <a:prstGeom prst="rect">
+              <a:avLst/>
+            </a:prstGeom>
+            <a:solidFill>
+              <a:schemeClr val="accent2"/>
+            </a:solidFill>
+          </p:spPr>
+          <p:style>
+            <a:lnRef idx="2">
+              <a:schemeClr val="accent1">
+                <a:shade val="50000"/>
+              </a:schemeClr>
+            </a:lnRef>
+            <a:fillRef idx="1">
+              <a:schemeClr val="accent1"/>
+            </a:fillRef>
+            <a:effectRef idx="0">
+              <a:schemeClr val="accent1"/>
+            </a:effectRef>
+            <a:fontRef idx="minor">
+              <a:schemeClr val="lt1"/>
+            </a:fontRef>
+          </p:style>
+          <p:txBody>
+            <a:bodyPr rtlCol="0" anchor="ctr"/>
+            <a:lstStyle/>
+            <a:p>
+              <a:pPr algn="ctr"/>
+              <a:endParaRPr lang="en-US"/>
+            </a:p>
+          </p:txBody>
+        </p:sp>
+        <p:sp>
+          <p:nvSpPr>
+            <p:cNvPr id="546" name="Rechteck 545"/>
+            <p:cNvSpPr/>
+            <p:nvPr/>
+          </p:nvSpPr>
+          <p:spPr>
+            <a:xfrm>
+              <a:off x="5302748" y="5596140"/>
+              <a:ext cx="98223" cy="215532"/>
+            </a:xfrm>
+            <a:prstGeom prst="rect">
+              <a:avLst/>
+            </a:prstGeom>
+            <a:solidFill>
+              <a:schemeClr val="accent2"/>
+            </a:solidFill>
+          </p:spPr>
+          <p:style>
+            <a:lnRef idx="2">
+              <a:schemeClr val="accent1">
+                <a:shade val="50000"/>
+              </a:schemeClr>
+            </a:lnRef>
+            <a:fillRef idx="1">
+              <a:schemeClr val="accent1"/>
+            </a:fillRef>
+            <a:effectRef idx="0">
+              <a:schemeClr val="accent1"/>
+            </a:effectRef>
+            <a:fontRef idx="minor">
+              <a:schemeClr val="lt1"/>
+            </a:fontRef>
+          </p:style>
+          <p:txBody>
+            <a:bodyPr rtlCol="0" anchor="ctr"/>
+            <a:lstStyle/>
+            <a:p>
+              <a:pPr algn="ctr"/>
+              <a:endParaRPr lang="en-US"/>
+            </a:p>
+          </p:txBody>
+        </p:sp>
+        <p:sp>
+          <p:nvSpPr>
+            <p:cNvPr id="547" name="Rechteck 546"/>
+            <p:cNvSpPr/>
+            <p:nvPr/>
+          </p:nvSpPr>
+          <p:spPr>
+            <a:xfrm>
+              <a:off x="5449936" y="5661378"/>
+              <a:ext cx="98223" cy="146012"/>
+            </a:xfrm>
+            <a:prstGeom prst="rect">
+              <a:avLst/>
+            </a:prstGeom>
+            <a:solidFill>
+              <a:schemeClr val="accent2"/>
+            </a:solidFill>
+          </p:spPr>
+          <p:style>
+            <a:lnRef idx="2">
+              <a:schemeClr val="accent1">
+                <a:shade val="50000"/>
+              </a:schemeClr>
+            </a:lnRef>
+            <a:fillRef idx="1">
+              <a:schemeClr val="accent1"/>
+            </a:fillRef>
+            <a:effectRef idx="0">
+              <a:schemeClr val="accent1"/>
+            </a:effectRef>
+            <a:fontRef idx="minor">
+              <a:schemeClr val="lt1"/>
+            </a:fontRef>
+          </p:style>
+          <p:txBody>
+            <a:bodyPr rtlCol="0" anchor="ctr"/>
+            <a:lstStyle/>
+            <a:p>
+              <a:pPr algn="ctr"/>
+              <a:endParaRPr lang="en-US"/>
+            </a:p>
+          </p:txBody>
+        </p:sp>
+      </p:grpSp>
+      <p:sp>
+        <p:nvSpPr>
+          <p:cNvPr id="548" name="Textfeld 547"/>
+          <p:cNvSpPr txBox="1"/>
+          <p:nvPr/>
+        </p:nvSpPr>
+        <p:spPr>
+          <a:xfrm>
+            <a:off x="6921136" y="5886101"/>
+            <a:ext cx="1666931" cy="369332"/>
+          </a:xfrm>
+          <a:prstGeom prst="rect">
+            <a:avLst/>
+          </a:prstGeom>
+          <a:noFill/>
+        </p:spPr>
+        <p:txBody>
+          <a:bodyPr wrap="none" rtlCol="0">
+            <a:spAutoFit/>
+          </a:bodyPr>
+          <a:lstStyle/>
+          <a:p>
+            <a:r>
+              <a:rPr lang="de-DE" dirty="0" err="1" smtClean="0"/>
+              <a:t>simulation</a:t>
+            </a:r>
+            <a:r>
+              <a:rPr lang="de-DE" dirty="0" smtClean="0"/>
+              <a:t> time</a:t>
+            </a:r>
+            <a:endParaRPr lang="en-US" dirty="0"/>
+          </a:p>
+        </p:txBody>
+      </p:sp>
+      <p:sp>
+        <p:nvSpPr>
+          <p:cNvPr id="549" name="Textfeld 548"/>
+          <p:cNvSpPr txBox="1"/>
+          <p:nvPr/>
+        </p:nvSpPr>
+        <p:spPr>
+          <a:xfrm rot="16200000">
+            <a:off x="5965864" y="5051210"/>
+            <a:ext cx="686085" cy="369332"/>
+          </a:xfrm>
+          <a:prstGeom prst="rect">
+            <a:avLst/>
+          </a:prstGeom>
+          <a:noFill/>
+        </p:spPr>
+        <p:txBody>
+          <a:bodyPr wrap="none" rtlCol="0">
+            <a:spAutoFit/>
+          </a:bodyPr>
+          <a:lstStyle/>
+          <a:p>
+            <a:r>
+              <a:rPr lang="de-DE" dirty="0" err="1" smtClean="0"/>
+              <a:t>cases</a:t>
+            </a:r>
+            <a:endParaRPr lang="en-US" dirty="0"/>
+          </a:p>
+        </p:txBody>
+      </p:sp>
+      <p:sp>
+        <p:nvSpPr>
+          <p:cNvPr id="66" name="Textfeld 65"/>
+          <p:cNvSpPr txBox="1"/>
+          <p:nvPr/>
+        </p:nvSpPr>
+        <p:spPr>
+          <a:xfrm>
+            <a:off x="4672798" y="4578456"/>
+            <a:ext cx="306494" cy="369332"/>
+          </a:xfrm>
+          <a:prstGeom prst="rect">
+            <a:avLst/>
+          </a:prstGeom>
+          <a:noFill/>
+        </p:spPr>
+        <p:txBody>
+          <a:bodyPr wrap="none" rtlCol="0">
+            <a:spAutoFit/>
+          </a:bodyPr>
+          <a:lstStyle/>
+          <a:p>
+            <a:r>
+              <a:rPr lang="de-DE" dirty="0" smtClean="0"/>
+              <a:t>d</a:t>
+            </a:r>
+            <a:endParaRPr lang="en-US" dirty="0"/>
+          </a:p>
+        </p:txBody>
+      </p:sp>
+      <p:sp>
+        <p:nvSpPr>
+          <p:cNvPr id="67" name="Textfeld 66"/>
+          <p:cNvSpPr txBox="1"/>
+          <p:nvPr/>
+        </p:nvSpPr>
+        <p:spPr>
+          <a:xfrm>
+            <a:off x="7057856" y="4882203"/>
+            <a:ext cx="306494" cy="369332"/>
+          </a:xfrm>
+          <a:prstGeom prst="rect">
+            <a:avLst/>
+          </a:prstGeom>
+          <a:noFill/>
+        </p:spPr>
+        <p:txBody>
+          <a:bodyPr wrap="none" rtlCol="0">
+            <a:spAutoFit/>
+          </a:bodyPr>
+          <a:lstStyle/>
+          <a:p>
+            <a:r>
+              <a:rPr lang="de-DE" dirty="0" smtClean="0"/>
+              <a:t>h</a:t>
+            </a:r>
+            <a:endParaRPr lang="en-US" dirty="0"/>
+          </a:p>
+        </p:txBody>
+      </p:sp>
+      <p:grpSp>
+        <p:nvGrpSpPr>
+          <p:cNvPr id="550" name="Gruppieren 549"/>
+          <p:cNvGrpSpPr/>
+          <p:nvPr/>
+        </p:nvGrpSpPr>
+        <p:grpSpPr>
+          <a:xfrm>
+            <a:off x="2097824" y="1841016"/>
+            <a:ext cx="1502072" cy="819687"/>
+            <a:chOff x="5737167" y="2529821"/>
+            <a:chExt cx="1502072" cy="819687"/>
+          </a:xfrm>
+        </p:grpSpPr>
+        <p:sp>
+          <p:nvSpPr>
+            <p:cNvPr id="551" name="Textfeld 550"/>
+            <p:cNvSpPr txBox="1"/>
+            <p:nvPr/>
+          </p:nvSpPr>
+          <p:spPr>
+            <a:xfrm>
+              <a:off x="5956837" y="2980176"/>
+              <a:ext cx="1282402" cy="369332"/>
+            </a:xfrm>
+            <a:prstGeom prst="rect">
+              <a:avLst/>
+            </a:prstGeom>
+            <a:noFill/>
+          </p:spPr>
+          <p:txBody>
+            <a:bodyPr wrap="none" rtlCol="0">
+              <a:spAutoFit/>
+            </a:bodyPr>
+            <a:lstStyle/>
+            <a:p>
+              <a:r>
+                <a:rPr lang="de-DE" dirty="0" err="1" smtClean="0"/>
+                <a:t>progression</a:t>
+              </a:r>
+              <a:endParaRPr lang="en-US" dirty="0"/>
+            </a:p>
+          </p:txBody>
+        </p:sp>
+        <p:grpSp>
+          <p:nvGrpSpPr>
+            <p:cNvPr id="552" name="Gruppieren 551"/>
+            <p:cNvGrpSpPr/>
+            <p:nvPr/>
+          </p:nvGrpSpPr>
+          <p:grpSpPr>
+            <a:xfrm>
+              <a:off x="5737167" y="2529821"/>
+              <a:ext cx="1380907" cy="661284"/>
+              <a:chOff x="5737167" y="2529821"/>
+              <a:chExt cx="1380907" cy="661284"/>
+            </a:xfrm>
+          </p:grpSpPr>
+          <p:cxnSp>
+            <p:nvCxnSpPr>
+              <p:cNvPr id="553" name="Gerade Verbindung mit Pfeil 552"/>
+              <p:cNvCxnSpPr/>
+              <p:nvPr/>
+            </p:nvCxnSpPr>
+            <p:spPr>
+              <a:xfrm>
+                <a:off x="5737167" y="3038705"/>
+                <a:ext cx="1380907" cy="0"/>
+              </a:xfrm>
+              <a:prstGeom prst="straightConnector1">
+                <a:avLst/>
+              </a:prstGeom>
+              <a:ln>
+                <a:tailEnd type="triangle"/>
+              </a:ln>
+            </p:spPr>
+            <p:style>
+              <a:lnRef idx="1">
+                <a:schemeClr val="accent1"/>
+              </a:lnRef>
+              <a:fillRef idx="0">
+                <a:schemeClr val="accent1"/>
+              </a:fillRef>
+              <a:effectRef idx="0">
+                <a:schemeClr val="accent1"/>
+              </a:effectRef>
+              <a:fontRef idx="minor">
+                <a:schemeClr val="tx1"/>
+              </a:fontRef>
+            </p:style>
+          </p:cxnSp>
+          <p:cxnSp>
+            <p:nvCxnSpPr>
+              <p:cNvPr id="554" name="Gerade Verbindung mit Pfeil 553"/>
+              <p:cNvCxnSpPr/>
+              <p:nvPr/>
+            </p:nvCxnSpPr>
+            <p:spPr>
+              <a:xfrm flipV="1">
+                <a:off x="5889567" y="2654708"/>
+                <a:ext cx="430" cy="536397"/>
+              </a:xfrm>
+              <a:prstGeom prst="straightConnector1">
+                <a:avLst/>
+              </a:prstGeom>
+              <a:ln>
+                <a:tailEnd type="triangle"/>
+              </a:ln>
+            </p:spPr>
+            <p:style>
+              <a:lnRef idx="1">
+                <a:schemeClr val="accent1"/>
+              </a:lnRef>
+              <a:fillRef idx="0">
+                <a:schemeClr val="accent1"/>
+              </a:fillRef>
+              <a:effectRef idx="0">
+                <a:schemeClr val="accent1"/>
+              </a:effectRef>
+              <a:fontRef idx="minor">
+                <a:schemeClr val="tx1"/>
+              </a:fontRef>
+            </p:style>
+          </p:cxnSp>
+          <p:sp>
+            <p:nvSpPr>
+              <p:cNvPr id="555" name="Freihandform 554"/>
+              <p:cNvSpPr/>
+              <p:nvPr/>
+            </p:nvSpPr>
+            <p:spPr>
+              <a:xfrm>
+                <a:off x="5902610" y="2799386"/>
+                <a:ext cx="1084667" cy="247476"/>
+              </a:xfrm>
+              <a:custGeom>
+                <a:avLst/>
+                <a:gdLst>
+                  <a:gd name="connsiteX0" fmla="*/ 0 w 1084667"/>
+                  <a:gd name="connsiteY0" fmla="*/ 221287 h 247476"/>
+                  <a:gd name="connsiteX1" fmla="*/ 138736 w 1084667"/>
+                  <a:gd name="connsiteY1" fmla="*/ 227593 h 247476"/>
+                  <a:gd name="connsiteX2" fmla="*/ 447740 w 1084667"/>
+                  <a:gd name="connsiteY2" fmla="*/ 570 h 247476"/>
+                  <a:gd name="connsiteX3" fmla="*/ 763051 w 1084667"/>
+                  <a:gd name="connsiteY3" fmla="*/ 164531 h 247476"/>
+                  <a:gd name="connsiteX4" fmla="*/ 1084667 w 1084667"/>
+                  <a:gd name="connsiteY4" fmla="*/ 221287 h 247476"/>
+                </a:gdLst>
+                <a:ahLst/>
+                <a:cxnLst>
+                  <a:cxn ang="0">
+                    <a:pos x="connsiteX0" y="connsiteY0"/>
+                  </a:cxn>
+                  <a:cxn ang="0">
+                    <a:pos x="connsiteX1" y="connsiteY1"/>
+                  </a:cxn>
+                  <a:cxn ang="0">
+                    <a:pos x="connsiteX2" y="connsiteY2"/>
+                  </a:cxn>
+                  <a:cxn ang="0">
+                    <a:pos x="connsiteX3" y="connsiteY3"/>
+                  </a:cxn>
+                  <a:cxn ang="0">
+                    <a:pos x="connsiteX4" y="connsiteY4"/>
+                  </a:cxn>
+                </a:cxnLst>
+                <a:rect l="l" t="t" r="r" b="b"/>
+                <a:pathLst>
+                  <a:path w="1084667" h="247476">
+                    <a:moveTo>
+                      <a:pt x="0" y="221287"/>
+                    </a:moveTo>
+                    <a:cubicBezTo>
+                      <a:pt x="32056" y="242833"/>
+                      <a:pt x="64113" y="264379"/>
+                      <a:pt x="138736" y="227593"/>
+                    </a:cubicBezTo>
+                    <a:cubicBezTo>
+                      <a:pt x="213359" y="190807"/>
+                      <a:pt x="343688" y="11080"/>
+                      <a:pt x="447740" y="570"/>
+                    </a:cubicBezTo>
+                    <a:cubicBezTo>
+                      <a:pt x="551792" y="-9940"/>
+                      <a:pt x="656897" y="127745"/>
+                      <a:pt x="763051" y="164531"/>
+                    </a:cubicBezTo>
+                    <a:cubicBezTo>
+                      <a:pt x="869205" y="201317"/>
+                      <a:pt x="976936" y="211302"/>
+                      <a:pt x="1084667" y="221287"/>
+                    </a:cubicBezTo>
+                  </a:path>
+                </a:pathLst>
+              </a:custGeom>
+              <a:noFill/>
+            </p:spPr>
+            <p:style>
+              <a:lnRef idx="2">
+                <a:schemeClr val="accent1">
+                  <a:shade val="50000"/>
+                </a:schemeClr>
+              </a:lnRef>
+              <a:fillRef idx="1">
+                <a:schemeClr val="accent1"/>
+              </a:fillRef>
+              <a:effectRef idx="0">
+                <a:schemeClr val="accent1"/>
+              </a:effectRef>
+              <a:fontRef idx="minor">
+                <a:schemeClr val="lt1"/>
+              </a:fontRef>
+            </p:style>
+            <p:txBody>
+              <a:bodyPr rtlCol="0" anchor="ctr"/>
+              <a:lstStyle/>
+              <a:p>
+                <a:pPr algn="ctr"/>
+                <a:endParaRPr lang="en-US"/>
+              </a:p>
+            </p:txBody>
+          </p:sp>
+          <p:cxnSp>
+            <p:nvCxnSpPr>
+              <p:cNvPr id="556" name="Gerader Verbinder 555"/>
+              <p:cNvCxnSpPr/>
+              <p:nvPr/>
+            </p:nvCxnSpPr>
+            <p:spPr>
+              <a:xfrm flipV="1">
+                <a:off x="6364560" y="2635290"/>
+                <a:ext cx="0" cy="403415"/>
+              </a:xfrm>
+              <a:prstGeom prst="line">
+                <a:avLst/>
+              </a:prstGeom>
+            </p:spPr>
+            <p:style>
+              <a:lnRef idx="1">
+                <a:schemeClr val="accent1"/>
+              </a:lnRef>
+              <a:fillRef idx="0">
+                <a:schemeClr val="accent1"/>
+              </a:fillRef>
+              <a:effectRef idx="0">
+                <a:schemeClr val="accent1"/>
+              </a:effectRef>
+              <a:fontRef idx="minor">
+                <a:schemeClr val="tx1"/>
+              </a:fontRef>
+            </p:style>
+          </p:cxnSp>
+          <p:cxnSp>
+            <p:nvCxnSpPr>
+              <p:cNvPr id="557" name="Gerader Verbinder 556"/>
+              <p:cNvCxnSpPr/>
+              <p:nvPr/>
+            </p:nvCxnSpPr>
+            <p:spPr>
+              <a:xfrm flipH="1">
+                <a:off x="6146278" y="2927159"/>
+                <a:ext cx="409516" cy="3322"/>
+              </a:xfrm>
+              <a:prstGeom prst="line">
+                <a:avLst/>
+              </a:prstGeom>
+              <a:ln>
+                <a:headEnd type="arrow" w="med" len="med"/>
+                <a:tailEnd type="arrow" w="med" len="med"/>
+              </a:ln>
+            </p:spPr>
+            <p:style>
+              <a:lnRef idx="1">
+                <a:schemeClr val="accent1"/>
+              </a:lnRef>
+              <a:fillRef idx="0">
+                <a:schemeClr val="accent1"/>
+              </a:fillRef>
+              <a:effectRef idx="0">
+                <a:schemeClr val="accent1"/>
+              </a:effectRef>
+              <a:fontRef idx="minor">
+                <a:schemeClr val="tx1"/>
+              </a:fontRef>
+            </p:style>
+          </p:cxnSp>
+          <p:sp>
+            <p:nvSpPr>
+              <p:cNvPr id="558" name="Textfeld 557"/>
+              <p:cNvSpPr txBox="1"/>
+              <p:nvPr/>
+            </p:nvSpPr>
+            <p:spPr>
+              <a:xfrm>
+                <a:off x="6318752" y="2529821"/>
+                <a:ext cx="340158" cy="369332"/>
+              </a:xfrm>
+              <a:prstGeom prst="rect">
+                <a:avLst/>
+              </a:prstGeom>
+              <a:noFill/>
+            </p:spPr>
+            <p:txBody>
+              <a:bodyPr wrap="none" rtlCol="0">
+                <a:spAutoFit/>
+              </a:bodyPr>
+              <a:lstStyle/>
+              <a:p>
+                <a:r>
+                  <a:rPr lang="de-DE" dirty="0" smtClean="0"/>
+                  <a:t>t</a:t>
+                </a:r>
+                <a:r>
+                  <a:rPr lang="de-DE" baseline="-25000" dirty="0" smtClean="0"/>
+                  <a:t>0</a:t>
+                </a:r>
+                <a:endParaRPr lang="en-US" baseline="-25000" dirty="0"/>
+              </a:p>
+            </p:txBody>
+          </p:sp>
+          <p:sp>
+            <p:nvSpPr>
+              <p:cNvPr id="559" name="Textfeld 558"/>
+              <p:cNvSpPr txBox="1"/>
+              <p:nvPr/>
+            </p:nvSpPr>
+            <p:spPr>
+              <a:xfrm>
+                <a:off x="6269389" y="2756905"/>
+                <a:ext cx="402674" cy="369332"/>
+              </a:xfrm>
+              <a:prstGeom prst="rect">
+                <a:avLst/>
+              </a:prstGeom>
+              <a:noFill/>
+            </p:spPr>
+            <p:txBody>
+              <a:bodyPr wrap="none" rtlCol="0">
+                <a:spAutoFit/>
+              </a:bodyPr>
+              <a:lstStyle/>
+              <a:p>
+                <a:r>
+                  <a:rPr lang="de-DE" dirty="0" smtClean="0">
+                    <a:latin typeface="Symbol" panose="05050102010706020507" pitchFamily="18" charset="2"/>
+                  </a:rPr>
+                  <a:t>s</a:t>
+                </a:r>
+                <a:r>
+                  <a:rPr lang="de-DE" baseline="-25000" dirty="0" smtClean="0"/>
+                  <a:t>0</a:t>
+                </a:r>
+                <a:endParaRPr lang="en-US" baseline="-25000" dirty="0"/>
+              </a:p>
+            </p:txBody>
+          </p:sp>
+        </p:grpSp>
+      </p:grpSp>
+      <p:sp>
+        <p:nvSpPr>
+          <p:cNvPr id="560" name="Rechteck 559"/>
+          <p:cNvSpPr/>
+          <p:nvPr/>
+        </p:nvSpPr>
+        <p:spPr>
+          <a:xfrm>
+            <a:off x="3967764" y="2532529"/>
+            <a:ext cx="84540" cy="316001"/>
+          </a:xfrm>
+          <a:prstGeom prst="rect">
+            <a:avLst/>
+          </a:prstGeom>
+          <a:noFill/>
+          <a:ln w="28575">
+            <a:solidFill>
+              <a:srgbClr val="00B050"/>
+            </a:solidFill>
+          </a:ln>
+        </p:spPr>
+        <p:style>
+          <a:lnRef idx="2">
+            <a:schemeClr val="accent1">
+              <a:shade val="50000"/>
+            </a:schemeClr>
+          </a:lnRef>
+          <a:fillRef idx="1">
+            <a:schemeClr val="accent1"/>
+          </a:fillRef>
+          <a:effectRef idx="0">
+            <a:schemeClr val="accent1"/>
+          </a:effectRef>
+          <a:fontRef idx="minor">
+            <a:schemeClr val="lt1"/>
+          </a:fontRef>
+        </p:style>
+        <p:txBody>
+          <a:bodyPr rtlCol="0" anchor="ctr"/>
+          <a:lstStyle/>
+          <a:p>
+            <a:pPr algn="ctr"/>
+            <a:endParaRPr lang="en-US"/>
+          </a:p>
+        </p:txBody>
+      </p:sp>
+      <p:sp>
+        <p:nvSpPr>
+          <p:cNvPr id="70" name="Textfeld 69"/>
+          <p:cNvSpPr txBox="1"/>
+          <p:nvPr/>
+        </p:nvSpPr>
+        <p:spPr>
+          <a:xfrm rot="16200000">
+            <a:off x="1767517" y="1845145"/>
+            <a:ext cx="712952" cy="369332"/>
+          </a:xfrm>
+          <a:prstGeom prst="rect">
+            <a:avLst/>
+          </a:prstGeom>
+          <a:noFill/>
+        </p:spPr>
+        <p:txBody>
+          <a:bodyPr wrap="none" rtlCol="0">
+            <a:spAutoFit/>
+          </a:bodyPr>
+          <a:lstStyle/>
+          <a:p>
+            <a:r>
+              <a:rPr lang="de-DE" dirty="0" err="1" smtClean="0"/>
+              <a:t>infect</a:t>
+            </a:r>
+            <a:endParaRPr lang="en-US" dirty="0"/>
+          </a:p>
+        </p:txBody>
+      </p:sp>
+      <p:sp>
+        <p:nvSpPr>
+          <p:cNvPr id="562" name="Textfeld 561"/>
+          <p:cNvSpPr txBox="1"/>
+          <p:nvPr/>
+        </p:nvSpPr>
+        <p:spPr>
+          <a:xfrm rot="16200000">
+            <a:off x="5356817" y="2648683"/>
+            <a:ext cx="729174" cy="369332"/>
+          </a:xfrm>
+          <a:prstGeom prst="rect">
+            <a:avLst/>
+          </a:prstGeom>
+          <a:noFill/>
+        </p:spPr>
+        <p:txBody>
+          <a:bodyPr wrap="none" rtlCol="0">
+            <a:spAutoFit/>
+          </a:bodyPr>
+          <a:lstStyle/>
+          <a:p>
+            <a:r>
+              <a:rPr lang="de-DE" dirty="0" err="1" smtClean="0"/>
+              <a:t>death</a:t>
+            </a:r>
+            <a:endParaRPr lang="en-US" dirty="0"/>
+          </a:p>
+        </p:txBody>
+      </p:sp>
+      <p:sp>
+        <p:nvSpPr>
+          <p:cNvPr id="563" name="Textfeld 562"/>
+          <p:cNvSpPr txBox="1"/>
+          <p:nvPr/>
+        </p:nvSpPr>
+        <p:spPr>
+          <a:xfrm rot="16200000">
+            <a:off x="3183372" y="3855726"/>
+            <a:ext cx="1020023" cy="369332"/>
+          </a:xfrm>
+          <a:prstGeom prst="rect">
+            <a:avLst/>
+          </a:prstGeom>
+          <a:noFill/>
+        </p:spPr>
+        <p:txBody>
+          <a:bodyPr wrap="none" rtlCol="0">
+            <a:spAutoFit/>
+          </a:bodyPr>
+          <a:lstStyle/>
+          <a:p>
+            <a:r>
+              <a:rPr lang="de-DE" dirty="0" err="1" smtClean="0"/>
+              <a:t>detected</a:t>
+            </a:r>
+            <a:endParaRPr lang="en-US" dirty="0"/>
+          </a:p>
+        </p:txBody>
+      </p:sp>
+      <p:sp>
+        <p:nvSpPr>
+          <p:cNvPr id="564" name="Textfeld 563"/>
+          <p:cNvSpPr txBox="1"/>
+          <p:nvPr/>
+        </p:nvSpPr>
+        <p:spPr>
+          <a:xfrm rot="16200000">
+            <a:off x="5822009" y="3962543"/>
+            <a:ext cx="1306768" cy="369332"/>
+          </a:xfrm>
+          <a:prstGeom prst="rect">
+            <a:avLst/>
+          </a:prstGeom>
+          <a:noFill/>
+        </p:spPr>
+        <p:txBody>
+          <a:bodyPr wrap="none" rtlCol="0">
+            <a:spAutoFit/>
+          </a:bodyPr>
+          <a:lstStyle/>
+          <a:p>
+            <a:r>
+              <a:rPr lang="de-DE" dirty="0" err="1" smtClean="0"/>
+              <a:t>hospitalized</a:t>
+            </a:r>
+            <a:endParaRPr lang="en-US" dirty="0"/>
+          </a:p>
+        </p:txBody>
+      </p:sp>
+    </p:spTree>
+    <p:extLst>
+      <p:ext uri="{BB962C8B-B14F-4D97-AF65-F5344CB8AC3E}">
+        <p14:creationId xmlns:p14="http://schemas.microsoft.com/office/powerpoint/2010/main" val="1158259911"/>
+      </p:ext>
+    </p:extLst>
+  </p:cSld>
+  <p:clrMapOvr>
+    <a:masterClrMapping/>
+  </p:clrMapOvr>
+  <p:timing>
+    <p:tnLst>
+      <p:par>
+        <p:cTn id="1" dur="indefinite" restart="never" nodeType="tmRoot"/>
+      </p:par>
+    </p:tnLst>
+  </p:timing>
+</p:sld>
+</file>
+
+<file path=ppt/slides/slide4.xml><?xml version="1.0" encoding="utf-8"?>
+<p:sld xmlns:a="http://schemas.openxmlformats.org/drawingml/2006/main" xmlns:r="http://schemas.openxmlformats.org/officeDocument/2006/relationships" xmlns:p="http://schemas.openxmlformats.org/presentationml/2006/main">
+  <p:cSld>
+    <p:spTree>
+      <p:nvGrpSpPr>
+        <p:cNvPr id="1" name=""/>
+        <p:cNvGrpSpPr/>
+        <p:nvPr/>
+      </p:nvGrpSpPr>
+      <p:grpSpPr>
+        <a:xfrm>
+          <a:off x="0" y="0"/>
+          <a:ext cx="0" cy="0"/>
+          <a:chOff x="0" y="0"/>
+          <a:chExt cx="0" cy="0"/>
+        </a:xfrm>
+      </p:grpSpPr>
+      <p:sp>
+        <p:nvSpPr>
           <p:cNvPr id="2" name="Textfeld 1"/>
           <p:cNvSpPr txBox="1"/>
           <p:nvPr/>
@@ -13891,7 +21515,6 @@
               <a:rPr lang="de-DE" dirty="0" smtClean="0"/>
               <a:t>)</a:t>
             </a:r>
-            <a:endParaRPr lang="de-DE" dirty="0" smtClean="0"/>
           </a:p>
         </p:txBody>
       </p:sp>
@@ -13915,7 +21538,7 @@
 </p:sld>
 </file>
 
-<file path=ppt/slides/slide4.xml><?xml version="1.0" encoding="utf-8"?>
+<file path=ppt/slides/slide5.xml><?xml version="1.0" encoding="utf-8"?>
 <p:sld xmlns:a="http://schemas.openxmlformats.org/drawingml/2006/main" xmlns:r="http://schemas.openxmlformats.org/officeDocument/2006/relationships" xmlns:p="http://schemas.openxmlformats.org/presentationml/2006/main">
   <p:cSld>
     <p:spTree>

--- a/CORONA_Model2.pptx
+++ b/CORONA_Model2.pptx
@@ -19883,9 +19883,9 @@
         <p:grpSpPr>
           <a:xfrm>
             <a:off x="2097824" y="1841016"/>
-            <a:ext cx="1502072" cy="819687"/>
+            <a:ext cx="1673594" cy="819687"/>
             <a:chOff x="5737167" y="2529821"/>
-            <a:chExt cx="1502072" cy="819687"/>
+            <a:chExt cx="1673594" cy="819687"/>
           </a:xfrm>
         </p:grpSpPr>
         <p:sp>
@@ -19897,7 +19897,7 @@
           <p:spPr>
             <a:xfrm>
               <a:off x="5956837" y="2980176"/>
-              <a:ext cx="1282402" cy="369332"/>
+              <a:ext cx="1453924" cy="369332"/>
             </a:xfrm>
             <a:prstGeom prst="rect">
               <a:avLst/>
@@ -19913,6 +19913,10 @@
               <a:r>
                 <a:rPr lang="de-DE" dirty="0" err="1" smtClean="0"/>
                 <a:t>progression</a:t>
+              </a:r>
+              <a:r>
+                <a:rPr lang="de-DE" dirty="0" smtClean="0"/>
+                <a:t> p</a:t>
               </a:r>
               <a:endParaRPr lang="en-US" dirty="0"/>
             </a:p>
@@ -20286,9 +20290,9 @@
           <p:nvPr/>
         </p:nvSpPr>
         <p:spPr>
-          <a:xfrm rot="16200000">
-            <a:off x="1767517" y="1845145"/>
-            <a:ext cx="712952" cy="369332"/>
+          <a:xfrm>
+            <a:off x="2137729" y="1691379"/>
+            <a:ext cx="383438" cy="369332"/>
           </a:xfrm>
           <a:prstGeom prst="rect">
             <a:avLst/>
@@ -20302,10 +20306,14 @@
           <a:lstStyle/>
           <a:p>
             <a:r>
-              <a:rPr lang="de-DE" dirty="0" err="1" smtClean="0"/>
-              <a:t>infect</a:t>
-            </a:r>
-            <a:endParaRPr lang="en-US" dirty="0"/>
+              <a:rPr lang="de-DE" dirty="0" smtClean="0"/>
+              <a:t>P</a:t>
+            </a:r>
+            <a:r>
+              <a:rPr lang="de-DE" baseline="-25000" dirty="0" smtClean="0"/>
+              <a:t>p</a:t>
+            </a:r>
+            <a:endParaRPr lang="en-US" baseline="-25000" dirty="0"/>
           </a:p>
         </p:txBody>
       </p:sp>
@@ -20394,6 +20402,36 @@
             <a:r>
               <a:rPr lang="de-DE" dirty="0" err="1" smtClean="0"/>
               <a:t>hospitalized</a:t>
+            </a:r>
+            <a:endParaRPr lang="en-US" dirty="0"/>
+          </a:p>
+        </p:txBody>
+      </p:sp>
+      <p:sp>
+        <p:nvSpPr>
+          <p:cNvPr id="71" name="Textfeld 70"/>
+          <p:cNvSpPr txBox="1"/>
+          <p:nvPr/>
+        </p:nvSpPr>
+        <p:spPr>
+          <a:xfrm>
+            <a:off x="3711121" y="2186408"/>
+            <a:ext cx="242374" cy="369332"/>
+          </a:xfrm>
+          <a:prstGeom prst="rect">
+            <a:avLst/>
+          </a:prstGeom>
+          <a:noFill/>
+        </p:spPr>
+        <p:txBody>
+          <a:bodyPr wrap="none" rtlCol="0">
+            <a:spAutoFit/>
+          </a:bodyPr>
+          <a:lstStyle/>
+          <a:p>
+            <a:r>
+              <a:rPr lang="de-DE" dirty="0" smtClean="0"/>
+              <a:t>I</a:t>
             </a:r>
             <a:endParaRPr lang="en-US" dirty="0"/>
           </a:p>

--- a/CORONA_Model2.pptx
+++ b/CORONA_Model2.pptx
@@ -247,7 +247,7 @@
           <a:p>
             <a:fld id="{892A93C0-FA96-4AF9-A2A1-287FA3C3E6F8}" type="datetimeFigureOut">
               <a:rPr lang="en-US" smtClean="0"/>
-              <a:t>5/13/2020</a:t>
+              <a:t>11/5/2020</a:t>
             </a:fld>
             <a:endParaRPr lang="en-US"/>
           </a:p>
@@ -417,7 +417,7 @@
           <a:p>
             <a:fld id="{892A93C0-FA96-4AF9-A2A1-287FA3C3E6F8}" type="datetimeFigureOut">
               <a:rPr lang="en-US" smtClean="0"/>
-              <a:t>5/13/2020</a:t>
+              <a:t>11/5/2020</a:t>
             </a:fld>
             <a:endParaRPr lang="en-US"/>
           </a:p>
@@ -597,7 +597,7 @@
           <a:p>
             <a:fld id="{892A93C0-FA96-4AF9-A2A1-287FA3C3E6F8}" type="datetimeFigureOut">
               <a:rPr lang="en-US" smtClean="0"/>
-              <a:t>5/13/2020</a:t>
+              <a:t>11/5/2020</a:t>
             </a:fld>
             <a:endParaRPr lang="en-US"/>
           </a:p>
@@ -767,7 +767,7 @@
           <a:p>
             <a:fld id="{892A93C0-FA96-4AF9-A2A1-287FA3C3E6F8}" type="datetimeFigureOut">
               <a:rPr lang="en-US" smtClean="0"/>
-              <a:t>5/13/2020</a:t>
+              <a:t>11/5/2020</a:t>
             </a:fld>
             <a:endParaRPr lang="en-US"/>
           </a:p>
@@ -1013,7 +1013,7 @@
           <a:p>
             <a:fld id="{892A93C0-FA96-4AF9-A2A1-287FA3C3E6F8}" type="datetimeFigureOut">
               <a:rPr lang="en-US" smtClean="0"/>
-              <a:t>5/13/2020</a:t>
+              <a:t>11/5/2020</a:t>
             </a:fld>
             <a:endParaRPr lang="en-US"/>
           </a:p>
@@ -1245,7 +1245,7 @@
           <a:p>
             <a:fld id="{892A93C0-FA96-4AF9-A2A1-287FA3C3E6F8}" type="datetimeFigureOut">
               <a:rPr lang="en-US" smtClean="0"/>
-              <a:t>5/13/2020</a:t>
+              <a:t>11/5/2020</a:t>
             </a:fld>
             <a:endParaRPr lang="en-US"/>
           </a:p>
@@ -1612,7 +1612,7 @@
           <a:p>
             <a:fld id="{892A93C0-FA96-4AF9-A2A1-287FA3C3E6F8}" type="datetimeFigureOut">
               <a:rPr lang="en-US" smtClean="0"/>
-              <a:t>5/13/2020</a:t>
+              <a:t>11/5/2020</a:t>
             </a:fld>
             <a:endParaRPr lang="en-US"/>
           </a:p>
@@ -1730,7 +1730,7 @@
           <a:p>
             <a:fld id="{892A93C0-FA96-4AF9-A2A1-287FA3C3E6F8}" type="datetimeFigureOut">
               <a:rPr lang="en-US" smtClean="0"/>
-              <a:t>5/13/2020</a:t>
+              <a:t>11/5/2020</a:t>
             </a:fld>
             <a:endParaRPr lang="en-US"/>
           </a:p>
@@ -1825,7 +1825,7 @@
           <a:p>
             <a:fld id="{892A93C0-FA96-4AF9-A2A1-287FA3C3E6F8}" type="datetimeFigureOut">
               <a:rPr lang="en-US" smtClean="0"/>
-              <a:t>5/13/2020</a:t>
+              <a:t>11/5/2020</a:t>
             </a:fld>
             <a:endParaRPr lang="en-US"/>
           </a:p>
@@ -2102,7 +2102,7 @@
           <a:p>
             <a:fld id="{892A93C0-FA96-4AF9-A2A1-287FA3C3E6F8}" type="datetimeFigureOut">
               <a:rPr lang="en-US" smtClean="0"/>
-              <a:t>5/13/2020</a:t>
+              <a:t>11/5/2020</a:t>
             </a:fld>
             <a:endParaRPr lang="en-US"/>
           </a:p>
@@ -2355,7 +2355,7 @@
           <a:p>
             <a:fld id="{892A93C0-FA96-4AF9-A2A1-287FA3C3E6F8}" type="datetimeFigureOut">
               <a:rPr lang="en-US" smtClean="0"/>
-              <a:t>5/13/2020</a:t>
+              <a:t>11/5/2020</a:t>
             </a:fld>
             <a:endParaRPr lang="en-US"/>
           </a:p>
@@ -2568,7 +2568,7 @@
           <a:p>
             <a:fld id="{892A93C0-FA96-4AF9-A2A1-287FA3C3E6F8}" type="datetimeFigureOut">
               <a:rPr lang="en-US" smtClean="0"/>
-              <a:t>5/13/2020</a:t>
+              <a:t>11/5/2020</a:t>
             </a:fld>
             <a:endParaRPr lang="en-US"/>
           </a:p>
@@ -13423,7 +13423,7 @@
           <p:spPr>
             <a:xfrm>
               <a:off x="1020228" y="1610336"/>
-              <a:ext cx="852156" cy="474410"/>
+              <a:ext cx="540212" cy="474410"/>
             </a:xfrm>
             <a:prstGeom prst="rect">
               <a:avLst/>
@@ -13437,8 +13437,8 @@
             <a:lstStyle/>
             <a:p>
               <a:r>
-                <a:rPr lang="de-DE" dirty="0" err="1" smtClean="0"/>
-                <a:t>District</a:t>
+                <a:rPr lang="de-DE" dirty="0" smtClean="0"/>
+                <a:t>Age</a:t>
               </a:r>
               <a:endParaRPr lang="en-US" dirty="0"/>
             </a:p>
@@ -14664,8 +14664,8 @@
           </a:fontRef>
         </p:style>
       </p:cxnSp>
-      <mc:AlternateContent xmlns:mc="http://schemas.openxmlformats.org/markup-compatibility/2006">
-        <mc:Choice xmlns:a14="http://schemas.microsoft.com/office/drawing/2010/main" Requires="a14">
+      <mc:AlternateContent xmlns:mc="http://schemas.openxmlformats.org/markup-compatibility/2006" xmlns:a14="http://schemas.microsoft.com/office/drawing/2010/main">
+        <mc:Choice Requires="a14">
           <p:sp>
             <p:nvSpPr>
               <p:cNvPr id="144" name="Textfeld 143"/>
@@ -14711,62 +14711,84 @@
                         <m:sSub>
                           <m:sSubPr>
                             <m:ctrlPr>
-                              <a:rPr lang="en-US" i="1"/>
+                              <a:rPr lang="en-US" i="1">
+                                <a:latin typeface="Cambria Math" panose="02040503050406030204" pitchFamily="18" charset="0"/>
+                              </a:rPr>
                             </m:ctrlPr>
                           </m:sSubPr>
                           <m:e>
                             <m:r>
-                              <a:rPr lang="en-US" i="1"/>
+                              <a:rPr lang="en-US" i="1">
+                                <a:latin typeface="Cambria Math" panose="02040503050406030204" pitchFamily="18" charset="0"/>
+                              </a:rPr>
                               <m:t>𝐼</m:t>
                             </m:r>
                           </m:e>
                           <m:sub>
                             <m:r>
-                              <a:rPr lang="en-US" i="1"/>
+                              <a:rPr lang="en-US" i="1">
+                                <a:latin typeface="Cambria Math" panose="02040503050406030204" pitchFamily="18" charset="0"/>
+                              </a:rPr>
                               <m:t>𝑝</m:t>
                             </m:r>
                           </m:sub>
                         </m:sSub>
                         <m:r>
-                          <a:rPr lang="en-US" i="1"/>
+                          <a:rPr lang="en-US" i="1">
+                            <a:latin typeface="Cambria Math" panose="02040503050406030204" pitchFamily="18" charset="0"/>
+                          </a:rPr>
                           <m:t> </m:t>
                         </m:r>
                         <m:r>
-                          <a:rPr lang="en-US" i="1"/>
+                          <a:rPr lang="en-US" i="1">
+                            <a:latin typeface="Cambria Math" panose="02040503050406030204" pitchFamily="18" charset="0"/>
+                          </a:rPr>
                           <m:t>𝑅</m:t>
                         </m:r>
                         <m:d>
                           <m:dPr>
                             <m:ctrlPr>
-                              <a:rPr lang="en-US" i="1"/>
+                              <a:rPr lang="en-US" i="1">
+                                <a:latin typeface="Cambria Math" panose="02040503050406030204" pitchFamily="18" charset="0"/>
+                              </a:rPr>
                             </m:ctrlPr>
                           </m:dPr>
                           <m:e>
                             <m:r>
-                              <a:rPr lang="en-US" i="1"/>
+                              <a:rPr lang="en-US" i="1">
+                                <a:latin typeface="Cambria Math" panose="02040503050406030204" pitchFamily="18" charset="0"/>
+                              </a:rPr>
                               <m:t>𝑡</m:t>
                             </m:r>
                           </m:e>
                         </m:d>
                         <m:r>
-                          <a:rPr lang="en-US" i="1"/>
+                          <a:rPr lang="en-US" i="1">
+                            <a:latin typeface="Cambria Math" panose="02040503050406030204" pitchFamily="18" charset="0"/>
+                          </a:rPr>
                           <m:t> </m:t>
                         </m:r>
                         <m:sSub>
                           <m:sSubPr>
                             <m:ctrlPr>
-                              <a:rPr lang="en-US" i="1"/>
+                              <a:rPr lang="en-US" i="1">
+                                <a:latin typeface="Cambria Math" panose="02040503050406030204" pitchFamily="18" charset="0"/>
+                              </a:rPr>
                             </m:ctrlPr>
                           </m:sSubPr>
                           <m:e>
                             <m:r>
-                              <a:rPr lang="en-US" i="1"/>
+                              <a:rPr lang="en-US" i="1">
+                                <a:latin typeface="Cambria Math" panose="02040503050406030204" pitchFamily="18" charset="0"/>
+                              </a:rPr>
                               <m:t>𝑃</m:t>
                             </m:r>
                           </m:e>
                           <m:sub>
                             <m:r>
-                              <a:rPr lang="en-US" i="1"/>
+                              <a:rPr lang="en-US" i="1">
+                                <a:latin typeface="Cambria Math" panose="02040503050406030204" pitchFamily="18" charset="0"/>
+                              </a:rPr>
                               <m:t>𝑝</m:t>
                             </m:r>
                           </m:sub>
@@ -14780,7 +14802,7 @@
             </p:txBody>
           </p:sp>
         </mc:Choice>
-        <mc:Fallback>
+        <mc:Fallback xmlns="">
           <p:sp>
             <p:nvSpPr>
               <p:cNvPr id="144" name="Textfeld 143"/>
@@ -15921,7 +15943,7 @@
           <p:spPr>
             <a:xfrm>
               <a:off x="1020228" y="1610336"/>
-              <a:ext cx="852156" cy="474410"/>
+              <a:ext cx="540212" cy="474410"/>
             </a:xfrm>
             <a:prstGeom prst="rect">
               <a:avLst/>
@@ -15935,8 +15957,8 @@
             <a:lstStyle/>
             <a:p>
               <a:r>
-                <a:rPr lang="de-DE" dirty="0" err="1" smtClean="0"/>
-                <a:t>District</a:t>
+                <a:rPr lang="de-DE" dirty="0" smtClean="0"/>
+                <a:t>Age</a:t>
               </a:r>
               <a:endParaRPr lang="en-US" dirty="0"/>
             </a:p>
